--- a/solutions/aws/cloud/onpremise-to-cloud-migration/presales/solution-briefing.pptx
+++ b/solutions/aws/cloud/onpremise-to-cloud-migration/presales/solution-briefing.pptx
@@ -3917,10 +3917,7 @@
             <a:pPr/>
             <a:r>
               <a:rPr b="1"/>
-              <a:t>Phase 1: Discovery &amp; Assessment</a:t>
-            </a:r>
-            <a:r>
-              <a:t> *(Months 1-2)*</a:t>
+              <a:t>Phase 1: Discovery &amp; Assessment (Months 1-2)</a:t>
             </a:r>
           </a:p>
           <a:p>
@@ -3945,10 +3942,7 @@
             <a:pPr/>
             <a:r>
               <a:rPr b="1"/>
-              <a:t>Phase 2: Migration Execution</a:t>
-            </a:r>
-            <a:r>
-              <a:t> *(Months 3-6)*</a:t>
+              <a:t>Phase 2: Migration Execution (Months 3-6)</a:t>
             </a:r>
           </a:p>
           <a:p>
@@ -3973,10 +3967,7 @@
             <a:pPr/>
             <a:r>
               <a:rPr b="1"/>
-              <a:t>Phase 3: Optimization</a:t>
-            </a:r>
-            <a:r>
-              <a:t> *(Months 7-9)*</a:t>
+              <a:t>Phase 3: Optimization (Months 7-9)</a:t>
             </a:r>
           </a:p>
           <a:p>

--- a/solutions/aws/cloud/onpremise-to-cloud-migration/presales/solution-briefing.pptx
+++ b/solutions/aws/cloud/onpremise-to-cloud-migration/presales/solution-briefing.pptx
@@ -4333,7 +4333,7 @@
                     <a:lstStyle/>
                     <a:p>
                       <a:r>
-                        <a:rPr sz="1100"/>
+                        <a:rPr b="1" sz="1100"/>
                         <a:t>Phase 3</a:t>
                       </a:r>
                     </a:p>
@@ -4350,7 +4350,7 @@
                     <a:lstStyle/>
                     <a:p>
                       <a:r>
-                        <a:rPr sz="1100"/>
+                        <a:rPr b="1" sz="1100"/>
                         <a:t>Optimization &amp; Closure</a:t>
                       </a:r>
                     </a:p>
@@ -4367,7 +4367,7 @@
                     <a:lstStyle/>
                     <a:p>
                       <a:r>
-                        <a:rPr sz="1100"/>
+                        <a:rPr b="1" sz="1100"/>
                         <a:t>Months 7-9</a:t>
                       </a:r>
                     </a:p>
@@ -4384,7 +4384,7 @@
                     <a:lstStyle/>
                     <a:p>
                       <a:r>
-                        <a:rPr sz="1100"/>
+                        <a:rPr b="1" sz="1100"/>
                         <a:t>Infrastructure right-sized, Costs optimized, On-premises decommissioned</a:t>
                       </a:r>
                     </a:p>
@@ -4846,7 +4846,7 @@
         </p:nvGraphicFramePr>
         <p:xfrm>
           <a:off x="256855" y="677011"/>
-          <a:ext cx="8710929" cy="1854200"/>
+          <a:ext cx="8719641" cy="2225040"/>
         </p:xfrm>
         <a:graphic>
           <a:graphicData uri="http://schemas.openxmlformats.org/drawingml/2006/table">
@@ -4855,11 +4855,13 @@
                 <a:tableStyleId>{5C22544A-7EE6-4342-B048-85BDC9FD1C3A}</a:tableStyleId>
               </a:tblPr>
               <a:tblGrid>
-                <a:gridCol w="2177733"/>
-                <a:gridCol w="1306639"/>
-                <a:gridCol w="1045311"/>
                 <a:gridCol w="1567967"/>
-                <a:gridCol w="2613279"/>
+                <a:gridCol w="1132421"/>
+                <a:gridCol w="1742186"/>
+                <a:gridCol w="1132421"/>
+                <a:gridCol w="993046"/>
+                <a:gridCol w="993046"/>
+                <a:gridCol w="1158554"/>
               </a:tblGrid>
               <a:tr h="370840">
                 <a:tc>
@@ -4894,7 +4896,49 @@
                             <a:srgbClr val="FFFFFF"/>
                           </a:solidFill>
                         </a:rPr>
-                        <a:t>Year 1</a:t>
+                        <a:t>Year 1 List</a:t>
+                      </a:r>
+                    </a:p>
+                  </a:txBody>
+                  <a:tcPr>
+                    <a:solidFill>
+                      <a:srgbClr val="A01C02"/>
+                    </a:solidFill>
+                  </a:tcPr>
+                </a:tc>
+                <a:tc>
+                  <a:txBody>
+                    <a:bodyPr/>
+                    <a:lstStyle/>
+                    <a:p>
+                      <a:r>
+                        <a:rPr b="1" sz="1400">
+                          <a:solidFill>
+                            <a:srgbClr val="FFFFFF"/>
+                          </a:solidFill>
+                        </a:rPr>
+                        <a:t>AWS/Partner Credits</a:t>
+                      </a:r>
+                    </a:p>
+                  </a:txBody>
+                  <a:tcPr>
+                    <a:solidFill>
+                      <a:srgbClr val="A01C02"/>
+                    </a:solidFill>
+                  </a:tcPr>
+                </a:tc>
+                <a:tc>
+                  <a:txBody>
+                    <a:bodyPr/>
+                    <a:lstStyle/>
+                    <a:p>
+                      <a:r>
+                        <a:rPr b="1" sz="1400">
+                          <a:solidFill>
+                            <a:srgbClr val="FFFFFF"/>
+                          </a:solidFill>
+                        </a:rPr>
+                        <a:t>Year 1 Net</a:t>
                       </a:r>
                     </a:p>
                   </a:txBody>
@@ -4993,7 +5037,41 @@
                     <a:p>
                       <a:r>
                         <a:rPr sz="1100"/>
-                        <a:t>$514,000</a:t>
+                        <a:t>$125,150</a:t>
+                      </a:r>
+                    </a:p>
+                  </a:txBody>
+                  <a:tcPr>
+                    <a:solidFill>
+                      <a:srgbClr val="E7E6E6"/>
+                    </a:solidFill>
+                  </a:tcPr>
+                </a:tc>
+                <a:tc>
+                  <a:txBody>
+                    <a:bodyPr/>
+                    <a:lstStyle/>
+                    <a:p>
+                      <a:r>
+                        <a:rPr sz="1100"/>
+                        <a:t>($22,000)</a:t>
+                      </a:r>
+                    </a:p>
+                  </a:txBody>
+                  <a:tcPr>
+                    <a:solidFill>
+                      <a:srgbClr val="E7E6E6"/>
+                    </a:solidFill>
+                  </a:tcPr>
+                </a:tc>
+                <a:tc>
+                  <a:txBody>
+                    <a:bodyPr/>
+                    <a:lstStyle/>
+                    <a:p>
+                      <a:r>
+                        <a:rPr sz="1100"/>
+                        <a:t>$103,150</a:t>
                       </a:r>
                     </a:p>
                   </a:txBody>
@@ -5044,7 +5122,7 @@
                     <a:p>
                       <a:r>
                         <a:rPr sz="1100"/>
-                        <a:t>$514,000</a:t>
+                        <a:t>$103,150</a:t>
                       </a:r>
                     </a:p>
                   </a:txBody>
@@ -5080,7 +5158,7 @@
                     <a:p>
                       <a:r>
                         <a:rPr sz="1100"/>
-                        <a:t>$200,532</a:t>
+                        <a:t>$9,572</a:t>
                       </a:r>
                     </a:p>
                   </a:txBody>
@@ -5097,7 +5175,7 @@
                     <a:p>
                       <a:r>
                         <a:rPr sz="1100"/>
-                        <a:t>$25,282</a:t>
+                        <a:t>($8,117)</a:t>
                       </a:r>
                     </a:p>
                   </a:txBody>
@@ -5114,7 +5192,7 @@
                     <a:p>
                       <a:r>
                         <a:rPr sz="1100"/>
-                        <a:t>$25,282</a:t>
+                        <a:t>$1,455</a:t>
                       </a:r>
                     </a:p>
                   </a:txBody>
@@ -5131,7 +5209,41 @@
                     <a:p>
                       <a:r>
                         <a:rPr sz="1100"/>
-                        <a:t>$251,096</a:t>
+                        <a:t>$9,472</a:t>
+                      </a:r>
+                    </a:p>
+                  </a:txBody>
+                  <a:tcPr>
+                    <a:solidFill>
+                      <a:srgbClr val="E7E6E6"/>
+                    </a:solidFill>
+                  </a:tcPr>
+                </a:tc>
+                <a:tc>
+                  <a:txBody>
+                    <a:bodyPr/>
+                    <a:lstStyle/>
+                    <a:p>
+                      <a:r>
+                        <a:rPr sz="1100"/>
+                        <a:t>$9,472</a:t>
+                      </a:r>
+                    </a:p>
+                  </a:txBody>
+                  <a:tcPr>
+                    <a:solidFill>
+                      <a:srgbClr val="E7E6E6"/>
+                    </a:solidFill>
+                  </a:tcPr>
+                </a:tc>
+                <a:tc>
+                  <a:txBody>
+                    <a:bodyPr/>
+                    <a:lstStyle/>
+                    <a:p>
+                      <a:r>
+                        <a:rPr sz="1100"/>
+                        <a:t>$20,399</a:t>
                       </a:r>
                     </a:p>
                   </a:txBody>
@@ -5167,7 +5279,7 @@
                     <a:p>
                       <a:r>
                         <a:rPr sz="1100"/>
-                        <a:t>$25,000</a:t>
+                        <a:t>$3,132</a:t>
                       </a:r>
                     </a:p>
                   </a:txBody>
@@ -5201,7 +5313,7 @@
                     <a:p>
                       <a:r>
                         <a:rPr sz="1100"/>
-                        <a:t>$0</a:t>
+                        <a:t>$3,132</a:t>
                       </a:r>
                     </a:p>
                   </a:txBody>
@@ -5218,7 +5330,41 @@
                     <a:p>
                       <a:r>
                         <a:rPr sz="1100"/>
-                        <a:t>$25,000</a:t>
+                        <a:t>$3,132</a:t>
+                      </a:r>
+                    </a:p>
+                  </a:txBody>
+                  <a:tcPr>
+                    <a:solidFill>
+                      <a:srgbClr val="E7E6E6"/>
+                    </a:solidFill>
+                  </a:tcPr>
+                </a:tc>
+                <a:tc>
+                  <a:txBody>
+                    <a:bodyPr/>
+                    <a:lstStyle/>
+                    <a:p>
+                      <a:r>
+                        <a:rPr sz="1100"/>
+                        <a:t>$3,132</a:t>
+                      </a:r>
+                    </a:p>
+                  </a:txBody>
+                  <a:tcPr>
+                    <a:solidFill>
+                      <a:srgbClr val="E7E6E6"/>
+                    </a:solidFill>
+                  </a:tcPr>
+                </a:tc>
+                <a:tc>
+                  <a:txBody>
+                    <a:bodyPr/>
+                    <a:lstStyle/>
+                    <a:p>
+                      <a:r>
+                        <a:rPr sz="1100"/>
+                        <a:t>$9,396</a:t>
                       </a:r>
                     </a:p>
                   </a:txBody>
@@ -5237,7 +5383,7 @@
                     <a:p>
                       <a:r>
                         <a:rPr sz="1100"/>
-                        <a:t>TOTAL SOLUTION INVESTMENT</a:t>
+                        <a:t>Support &amp; Maintenance</a:t>
                       </a:r>
                     </a:p>
                   </a:txBody>
@@ -5254,7 +5400,7 @@
                     <a:p>
                       <a:r>
                         <a:rPr sz="1100"/>
-                        <a:t>$739,532</a:t>
+                        <a:t>$1,462</a:t>
                       </a:r>
                     </a:p>
                   </a:txBody>
@@ -5271,7 +5417,7 @@
                     <a:p>
                       <a:r>
                         <a:rPr sz="1100"/>
-                        <a:t>$25,282</a:t>
+                        <a:t>$0</a:t>
                       </a:r>
                     </a:p>
                   </a:txBody>
@@ -5288,7 +5434,7 @@
                     <a:p>
                       <a:r>
                         <a:rPr sz="1100"/>
-                        <a:t>$25,282</a:t>
+                        <a:t>$1,462</a:t>
                       </a:r>
                     </a:p>
                   </a:txBody>
@@ -5305,7 +5451,162 @@
                     <a:p>
                       <a:r>
                         <a:rPr sz="1100"/>
-                        <a:t>$790,096</a:t>
+                        <a:t>$1,462</a:t>
+                      </a:r>
+                    </a:p>
+                  </a:txBody>
+                  <a:tcPr>
+                    <a:solidFill>
+                      <a:srgbClr val="E7E6E6"/>
+                    </a:solidFill>
+                  </a:tcPr>
+                </a:tc>
+                <a:tc>
+                  <a:txBody>
+                    <a:bodyPr/>
+                    <a:lstStyle/>
+                    <a:p>
+                      <a:r>
+                        <a:rPr sz="1100"/>
+                        <a:t>$1,462</a:t>
+                      </a:r>
+                    </a:p>
+                  </a:txBody>
+                  <a:tcPr>
+                    <a:solidFill>
+                      <a:srgbClr val="E7E6E6"/>
+                    </a:solidFill>
+                  </a:tcPr>
+                </a:tc>
+                <a:tc>
+                  <a:txBody>
+                    <a:bodyPr/>
+                    <a:lstStyle/>
+                    <a:p>
+                      <a:r>
+                        <a:rPr sz="1100"/>
+                        <a:t>$4,386</a:t>
+                      </a:r>
+                    </a:p>
+                  </a:txBody>
+                  <a:tcPr>
+                    <a:solidFill>
+                      <a:srgbClr val="E7E6E6"/>
+                    </a:solidFill>
+                  </a:tcPr>
+                </a:tc>
+              </a:tr>
+              <a:tr h="370840">
+                <a:tc>
+                  <a:txBody>
+                    <a:bodyPr/>
+                    <a:lstStyle/>
+                    <a:p>
+                      <a:r>
+                        <a:rPr b="1" sz="1100"/>
+                        <a:t>TOTAL INVESTMENT</a:t>
+                      </a:r>
+                    </a:p>
+                  </a:txBody>
+                  <a:tcPr>
+                    <a:solidFill>
+                      <a:srgbClr val="E7E6E6"/>
+                    </a:solidFill>
+                  </a:tcPr>
+                </a:tc>
+                <a:tc>
+                  <a:txBody>
+                    <a:bodyPr/>
+                    <a:lstStyle/>
+                    <a:p>
+                      <a:r>
+                        <a:rPr b="1" sz="1100"/>
+                        <a:t>$139,316</a:t>
+                      </a:r>
+                    </a:p>
+                  </a:txBody>
+                  <a:tcPr>
+                    <a:solidFill>
+                      <a:srgbClr val="E7E6E6"/>
+                    </a:solidFill>
+                  </a:tcPr>
+                </a:tc>
+                <a:tc>
+                  <a:txBody>
+                    <a:bodyPr/>
+                    <a:lstStyle/>
+                    <a:p>
+                      <a:r>
+                        <a:rPr b="1" sz="1100"/>
+                        <a:t>($30,117)</a:t>
+                      </a:r>
+                    </a:p>
+                  </a:txBody>
+                  <a:tcPr>
+                    <a:solidFill>
+                      <a:srgbClr val="E7E6E6"/>
+                    </a:solidFill>
+                  </a:tcPr>
+                </a:tc>
+                <a:tc>
+                  <a:txBody>
+                    <a:bodyPr/>
+                    <a:lstStyle/>
+                    <a:p>
+                      <a:r>
+                        <a:rPr b="1" sz="1100"/>
+                        <a:t>$109,199</a:t>
+                      </a:r>
+                    </a:p>
+                  </a:txBody>
+                  <a:tcPr>
+                    <a:solidFill>
+                      <a:srgbClr val="E7E6E6"/>
+                    </a:solidFill>
+                  </a:tcPr>
+                </a:tc>
+                <a:tc>
+                  <a:txBody>
+                    <a:bodyPr/>
+                    <a:lstStyle/>
+                    <a:p>
+                      <a:r>
+                        <a:rPr b="1" sz="1100"/>
+                        <a:t>$14,066</a:t>
+                      </a:r>
+                    </a:p>
+                  </a:txBody>
+                  <a:tcPr>
+                    <a:solidFill>
+                      <a:srgbClr val="E7E6E6"/>
+                    </a:solidFill>
+                  </a:tcPr>
+                </a:tc>
+                <a:tc>
+                  <a:txBody>
+                    <a:bodyPr/>
+                    <a:lstStyle/>
+                    <a:p>
+                      <a:r>
+                        <a:rPr b="1" sz="1100"/>
+                        <a:t>$14,066</a:t>
+                      </a:r>
+                    </a:p>
+                  </a:txBody>
+                  <a:tcPr>
+                    <a:solidFill>
+                      <a:srgbClr val="E7E6E6"/>
+                    </a:solidFill>
+                  </a:tcPr>
+                </a:tc>
+                <a:tc>
+                  <a:txBody>
+                    <a:bodyPr/>
+                    <a:lstStyle/>
+                    <a:p>
+                      <a:r>
+                        <a:rPr b="1" sz="1100"/>
+                        <a:t>$137,331</a:t>
                       </a:r>
                     </a:p>
                   </a:txBody>

--- a/solutions/aws/cloud/onpremise-to-cloud-migration/presales/solution-briefing.pptx
+++ b/solutions/aws/cloud/onpremise-to-cloud-migration/presales/solution-briefing.pptx
@@ -3579,12 +3579,12 @@
             <a:picLocks noGrp="1" noChangeAspect="1"/>
           </p:cNvPicPr>
           <p:nvPr>
-            <p:ph type="pic" idx="13" sz="quarter"/>
+            <p:ph type="pic" idx="14" sz="quarter"/>
           </p:nvPr>
         </p:nvPicPr>
         <p:blipFill>
           <a:blip r:embed="rId2"/>
-          <a:srcRect t="6762" b="6762"/>
+          <a:srcRect t="6314" b="6314"/>
           <a:stretch>
             <a:fillRect/>
           </a:stretch>
@@ -3598,7 +3598,7 @@
             <a:spLocks noGrp="1"/>
           </p:cNvSpPr>
           <p:nvPr>
-            <p:ph type="body" idx="14" sz="quarter"/>
+            <p:ph type="body" idx="16" sz="quarter"/>
           </p:nvPr>
         </p:nvSpPr>
         <p:spPr/>
@@ -3630,6 +3630,22 @@
               <a:t>Modernize legacy applications while reducing technical debt and maintenance burden</a:t>
             </a:r>
           </a:p>
+        </p:txBody>
+      </p:sp>
+      <p:sp>
+        <p:nvSpPr>
+          <p:cNvPr id="5" name="Text Placeholder 4"/>
+          <p:cNvSpPr>
+            <a:spLocks noGrp="1"/>
+          </p:cNvSpPr>
+          <p:nvPr>
+            <p:ph type="body" idx="17" sz="quarter"/>
+          </p:nvPr>
+        </p:nvSpPr>
+        <p:spPr/>
+        <p:txBody>
+          <a:bodyPr/>
+          <a:lstStyle/>
           <a:p>
             <a:pPr/>
             <a:r>
@@ -3659,7 +3675,7 @@
       </p:sp>
       <p:pic>
         <p:nvPicPr>
-          <p:cNvPr id="5" name="Picture 4" descr="eo-framework-logo-real.png"/>
+          <p:cNvPr id="6" name="Picture 5" descr="eo-framework-logo-real.png"/>
           <p:cNvPicPr>
             <a:picLocks noChangeAspect="1"/>
           </p:cNvPicPr>
@@ -4107,7 +4123,7 @@
                     <a:lstStyle/>
                     <a:p>
                       <a:r>
-                        <a:rPr b="1" sz="1400">
+                        <a:rPr sz="1400">
                           <a:solidFill>
                             <a:srgbClr val="FFFFFF"/>
                           </a:solidFill>
@@ -4128,7 +4144,7 @@
                     <a:lstStyle/>
                     <a:p>
                       <a:r>
-                        <a:rPr b="1" sz="1400">
+                        <a:rPr sz="1400">
                           <a:solidFill>
                             <a:srgbClr val="FFFFFF"/>
                           </a:solidFill>
@@ -4149,7 +4165,7 @@
                     <a:lstStyle/>
                     <a:p>
                       <a:r>
-                        <a:rPr b="1" sz="1400">
+                        <a:rPr sz="1400">
                           <a:solidFill>
                             <a:srgbClr val="FFFFFF"/>
                           </a:solidFill>
@@ -4170,7 +4186,7 @@
                     <a:lstStyle/>
                     <a:p>
                       <a:r>
-                        <a:rPr b="1" sz="1400">
+                        <a:rPr sz="1400">
                           <a:solidFill>
                             <a:srgbClr val="FFFFFF"/>
                           </a:solidFill>
@@ -4333,7 +4349,7 @@
                     <a:lstStyle/>
                     <a:p>
                       <a:r>
-                        <a:rPr b="1" sz="1100"/>
+                        <a:rPr sz="1100"/>
                         <a:t>Phase 3</a:t>
                       </a:r>
                     </a:p>
@@ -4350,7 +4366,7 @@
                     <a:lstStyle/>
                     <a:p>
                       <a:r>
-                        <a:rPr b="1" sz="1100"/>
+                        <a:rPr sz="1100"/>
                         <a:t>Optimization &amp; Closure</a:t>
                       </a:r>
                     </a:p>
@@ -4367,7 +4383,7 @@
                     <a:lstStyle/>
                     <a:p>
                       <a:r>
-                        <a:rPr b="1" sz="1100"/>
+                        <a:rPr sz="1100"/>
                         <a:t>Months 7-9</a:t>
                       </a:r>
                     </a:p>
@@ -4384,7 +4400,7 @@
                     <a:lstStyle/>
                     <a:p>
                       <a:r>
-                        <a:rPr b="1" sz="1100"/>
+                        <a:rPr sz="1100"/>
                         <a:t>Infrastructure right-sized, Costs optimized, On-premises decommissioned</a:t>
                       </a:r>
                     </a:p>
@@ -4870,7 +4886,7 @@
                     <a:lstStyle/>
                     <a:p>
                       <a:r>
-                        <a:rPr b="1" sz="1400">
+                        <a:rPr sz="1400">
                           <a:solidFill>
                             <a:srgbClr val="FFFFFF"/>
                           </a:solidFill>
@@ -4891,7 +4907,7 @@
                     <a:lstStyle/>
                     <a:p>
                       <a:r>
-                        <a:rPr b="1" sz="1400">
+                        <a:rPr sz="1400">
                           <a:solidFill>
                             <a:srgbClr val="FFFFFF"/>
                           </a:solidFill>
@@ -4912,7 +4928,7 @@
                     <a:lstStyle/>
                     <a:p>
                       <a:r>
-                        <a:rPr b="1" sz="1400">
+                        <a:rPr sz="1400">
                           <a:solidFill>
                             <a:srgbClr val="FFFFFF"/>
                           </a:solidFill>
@@ -4933,7 +4949,7 @@
                     <a:lstStyle/>
                     <a:p>
                       <a:r>
-                        <a:rPr b="1" sz="1400">
+                        <a:rPr sz="1400">
                           <a:solidFill>
                             <a:srgbClr val="FFFFFF"/>
                           </a:solidFill>
@@ -4954,7 +4970,7 @@
                     <a:lstStyle/>
                     <a:p>
                       <a:r>
-                        <a:rPr b="1" sz="1400">
+                        <a:rPr sz="1400">
                           <a:solidFill>
                             <a:srgbClr val="FFFFFF"/>
                           </a:solidFill>
@@ -4975,7 +4991,7 @@
                     <a:lstStyle/>
                     <a:p>
                       <a:r>
-                        <a:rPr b="1" sz="1400">
+                        <a:rPr sz="1400">
                           <a:solidFill>
                             <a:srgbClr val="FFFFFF"/>
                           </a:solidFill>
@@ -4996,7 +5012,7 @@
                     <a:lstStyle/>
                     <a:p>
                       <a:r>
-                        <a:rPr b="1" sz="1400">
+                        <a:rPr sz="1400">
                           <a:solidFill>
                             <a:srgbClr val="FFFFFF"/>
                           </a:solidFill>
@@ -5720,43 +5736,71 @@
           <a:p>
             <a:pPr/>
             <a:r>
-              <a:t>Decision: Executive approval for discovery and migration planning by [specific date]</a:t>
+              <a:rPr b="1"/>
+              <a:t>Decision:</a:t>
+            </a:r>
+            <a:r>
+              <a:t> Executive approval for discovery and migration planning by [specific date]</a:t>
             </a:r>
           </a:p>
           <a:p>
             <a:pPr/>
             <a:r>
-              <a:t>Kickoff: Discovery phase start date [30 days from approval]</a:t>
+              <a:rPr b="1"/>
+              <a:t>Kickoff:</a:t>
+            </a:r>
+            <a:r>
+              <a:t> Discovery phase start date [30 days from approval]</a:t>
             </a:r>
           </a:p>
           <a:p>
             <a:pPr/>
             <a:r>
-              <a:t>Team Formation: Application owners, infrastructure team, migration project manager</a:t>
+              <a:rPr b="1"/>
+              <a:t>Team Formation:</a:t>
+            </a:r>
+            <a:r>
+              <a:t> Application owners, infrastructure team, migration project manager</a:t>
             </a:r>
           </a:p>
           <a:p>
             <a:pPr/>
             <a:r>
-              <a:t>Week 1: Contract finalization and AWS account setup</a:t>
+              <a:rPr b="1"/>
+              <a:t>Week 1:</a:t>
+            </a:r>
+            <a:r>
+              <a:t> Contract finalization and AWS account setup</a:t>
             </a:r>
           </a:p>
           <a:p>
             <a:pPr/>
             <a:r>
-              <a:t>Week 2: Application Discovery Service deployment and data collection</a:t>
+              <a:rPr b="1"/>
+              <a:t>Week 2:</a:t>
+            </a:r>
+            <a:r>
+              <a:t> Application Discovery Service deployment and data collection</a:t>
             </a:r>
           </a:p>
           <a:p>
             <a:pPr/>
             <a:r>
-              <a:t>Week 3: Dependency mapping and migration complexity assessment</a:t>
+              <a:rPr b="1"/>
+              <a:t>Week 3:</a:t>
+            </a:r>
+            <a:r>
+              <a:t> Dependency mapping and migration complexity assessment</a:t>
             </a:r>
           </a:p>
           <a:p>
             <a:pPr/>
             <a:r>
-              <a:t>Week 4: Migration wave planning and AWS landing zone design</a:t>
+              <a:rPr b="1"/>
+              <a:t>Week 4:</a:t>
+            </a:r>
+            <a:r>
+              <a:t> Migration wave planning and AWS landing zone design</a:t>
             </a:r>
           </a:p>
         </p:txBody>

--- a/solutions/aws/cloud/onpremise-to-cloud-migration/presales/solution-briefing.pptx
+++ b/solutions/aws/cloud/onpremise-to-cloud-migration/presales/solution-briefing.pptx
@@ -4102,7 +4102,7 @@
         </p:nvGraphicFramePr>
         <p:xfrm>
           <a:off x="256855" y="677011"/>
-          <a:ext cx="8710930" cy="1483360"/>
+          <a:ext cx="8710931" cy="1483360"/>
         </p:xfrm>
         <a:graphic>
           <a:graphicData uri="http://schemas.openxmlformats.org/drawingml/2006/table">
@@ -4111,10 +4111,10 @@
                 <a:tableStyleId>{5C22544A-7EE6-4342-B048-85BDC9FD1C3A}</a:tableStyleId>
               </a:tblPr>
               <a:tblGrid>
-                <a:gridCol w="1045311"/>
+                <a:gridCol w="871093"/>
                 <a:gridCol w="2177733"/>
-                <a:gridCol w="1045311"/>
-                <a:gridCol w="4442575"/>
+                <a:gridCol w="1306639"/>
+                <a:gridCol w="4355466"/>
               </a:tblGrid>
               <a:tr h="370840">
                 <a:tc>
@@ -4862,7 +4862,7 @@
         </p:nvGraphicFramePr>
         <p:xfrm>
           <a:off x="256855" y="677011"/>
-          <a:ext cx="8719641" cy="2225040"/>
+          <a:ext cx="8710929" cy="2225040"/>
         </p:xfrm>
         <a:graphic>
           <a:graphicData uri="http://schemas.openxmlformats.org/drawingml/2006/table">
@@ -4871,13 +4871,13 @@
                 <a:tableStyleId>{5C22544A-7EE6-4342-B048-85BDC9FD1C3A}</a:tableStyleId>
               </a:tblPr>
               <a:tblGrid>
-                <a:gridCol w="1567967"/>
+                <a:gridCol w="1742186"/>
+                <a:gridCol w="1045311"/>
+                <a:gridCol w="2003514"/>
                 <a:gridCol w="1132421"/>
-                <a:gridCol w="1742186"/>
-                <a:gridCol w="1132421"/>
-                <a:gridCol w="993046"/>
-                <a:gridCol w="993046"/>
-                <a:gridCol w="1158554"/>
+                <a:gridCol w="871093"/>
+                <a:gridCol w="871093"/>
+                <a:gridCol w="1045311"/>
               </a:tblGrid>
               <a:tr h="370840">
                 <a:tc>

--- a/solutions/aws/cloud/onpremise-to-cloud-migration/presales/solution-briefing.pptx
+++ b/solutions/aws/cloud/onpremise-to-cloud-migration/presales/solution-briefing.pptx
@@ -18,6 +18,7 @@
     <p:sldId id="263" r:id="rId14"/>
     <p:sldId id="264" r:id="rId15"/>
     <p:sldId id="265" r:id="rId16"/>
+    <p:sldId id="266" r:id="rId17"/>
   </p:sldIdLst>
   <p:sldSz cx="9144000" cy="5143500" type="screen16x9"/>
   <p:notesSz cx="5143500" cy="9144000"/>
@@ -3360,7 +3361,7 @@
           <a:lstStyle/>
           <a:p>
             <a:r>
-              <a:t>[Presenter Name] | November 15, 2025</a:t>
+              <a:t>[Presenter Name] | November 16, 2025</a:t>
             </a:r>
           </a:p>
         </p:txBody>
@@ -3398,6 +3399,174 @@
 </file>
 
 <file path=ppt/slides/slide10.xml><?xml version="1.0" encoding="utf-8"?>
+<p:sld xmlns:a="http://schemas.openxmlformats.org/drawingml/2006/main" xmlns:p="http://schemas.openxmlformats.org/presentationml/2006/main" xmlns:r="http://schemas.openxmlformats.org/officeDocument/2006/relationships">
+  <p:cSld>
+    <p:spTree>
+      <p:nvGrpSpPr>
+        <p:cNvPr id="1" name=""/>
+        <p:cNvGrpSpPr/>
+        <p:nvPr/>
+      </p:nvGrpSpPr>
+      <p:grpSpPr/>
+      <p:sp>
+        <p:nvSpPr>
+          <p:cNvPr id="2" name="Text Placeholder 1"/>
+          <p:cNvSpPr>
+            <a:spLocks noGrp="1"/>
+          </p:cNvSpPr>
+          <p:nvPr>
+            <p:ph type="body" idx="10" sz="quarter"/>
+          </p:nvPr>
+        </p:nvSpPr>
+        <p:spPr/>
+        <p:txBody>
+          <a:bodyPr/>
+          <a:lstStyle/>
+          <a:p>
+            <a:r>
+              <a:t>Next Steps</a:t>
+            </a:r>
+          </a:p>
+        </p:txBody>
+      </p:sp>
+      <p:pic>
+        <p:nvPicPr>
+          <p:cNvPr id="3" name="Picture Placeholder 2" descr="consulting_company_logo.png"/>
+          <p:cNvPicPr>
+            <a:picLocks noGrp="1" noChangeAspect="1"/>
+          </p:cNvPicPr>
+          <p:nvPr>
+            <p:ph type="pic" idx="13" sz="quarter"/>
+          </p:nvPr>
+        </p:nvPicPr>
+        <p:blipFill>
+          <a:blip r:embed="rId2"/>
+          <a:srcRect t="6762" b="6762"/>
+          <a:stretch>
+            <a:fillRect/>
+          </a:stretch>
+        </p:blipFill>
+        <p:spPr/>
+      </p:pic>
+      <p:sp>
+        <p:nvSpPr>
+          <p:cNvPr id="4" name="Text Placeholder 3"/>
+          <p:cNvSpPr>
+            <a:spLocks noGrp="1"/>
+          </p:cNvSpPr>
+          <p:nvPr>
+            <p:ph type="body" idx="14" sz="quarter"/>
+          </p:nvPr>
+        </p:nvSpPr>
+        <p:spPr/>
+        <p:txBody>
+          <a:bodyPr/>
+          <a:lstStyle/>
+          <a:p>
+            <a:pPr/>
+            <a:r>
+              <a:rPr b="1"/>
+              <a:t>Decision:</a:t>
+            </a:r>
+            <a:r>
+              <a:t> Executive approval for discovery and migration planning by [specific date]</a:t>
+            </a:r>
+          </a:p>
+          <a:p>
+            <a:pPr/>
+            <a:r>
+              <a:rPr b="1"/>
+              <a:t>Kickoff:</a:t>
+            </a:r>
+            <a:r>
+              <a:t> Discovery phase start date [30 days from approval]</a:t>
+            </a:r>
+          </a:p>
+          <a:p>
+            <a:pPr/>
+            <a:r>
+              <a:rPr b="1"/>
+              <a:t>Team Formation:</a:t>
+            </a:r>
+            <a:r>
+              <a:t> Application owners, infrastructure team, migration project manager</a:t>
+            </a:r>
+          </a:p>
+          <a:p>
+            <a:pPr/>
+            <a:r>
+              <a:rPr b="1"/>
+              <a:t>Week 1:</a:t>
+            </a:r>
+            <a:r>
+              <a:t> Contract finalization and AWS account setup</a:t>
+            </a:r>
+          </a:p>
+          <a:p>
+            <a:pPr/>
+            <a:r>
+              <a:rPr b="1"/>
+              <a:t>Week 2:</a:t>
+            </a:r>
+            <a:r>
+              <a:t> Application Discovery Service deployment and data collection</a:t>
+            </a:r>
+          </a:p>
+          <a:p>
+            <a:pPr/>
+            <a:r>
+              <a:rPr b="1"/>
+              <a:t>Week 3:</a:t>
+            </a:r>
+            <a:r>
+              <a:t> Dependency mapping and migration complexity assessment</a:t>
+            </a:r>
+          </a:p>
+          <a:p>
+            <a:pPr/>
+            <a:r>
+              <a:rPr b="1"/>
+              <a:t>Week 4:</a:t>
+            </a:r>
+            <a:r>
+              <a:t> Migration wave planning and AWS landing zone design</a:t>
+            </a:r>
+          </a:p>
+        </p:txBody>
+      </p:sp>
+      <p:pic>
+        <p:nvPicPr>
+          <p:cNvPr id="5" name="Picture 4" descr="eo-framework-logo-real.png"/>
+          <p:cNvPicPr>
+            <a:picLocks noChangeAspect="1"/>
+          </p:cNvPicPr>
+          <p:nvPr/>
+        </p:nvPicPr>
+        <p:blipFill>
+          <a:blip r:embed="rId3"/>
+          <a:stretch>
+            <a:fillRect/>
+          </a:stretch>
+        </p:blipFill>
+        <p:spPr>
+          <a:xfrm>
+            <a:off x="6684264" y="4535424"/>
+            <a:ext cx="2139696" cy="530352"/>
+          </a:xfrm>
+          <a:prstGeom prst="rect">
+            <a:avLst/>
+          </a:prstGeom>
+        </p:spPr>
+      </p:pic>
+    </p:spTree>
+  </p:cSld>
+  <p:clrMapOvr>
+    <a:masterClrMapping/>
+  </p:clrMapOvr>
+</p:sld>
+</file>
+
+<file path=ppt/slides/slide11.xml><?xml version="1.0" encoding="utf-8"?>
 <p:sld xmlns:a="http://schemas.openxmlformats.org/drawingml/2006/main" xmlns:p="http://schemas.openxmlformats.org/presentationml/2006/main" xmlns:r="http://schemas.openxmlformats.org/officeDocument/2006/relationships">
   <p:cSld>
     <p:spTree>
@@ -3730,6 +3899,1032 @@
           <a:bodyPr/>
           <a:lstStyle/>
           <a:p>
+            <a:pPr algn="l"/>
+            <a:r>
+              <a:rPr b="1"/>
+              <a:t>Engagement Scope</a:t>
+            </a:r>
+          </a:p>
+        </p:txBody>
+      </p:sp>
+      <p:pic>
+        <p:nvPicPr>
+          <p:cNvPr id="3" name="Picture Placeholder 2" descr="consulting_company_logo.png"/>
+          <p:cNvPicPr>
+            <a:picLocks noGrp="1" noChangeAspect="1"/>
+          </p:cNvPicPr>
+          <p:nvPr>
+            <p:ph type="pic" idx="13" sz="quarter"/>
+          </p:nvPr>
+        </p:nvPicPr>
+        <p:blipFill>
+          <a:blip r:embed="rId2"/>
+          <a:srcRect t="6404" b="6404"/>
+          <a:stretch>
+            <a:fillRect/>
+          </a:stretch>
+        </p:blipFill>
+        <p:spPr/>
+      </p:pic>
+      <p:graphicFrame>
+        <p:nvGraphicFramePr>
+          <p:cNvPr id="4" name="Table Placeholder 3"/>
+          <p:cNvGraphicFramePr>
+            <a:graphicFrameLocks noGrp="1"/>
+          </p:cNvGraphicFramePr>
+          <p:nvPr>
+            <p:ph type="tbl" idx="14" sz="quarter"/>
+          </p:nvPr>
+        </p:nvGraphicFramePr>
+        <p:xfrm>
+          <a:off x="256855" y="677011"/>
+          <a:ext cx="8710931" cy="6304280"/>
+        </p:xfrm>
+        <a:graphic>
+          <a:graphicData uri="http://schemas.openxmlformats.org/drawingml/2006/table">
+            <a:tbl>
+              <a:tblPr firstRow="1" bandRow="1">
+                <a:tableStyleId>{5C22544A-7EE6-4342-B048-85BDC9FD1C3A}</a:tableStyleId>
+              </a:tblPr>
+              <a:tblGrid>
+                <a:gridCol w="2613279"/>
+                <a:gridCol w="3048826"/>
+                <a:gridCol w="3048826"/>
+              </a:tblGrid>
+              <a:tr h="370840">
+                <a:tc>
+                  <a:txBody>
+                    <a:bodyPr/>
+                    <a:lstStyle/>
+                    <a:p>
+                      <a:r>
+                        <a:rPr sz="1400">
+                          <a:solidFill>
+                            <a:srgbClr val="FFFFFF"/>
+                          </a:solidFill>
+                        </a:rPr>
+                        <a:t>Category</a:t>
+                      </a:r>
+                    </a:p>
+                  </a:txBody>
+                  <a:tcPr>
+                    <a:solidFill>
+                      <a:srgbClr val="A01C02"/>
+                    </a:solidFill>
+                  </a:tcPr>
+                </a:tc>
+                <a:tc>
+                  <a:txBody>
+                    <a:bodyPr/>
+                    <a:lstStyle/>
+                    <a:p>
+                      <a:r>
+                        <a:rPr sz="1400">
+                          <a:solidFill>
+                            <a:srgbClr val="FFFFFF"/>
+                          </a:solidFill>
+                        </a:rPr>
+                        <a:t>Parameter</a:t>
+                      </a:r>
+                    </a:p>
+                  </a:txBody>
+                  <a:tcPr>
+                    <a:solidFill>
+                      <a:srgbClr val="A01C02"/>
+                    </a:solidFill>
+                  </a:tcPr>
+                </a:tc>
+                <a:tc>
+                  <a:txBody>
+                    <a:bodyPr/>
+                    <a:lstStyle/>
+                    <a:p>
+                      <a:r>
+                        <a:rPr sz="1400">
+                          <a:solidFill>
+                            <a:srgbClr val="FFFFFF"/>
+                          </a:solidFill>
+                        </a:rPr>
+                        <a:t>Scope</a:t>
+                      </a:r>
+                    </a:p>
+                  </a:txBody>
+                  <a:tcPr>
+                    <a:solidFill>
+                      <a:srgbClr val="A01C02"/>
+                    </a:solidFill>
+                  </a:tcPr>
+                </a:tc>
+              </a:tr>
+              <a:tr h="370840">
+                <a:tc>
+                  <a:txBody>
+                    <a:bodyPr/>
+                    <a:lstStyle/>
+                    <a:p>
+                      <a:r>
+                        <a:rPr sz="1100"/>
+                        <a:t>Solution Scope</a:t>
+                      </a:r>
+                    </a:p>
+                  </a:txBody>
+                  <a:tcPr>
+                    <a:solidFill>
+                      <a:srgbClr val="E7E6E6"/>
+                    </a:solidFill>
+                  </a:tcPr>
+                </a:tc>
+                <a:tc>
+                  <a:txBody>
+                    <a:bodyPr/>
+                    <a:lstStyle/>
+                    <a:p>
+                      <a:r>
+                        <a:rPr sz="1100"/>
+                        <a:t>Workloads to Migrate</a:t>
+                      </a:r>
+                    </a:p>
+                  </a:txBody>
+                  <a:tcPr>
+                    <a:solidFill>
+                      <a:srgbClr val="E7E6E6"/>
+                    </a:solidFill>
+                  </a:tcPr>
+                </a:tc>
+                <a:tc>
+                  <a:txBody>
+                    <a:bodyPr/>
+                    <a:lstStyle/>
+                    <a:p>
+                      <a:r>
+                        <a:rPr sz="1100"/>
+                        <a:t>5-10 VMs/applications</a:t>
+                      </a:r>
+                    </a:p>
+                  </a:txBody>
+                  <a:tcPr>
+                    <a:solidFill>
+                      <a:srgbClr val="E7E6E6"/>
+                    </a:solidFill>
+                  </a:tcPr>
+                </a:tc>
+              </a:tr>
+              <a:tr h="370840">
+                <a:tc>
+                  <a:txBody>
+                    <a:bodyPr/>
+                    <a:lstStyle/>
+                    <a:p>
+                      <a:r>
+                        <a:rPr sz="1100"/>
+                        <a:t>Solution Scope</a:t>
+                      </a:r>
+                    </a:p>
+                  </a:txBody>
+                  <a:tcPr>
+                    <a:solidFill>
+                      <a:srgbClr val="E7E6E6"/>
+                    </a:solidFill>
+                  </a:tcPr>
+                </a:tc>
+                <a:tc>
+                  <a:txBody>
+                    <a:bodyPr/>
+                    <a:lstStyle/>
+                    <a:p>
+                      <a:r>
+                        <a:rPr sz="1100"/>
+                        <a:t>Migration Strategy</a:t>
+                      </a:r>
+                    </a:p>
+                  </a:txBody>
+                  <a:tcPr>
+                    <a:solidFill>
+                      <a:srgbClr val="E7E6E6"/>
+                    </a:solidFill>
+                  </a:tcPr>
+                </a:tc>
+                <a:tc>
+                  <a:txBody>
+                    <a:bodyPr/>
+                    <a:lstStyle/>
+                    <a:p>
+                      <a:r>
+                        <a:rPr sz="1100"/>
+                        <a:t>Rehost (lift-and-shift)</a:t>
+                      </a:r>
+                    </a:p>
+                  </a:txBody>
+                  <a:tcPr>
+                    <a:solidFill>
+                      <a:srgbClr val="E7E6E6"/>
+                    </a:solidFill>
+                  </a:tcPr>
+                </a:tc>
+              </a:tr>
+              <a:tr h="370840">
+                <a:tc>
+                  <a:txBody>
+                    <a:bodyPr/>
+                    <a:lstStyle/>
+                    <a:p>
+                      <a:r>
+                        <a:rPr sz="1100"/>
+                        <a:t>Integration</a:t>
+                      </a:r>
+                    </a:p>
+                  </a:txBody>
+                  <a:tcPr>
+                    <a:solidFill>
+                      <a:srgbClr val="E7E6E6"/>
+                    </a:solidFill>
+                  </a:tcPr>
+                </a:tc>
+                <a:tc>
+                  <a:txBody>
+                    <a:bodyPr/>
+                    <a:lstStyle/>
+                    <a:p>
+                      <a:r>
+                        <a:rPr sz="1100"/>
+                        <a:t>Source Environment</a:t>
+                      </a:r>
+                    </a:p>
+                  </a:txBody>
+                  <a:tcPr>
+                    <a:solidFill>
+                      <a:srgbClr val="E7E6E6"/>
+                    </a:solidFill>
+                  </a:tcPr>
+                </a:tc>
+                <a:tc>
+                  <a:txBody>
+                    <a:bodyPr/>
+                    <a:lstStyle/>
+                    <a:p>
+                      <a:r>
+                        <a:rPr sz="1100"/>
+                        <a:t>VMware vSphere on-premises</a:t>
+                      </a:r>
+                    </a:p>
+                  </a:txBody>
+                  <a:tcPr>
+                    <a:solidFill>
+                      <a:srgbClr val="E7E6E6"/>
+                    </a:solidFill>
+                  </a:tcPr>
+                </a:tc>
+              </a:tr>
+              <a:tr h="370840">
+                <a:tc>
+                  <a:txBody>
+                    <a:bodyPr/>
+                    <a:lstStyle/>
+                    <a:p>
+                      <a:r>
+                        <a:rPr sz="1100"/>
+                        <a:t>Integration</a:t>
+                      </a:r>
+                    </a:p>
+                  </a:txBody>
+                  <a:tcPr>
+                    <a:solidFill>
+                      <a:srgbClr val="E7E6E6"/>
+                    </a:solidFill>
+                  </a:tcPr>
+                </a:tc>
+                <a:tc>
+                  <a:txBody>
+                    <a:bodyPr/>
+                    <a:lstStyle/>
+                    <a:p>
+                      <a:r>
+                        <a:rPr sz="1100"/>
+                        <a:t>Hybrid Connectivity</a:t>
+                      </a:r>
+                    </a:p>
+                  </a:txBody>
+                  <a:tcPr>
+                    <a:solidFill>
+                      <a:srgbClr val="E7E6E6"/>
+                    </a:solidFill>
+                  </a:tcPr>
+                </a:tc>
+                <a:tc>
+                  <a:txBody>
+                    <a:bodyPr/>
+                    <a:lstStyle/>
+                    <a:p>
+                      <a:r>
+                        <a:rPr sz="1100"/>
+                        <a:t>AWS Direct Connect</a:t>
+                      </a:r>
+                    </a:p>
+                  </a:txBody>
+                  <a:tcPr>
+                    <a:solidFill>
+                      <a:srgbClr val="E7E6E6"/>
+                    </a:solidFill>
+                  </a:tcPr>
+                </a:tc>
+              </a:tr>
+              <a:tr h="370840">
+                <a:tc>
+                  <a:txBody>
+                    <a:bodyPr/>
+                    <a:lstStyle/>
+                    <a:p>
+                      <a:r>
+                        <a:rPr sz="1100"/>
+                        <a:t>User Base</a:t>
+                      </a:r>
+                    </a:p>
+                  </a:txBody>
+                  <a:tcPr>
+                    <a:solidFill>
+                      <a:srgbClr val="E7E6E6"/>
+                    </a:solidFill>
+                  </a:tcPr>
+                </a:tc>
+                <a:tc>
+                  <a:txBody>
+                    <a:bodyPr/>
+                    <a:lstStyle/>
+                    <a:p>
+                      <a:r>
+                        <a:rPr sz="1100"/>
+                        <a:t>Total Users</a:t>
+                      </a:r>
+                    </a:p>
+                  </a:txBody>
+                  <a:tcPr>
+                    <a:solidFill>
+                      <a:srgbClr val="E7E6E6"/>
+                    </a:solidFill>
+                  </a:tcPr>
+                </a:tc>
+                <a:tc>
+                  <a:txBody>
+                    <a:bodyPr/>
+                    <a:lstStyle/>
+                    <a:p>
+                      <a:r>
+                        <a:rPr sz="1100"/>
+                        <a:t>100 application users</a:t>
+                      </a:r>
+                    </a:p>
+                  </a:txBody>
+                  <a:tcPr>
+                    <a:solidFill>
+                      <a:srgbClr val="E7E6E6"/>
+                    </a:solidFill>
+                  </a:tcPr>
+                </a:tc>
+              </a:tr>
+              <a:tr h="370840">
+                <a:tc>
+                  <a:txBody>
+                    <a:bodyPr/>
+                    <a:lstStyle/>
+                    <a:p>
+                      <a:r>
+                        <a:rPr sz="1100"/>
+                        <a:t>User Base</a:t>
+                      </a:r>
+                    </a:p>
+                  </a:txBody>
+                  <a:tcPr>
+                    <a:solidFill>
+                      <a:srgbClr val="E7E6E6"/>
+                    </a:solidFill>
+                  </a:tcPr>
+                </a:tc>
+                <a:tc>
+                  <a:txBody>
+                    <a:bodyPr/>
+                    <a:lstStyle/>
+                    <a:p>
+                      <a:r>
+                        <a:rPr sz="1100"/>
+                        <a:t>User Roles</a:t>
+                      </a:r>
+                    </a:p>
+                  </a:txBody>
+                  <a:tcPr>
+                    <a:solidFill>
+                      <a:srgbClr val="E7E6E6"/>
+                    </a:solidFill>
+                  </a:tcPr>
+                </a:tc>
+                <a:tc>
+                  <a:txBody>
+                    <a:bodyPr/>
+                    <a:lstStyle/>
+                    <a:p>
+                      <a:r>
+                        <a:rPr sz="1100"/>
+                        <a:t>3 roles (admin operator user)</a:t>
+                      </a:r>
+                    </a:p>
+                  </a:txBody>
+                  <a:tcPr>
+                    <a:solidFill>
+                      <a:srgbClr val="E7E6E6"/>
+                    </a:solidFill>
+                  </a:tcPr>
+                </a:tc>
+              </a:tr>
+              <a:tr h="370840">
+                <a:tc>
+                  <a:txBody>
+                    <a:bodyPr/>
+                    <a:lstStyle/>
+                    <a:p>
+                      <a:r>
+                        <a:rPr sz="1100"/>
+                        <a:t>Data Volume</a:t>
+                      </a:r>
+                    </a:p>
+                  </a:txBody>
+                  <a:tcPr>
+                    <a:solidFill>
+                      <a:srgbClr val="E7E6E6"/>
+                    </a:solidFill>
+                  </a:tcPr>
+                </a:tc>
+                <a:tc>
+                  <a:txBody>
+                    <a:bodyPr/>
+                    <a:lstStyle/>
+                    <a:p>
+                      <a:r>
+                        <a:rPr sz="1100"/>
+                        <a:t>Total Data to Migrate</a:t>
+                      </a:r>
+                    </a:p>
+                  </a:txBody>
+                  <a:tcPr>
+                    <a:solidFill>
+                      <a:srgbClr val="E7E6E6"/>
+                    </a:solidFill>
+                  </a:tcPr>
+                </a:tc>
+                <a:tc>
+                  <a:txBody>
+                    <a:bodyPr/>
+                    <a:lstStyle/>
+                    <a:p>
+                      <a:r>
+                        <a:rPr sz="1100"/>
+                        <a:t>500 GB</a:t>
+                      </a:r>
+                    </a:p>
+                  </a:txBody>
+                  <a:tcPr>
+                    <a:solidFill>
+                      <a:srgbClr val="E7E6E6"/>
+                    </a:solidFill>
+                  </a:tcPr>
+                </a:tc>
+              </a:tr>
+              <a:tr h="370840">
+                <a:tc>
+                  <a:txBody>
+                    <a:bodyPr/>
+                    <a:lstStyle/>
+                    <a:p>
+                      <a:r>
+                        <a:rPr sz="1100"/>
+                        <a:t>Data Volume</a:t>
+                      </a:r>
+                    </a:p>
+                  </a:txBody>
+                  <a:tcPr>
+                    <a:solidFill>
+                      <a:srgbClr val="E7E6E6"/>
+                    </a:solidFill>
+                  </a:tcPr>
+                </a:tc>
+                <a:tc>
+                  <a:txBody>
+                    <a:bodyPr/>
+                    <a:lstStyle/>
+                    <a:p>
+                      <a:r>
+                        <a:rPr sz="1100"/>
+                        <a:t>Database Migration</a:t>
+                      </a:r>
+                    </a:p>
+                  </a:txBody>
+                  <a:tcPr>
+                    <a:solidFill>
+                      <a:srgbClr val="E7E6E6"/>
+                    </a:solidFill>
+                  </a:tcPr>
+                </a:tc>
+                <a:tc>
+                  <a:txBody>
+                    <a:bodyPr/>
+                    <a:lstStyle/>
+                    <a:p>
+                      <a:r>
+                        <a:rPr sz="1100"/>
+                        <a:t>2 databases (MySQL PostgreSQL)</a:t>
+                      </a:r>
+                    </a:p>
+                  </a:txBody>
+                  <a:tcPr>
+                    <a:solidFill>
+                      <a:srgbClr val="E7E6E6"/>
+                    </a:solidFill>
+                  </a:tcPr>
+                </a:tc>
+              </a:tr>
+              <a:tr h="370840">
+                <a:tc>
+                  <a:txBody>
+                    <a:bodyPr/>
+                    <a:lstStyle/>
+                    <a:p>
+                      <a:r>
+                        <a:rPr sz="1100"/>
+                        <a:t>Technical Environment</a:t>
+                      </a:r>
+                    </a:p>
+                  </a:txBody>
+                  <a:tcPr>
+                    <a:solidFill>
+                      <a:srgbClr val="E7E6E6"/>
+                    </a:solidFill>
+                  </a:tcPr>
+                </a:tc>
+                <a:tc>
+                  <a:txBody>
+                    <a:bodyPr/>
+                    <a:lstStyle/>
+                    <a:p>
+                      <a:r>
+                        <a:rPr sz="1100"/>
+                        <a:t>Target AWS Region</a:t>
+                      </a:r>
+                    </a:p>
+                  </a:txBody>
+                  <a:tcPr>
+                    <a:solidFill>
+                      <a:srgbClr val="E7E6E6"/>
+                    </a:solidFill>
+                  </a:tcPr>
+                </a:tc>
+                <a:tc>
+                  <a:txBody>
+                    <a:bodyPr/>
+                    <a:lstStyle/>
+                    <a:p>
+                      <a:r>
+                        <a:rPr sz="1100"/>
+                        <a:t>us-east-1</a:t>
+                      </a:r>
+                    </a:p>
+                  </a:txBody>
+                  <a:tcPr>
+                    <a:solidFill>
+                      <a:srgbClr val="E7E6E6"/>
+                    </a:solidFill>
+                  </a:tcPr>
+                </a:tc>
+              </a:tr>
+              <a:tr h="370840">
+                <a:tc>
+                  <a:txBody>
+                    <a:bodyPr/>
+                    <a:lstStyle/>
+                    <a:p>
+                      <a:r>
+                        <a:rPr sz="1100"/>
+                        <a:t>Technical Environment</a:t>
+                      </a:r>
+                    </a:p>
+                  </a:txBody>
+                  <a:tcPr>
+                    <a:solidFill>
+                      <a:srgbClr val="E7E6E6"/>
+                    </a:solidFill>
+                  </a:tcPr>
+                </a:tc>
+                <a:tc>
+                  <a:txBody>
+                    <a:bodyPr/>
+                    <a:lstStyle/>
+                    <a:p>
+                      <a:r>
+                        <a:rPr sz="1100"/>
+                        <a:t>Availability Requirements</a:t>
+                      </a:r>
+                    </a:p>
+                  </a:txBody>
+                  <a:tcPr>
+                    <a:solidFill>
+                      <a:srgbClr val="E7E6E6"/>
+                    </a:solidFill>
+                  </a:tcPr>
+                </a:tc>
+                <a:tc>
+                  <a:txBody>
+                    <a:bodyPr/>
+                    <a:lstStyle/>
+                    <a:p>
+                      <a:r>
+                        <a:rPr sz="1100"/>
+                        <a:t>Standard (99.5%)</a:t>
+                      </a:r>
+                    </a:p>
+                  </a:txBody>
+                  <a:tcPr>
+                    <a:solidFill>
+                      <a:srgbClr val="E7E6E6"/>
+                    </a:solidFill>
+                  </a:tcPr>
+                </a:tc>
+              </a:tr>
+              <a:tr h="370840">
+                <a:tc>
+                  <a:txBody>
+                    <a:bodyPr/>
+                    <a:lstStyle/>
+                    <a:p>
+                      <a:r>
+                        <a:rPr sz="1100"/>
+                        <a:t>Technical Environment</a:t>
+                      </a:r>
+                    </a:p>
+                  </a:txBody>
+                  <a:tcPr>
+                    <a:solidFill>
+                      <a:srgbClr val="E7E6E6"/>
+                    </a:solidFill>
+                  </a:tcPr>
+                </a:tc>
+                <a:tc>
+                  <a:txBody>
+                    <a:bodyPr/>
+                    <a:lstStyle/>
+                    <a:p>
+                      <a:r>
+                        <a:rPr sz="1100"/>
+                        <a:t>Infrastructure Complexity</a:t>
+                      </a:r>
+                    </a:p>
+                  </a:txBody>
+                  <a:tcPr>
+                    <a:solidFill>
+                      <a:srgbClr val="E7E6E6"/>
+                    </a:solidFill>
+                  </a:tcPr>
+                </a:tc>
+                <a:tc>
+                  <a:txBody>
+                    <a:bodyPr/>
+                    <a:lstStyle/>
+                    <a:p>
+                      <a:r>
+                        <a:rPr sz="1100"/>
+                        <a:t>EC2 RDS S3 standard</a:t>
+                      </a:r>
+                    </a:p>
+                  </a:txBody>
+                  <a:tcPr>
+                    <a:solidFill>
+                      <a:srgbClr val="E7E6E6"/>
+                    </a:solidFill>
+                  </a:tcPr>
+                </a:tc>
+              </a:tr>
+              <a:tr h="370840">
+                <a:tc>
+                  <a:txBody>
+                    <a:bodyPr/>
+                    <a:lstStyle/>
+                    <a:p>
+                      <a:r>
+                        <a:rPr sz="1100"/>
+                        <a:t>Security &amp; Compliance</a:t>
+                      </a:r>
+                    </a:p>
+                  </a:txBody>
+                  <a:tcPr>
+                    <a:solidFill>
+                      <a:srgbClr val="E7E6E6"/>
+                    </a:solidFill>
+                  </a:tcPr>
+                </a:tc>
+                <a:tc>
+                  <a:txBody>
+                    <a:bodyPr/>
+                    <a:lstStyle/>
+                    <a:p>
+                      <a:r>
+                        <a:rPr sz="1100"/>
+                        <a:t>Security Requirements</a:t>
+                      </a:r>
+                    </a:p>
+                  </a:txBody>
+                  <a:tcPr>
+                    <a:solidFill>
+                      <a:srgbClr val="E7E6E6"/>
+                    </a:solidFill>
+                  </a:tcPr>
+                </a:tc>
+                <a:tc>
+                  <a:txBody>
+                    <a:bodyPr/>
+                    <a:lstStyle/>
+                    <a:p>
+                      <a:r>
+                        <a:rPr sz="1100"/>
+                        <a:t>VPC Security Groups IAM</a:t>
+                      </a:r>
+                    </a:p>
+                  </a:txBody>
+                  <a:tcPr>
+                    <a:solidFill>
+                      <a:srgbClr val="E7E6E6"/>
+                    </a:solidFill>
+                  </a:tcPr>
+                </a:tc>
+              </a:tr>
+              <a:tr h="370840">
+                <a:tc>
+                  <a:txBody>
+                    <a:bodyPr/>
+                    <a:lstStyle/>
+                    <a:p>
+                      <a:r>
+                        <a:rPr sz="1100"/>
+                        <a:t>Security &amp; Compliance</a:t>
+                      </a:r>
+                    </a:p>
+                  </a:txBody>
+                  <a:tcPr>
+                    <a:solidFill>
+                      <a:srgbClr val="E7E6E6"/>
+                    </a:solidFill>
+                  </a:tcPr>
+                </a:tc>
+                <a:tc>
+                  <a:txBody>
+                    <a:bodyPr/>
+                    <a:lstStyle/>
+                    <a:p>
+                      <a:r>
+                        <a:rPr sz="1100"/>
+                        <a:t>Compliance Frameworks</a:t>
+                      </a:r>
+                    </a:p>
+                  </a:txBody>
+                  <a:tcPr>
+                    <a:solidFill>
+                      <a:srgbClr val="E7E6E6"/>
+                    </a:solidFill>
+                  </a:tcPr>
+                </a:tc>
+                <a:tc>
+                  <a:txBody>
+                    <a:bodyPr/>
+                    <a:lstStyle/>
+                    <a:p>
+                      <a:r>
+                        <a:rPr sz="1100"/>
+                        <a:t>SOC2</a:t>
+                      </a:r>
+                    </a:p>
+                  </a:txBody>
+                  <a:tcPr>
+                    <a:solidFill>
+                      <a:srgbClr val="E7E6E6"/>
+                    </a:solidFill>
+                  </a:tcPr>
+                </a:tc>
+              </a:tr>
+              <a:tr h="370840">
+                <a:tc>
+                  <a:txBody>
+                    <a:bodyPr/>
+                    <a:lstStyle/>
+                    <a:p>
+                      <a:r>
+                        <a:rPr sz="1100"/>
+                        <a:t>Performance</a:t>
+                      </a:r>
+                    </a:p>
+                  </a:txBody>
+                  <a:tcPr>
+                    <a:solidFill>
+                      <a:srgbClr val="E7E6E6"/>
+                    </a:solidFill>
+                  </a:tcPr>
+                </a:tc>
+                <a:tc>
+                  <a:txBody>
+                    <a:bodyPr/>
+                    <a:lstStyle/>
+                    <a:p>
+                      <a:r>
+                        <a:rPr sz="1100"/>
+                        <a:t>Migration Window</a:t>
+                      </a:r>
+                    </a:p>
+                  </a:txBody>
+                  <a:tcPr>
+                    <a:solidFill>
+                      <a:srgbClr val="E7E6E6"/>
+                    </a:solidFill>
+                  </a:tcPr>
+                </a:tc>
+                <a:tc>
+                  <a:txBody>
+                    <a:bodyPr/>
+                    <a:lstStyle/>
+                    <a:p>
+                      <a:r>
+                        <a:rPr sz="1100"/>
+                        <a:t>Weekend maintenance windows</a:t>
+                      </a:r>
+                    </a:p>
+                  </a:txBody>
+                  <a:tcPr>
+                    <a:solidFill>
+                      <a:srgbClr val="E7E6E6"/>
+                    </a:solidFill>
+                  </a:tcPr>
+                </a:tc>
+              </a:tr>
+              <a:tr h="370840">
+                <a:tc>
+                  <a:txBody>
+                    <a:bodyPr/>
+                    <a:lstStyle/>
+                    <a:p>
+                      <a:r>
+                        <a:rPr sz="1100"/>
+                        <a:t>Performance</a:t>
+                      </a:r>
+                    </a:p>
+                  </a:txBody>
+                  <a:tcPr>
+                    <a:solidFill>
+                      <a:srgbClr val="E7E6E6"/>
+                    </a:solidFill>
+                  </a:tcPr>
+                </a:tc>
+                <a:tc>
+                  <a:txBody>
+                    <a:bodyPr/>
+                    <a:lstStyle/>
+                    <a:p>
+                      <a:r>
+                        <a:rPr sz="1100"/>
+                        <a:t>Performance Requirements</a:t>
+                      </a:r>
+                    </a:p>
+                  </a:txBody>
+                  <a:tcPr>
+                    <a:solidFill>
+                      <a:srgbClr val="E7E6E6"/>
+                    </a:solidFill>
+                  </a:tcPr>
+                </a:tc>
+                <a:tc>
+                  <a:txBody>
+                    <a:bodyPr/>
+                    <a:lstStyle/>
+                    <a:p>
+                      <a:r>
+                        <a:rPr sz="1100"/>
+                        <a:t>Match on-premises baseline</a:t>
+                      </a:r>
+                    </a:p>
+                  </a:txBody>
+                  <a:tcPr>
+                    <a:solidFill>
+                      <a:srgbClr val="E7E6E6"/>
+                    </a:solidFill>
+                  </a:tcPr>
+                </a:tc>
+              </a:tr>
+              <a:tr h="370840">
+                <a:tc>
+                  <a:txBody>
+                    <a:bodyPr/>
+                    <a:lstStyle/>
+                    <a:p>
+                      <a:r>
+                        <a:rPr sz="1100"/>
+                        <a:t>Environment</a:t>
+                      </a:r>
+                    </a:p>
+                  </a:txBody>
+                  <a:tcPr>
+                    <a:solidFill>
+                      <a:srgbClr val="E7E6E6"/>
+                    </a:solidFill>
+                  </a:tcPr>
+                </a:tc>
+                <a:tc>
+                  <a:txBody>
+                    <a:bodyPr/>
+                    <a:lstStyle/>
+                    <a:p>
+                      <a:r>
+                        <a:rPr sz="1100"/>
+                        <a:t>Deployment Environments</a:t>
+                      </a:r>
+                    </a:p>
+                  </a:txBody>
+                  <a:tcPr>
+                    <a:solidFill>
+                      <a:srgbClr val="E7E6E6"/>
+                    </a:solidFill>
+                  </a:tcPr>
+                </a:tc>
+                <a:tc>
+                  <a:txBody>
+                    <a:bodyPr/>
+                    <a:lstStyle/>
+                    <a:p>
+                      <a:r>
+                        <a:rPr sz="1100"/>
+                        <a:t>2 environments (dev prod)</a:t>
+                      </a:r>
+                    </a:p>
+                  </a:txBody>
+                  <a:tcPr>
+                    <a:solidFill>
+                      <a:srgbClr val="E7E6E6"/>
+                    </a:solidFill>
+                  </a:tcPr>
+                </a:tc>
+              </a:tr>
+            </a:tbl>
+          </a:graphicData>
+        </a:graphic>
+      </p:graphicFrame>
+      <p:pic>
+        <p:nvPicPr>
+          <p:cNvPr id="5" name="Picture 4" descr="eo-framework-logo-real.png"/>
+          <p:cNvPicPr>
+            <a:picLocks noChangeAspect="1"/>
+          </p:cNvPicPr>
+          <p:nvPr/>
+        </p:nvPicPr>
+        <p:blipFill>
+          <a:blip r:embed="rId3"/>
+          <a:stretch>
+            <a:fillRect/>
+          </a:stretch>
+        </p:blipFill>
+        <p:spPr>
+          <a:xfrm>
+            <a:off x="6684264" y="4535424"/>
+            <a:ext cx="2139696" cy="530352"/>
+          </a:xfrm>
+          <a:prstGeom prst="rect">
+            <a:avLst/>
+          </a:prstGeom>
+        </p:spPr>
+      </p:pic>
+    </p:spTree>
+  </p:cSld>
+  <p:clrMapOvr>
+    <a:masterClrMapping/>
+  </p:clrMapOvr>
+</p:sld>
+</file>
+
+<file path=ppt/slides/slide4.xml><?xml version="1.0" encoding="utf-8"?>
+<p:sld xmlns:a="http://schemas.openxmlformats.org/drawingml/2006/main" xmlns:p="http://schemas.openxmlformats.org/presentationml/2006/main" xmlns:r="http://schemas.openxmlformats.org/officeDocument/2006/relationships">
+  <p:cSld>
+    <p:spTree>
+      <p:nvGrpSpPr>
+        <p:cNvPr id="1" name=""/>
+        <p:cNvGrpSpPr/>
+        <p:nvPr/>
+      </p:nvGrpSpPr>
+      <p:grpSpPr/>
+      <p:sp>
+        <p:nvSpPr>
+          <p:cNvPr id="2" name="Text Placeholder 1"/>
+          <p:cNvSpPr>
+            <a:spLocks noGrp="1"/>
+          </p:cNvSpPr>
+          <p:nvPr>
+            <p:ph type="body" idx="10" sz="quarter"/>
+          </p:nvPr>
+        </p:nvSpPr>
+        <p:spPr/>
+        <p:txBody>
+          <a:bodyPr/>
+          <a:lstStyle/>
+          <a:p>
             <a:r>
               <a:t>Solution Overview</a:t>
             </a:r>
@@ -3865,7 +5060,7 @@
 </p:sld>
 </file>
 
-<file path=ppt/slides/slide4.xml><?xml version="1.0" encoding="utf-8"?>
+<file path=ppt/slides/slide5.xml><?xml version="1.0" encoding="utf-8"?>
 <p:sld xmlns:a="http://schemas.openxmlformats.org/drawingml/2006/main" xmlns:p="http://schemas.openxmlformats.org/presentationml/2006/main" xmlns:r="http://schemas.openxmlformats.org/officeDocument/2006/relationships">
   <p:cSld>
     <p:spTree>
@@ -4006,416 +5201,6 @@
           </a:p>
         </p:txBody>
       </p:sp>
-      <p:pic>
-        <p:nvPicPr>
-          <p:cNvPr id="5" name="Picture 4" descr="eo-framework-logo-real.png"/>
-          <p:cNvPicPr>
-            <a:picLocks noChangeAspect="1"/>
-          </p:cNvPicPr>
-          <p:nvPr/>
-        </p:nvPicPr>
-        <p:blipFill>
-          <a:blip r:embed="rId3"/>
-          <a:stretch>
-            <a:fillRect/>
-          </a:stretch>
-        </p:blipFill>
-        <p:spPr>
-          <a:xfrm>
-            <a:off x="6684264" y="4535424"/>
-            <a:ext cx="2139696" cy="530352"/>
-          </a:xfrm>
-          <a:prstGeom prst="rect">
-            <a:avLst/>
-          </a:prstGeom>
-        </p:spPr>
-      </p:pic>
-    </p:spTree>
-  </p:cSld>
-  <p:clrMapOvr>
-    <a:masterClrMapping/>
-  </p:clrMapOvr>
-</p:sld>
-</file>
-
-<file path=ppt/slides/slide5.xml><?xml version="1.0" encoding="utf-8"?>
-<p:sld xmlns:a="http://schemas.openxmlformats.org/drawingml/2006/main" xmlns:p="http://schemas.openxmlformats.org/presentationml/2006/main" xmlns:r="http://schemas.openxmlformats.org/officeDocument/2006/relationships">
-  <p:cSld>
-    <p:spTree>
-      <p:nvGrpSpPr>
-        <p:cNvPr id="1" name=""/>
-        <p:cNvGrpSpPr/>
-        <p:nvPr/>
-      </p:nvGrpSpPr>
-      <p:grpSpPr/>
-      <p:sp>
-        <p:nvSpPr>
-          <p:cNvPr id="2" name="Text Placeholder 1"/>
-          <p:cNvSpPr>
-            <a:spLocks noGrp="1"/>
-          </p:cNvSpPr>
-          <p:nvPr>
-            <p:ph type="body" idx="10" sz="quarter"/>
-          </p:nvPr>
-        </p:nvSpPr>
-        <p:spPr/>
-        <p:txBody>
-          <a:bodyPr/>
-          <a:lstStyle/>
-          <a:p>
-            <a:pPr algn="l"/>
-            <a:r>
-              <a:rPr b="1"/>
-              <a:t>Timeline &amp; Milestones</a:t>
-            </a:r>
-          </a:p>
-        </p:txBody>
-      </p:sp>
-      <p:pic>
-        <p:nvPicPr>
-          <p:cNvPr id="3" name="Picture Placeholder 2" descr="consulting_company_logo.png"/>
-          <p:cNvPicPr>
-            <a:picLocks noGrp="1" noChangeAspect="1"/>
-          </p:cNvPicPr>
-          <p:nvPr>
-            <p:ph type="pic" idx="13" sz="quarter"/>
-          </p:nvPr>
-        </p:nvPicPr>
-        <p:blipFill>
-          <a:blip r:embed="rId2"/>
-          <a:srcRect t="6404" b="6404"/>
-          <a:stretch>
-            <a:fillRect/>
-          </a:stretch>
-        </p:blipFill>
-        <p:spPr/>
-      </p:pic>
-      <p:graphicFrame>
-        <p:nvGraphicFramePr>
-          <p:cNvPr id="4" name="Table Placeholder 3"/>
-          <p:cNvGraphicFramePr>
-            <a:graphicFrameLocks noGrp="1"/>
-          </p:cNvGraphicFramePr>
-          <p:nvPr>
-            <p:ph type="tbl" idx="14" sz="quarter"/>
-          </p:nvPr>
-        </p:nvGraphicFramePr>
-        <p:xfrm>
-          <a:off x="256855" y="677011"/>
-          <a:ext cx="8710931" cy="1483360"/>
-        </p:xfrm>
-        <a:graphic>
-          <a:graphicData uri="http://schemas.openxmlformats.org/drawingml/2006/table">
-            <a:tbl>
-              <a:tblPr firstRow="1" bandRow="1">
-                <a:tableStyleId>{5C22544A-7EE6-4342-B048-85BDC9FD1C3A}</a:tableStyleId>
-              </a:tblPr>
-              <a:tblGrid>
-                <a:gridCol w="871093"/>
-                <a:gridCol w="2177733"/>
-                <a:gridCol w="1306639"/>
-                <a:gridCol w="4355466"/>
-              </a:tblGrid>
-              <a:tr h="370840">
-                <a:tc>
-                  <a:txBody>
-                    <a:bodyPr/>
-                    <a:lstStyle/>
-                    <a:p>
-                      <a:r>
-                        <a:rPr sz="1400">
-                          <a:solidFill>
-                            <a:srgbClr val="FFFFFF"/>
-                          </a:solidFill>
-                        </a:rPr>
-                        <a:t>Phase No</a:t>
-                      </a:r>
-                    </a:p>
-                  </a:txBody>
-                  <a:tcPr>
-                    <a:solidFill>
-                      <a:srgbClr val="A01C02"/>
-                    </a:solidFill>
-                  </a:tcPr>
-                </a:tc>
-                <a:tc>
-                  <a:txBody>
-                    <a:bodyPr/>
-                    <a:lstStyle/>
-                    <a:p>
-                      <a:r>
-                        <a:rPr sz="1400">
-                          <a:solidFill>
-                            <a:srgbClr val="FFFFFF"/>
-                          </a:solidFill>
-                        </a:rPr>
-                        <a:t>Phase Description</a:t>
-                      </a:r>
-                    </a:p>
-                  </a:txBody>
-                  <a:tcPr>
-                    <a:solidFill>
-                      <a:srgbClr val="A01C02"/>
-                    </a:solidFill>
-                  </a:tcPr>
-                </a:tc>
-                <a:tc>
-                  <a:txBody>
-                    <a:bodyPr/>
-                    <a:lstStyle/>
-                    <a:p>
-                      <a:r>
-                        <a:rPr sz="1400">
-                          <a:solidFill>
-                            <a:srgbClr val="FFFFFF"/>
-                          </a:solidFill>
-                        </a:rPr>
-                        <a:t>Timeline</a:t>
-                      </a:r>
-                    </a:p>
-                  </a:txBody>
-                  <a:tcPr>
-                    <a:solidFill>
-                      <a:srgbClr val="A01C02"/>
-                    </a:solidFill>
-                  </a:tcPr>
-                </a:tc>
-                <a:tc>
-                  <a:txBody>
-                    <a:bodyPr/>
-                    <a:lstStyle/>
-                    <a:p>
-                      <a:r>
-                        <a:rPr sz="1400">
-                          <a:solidFill>
-                            <a:srgbClr val="FFFFFF"/>
-                          </a:solidFill>
-                        </a:rPr>
-                        <a:t>Key Deliverables</a:t>
-                      </a:r>
-                    </a:p>
-                  </a:txBody>
-                  <a:tcPr>
-                    <a:solidFill>
-                      <a:srgbClr val="A01C02"/>
-                    </a:solidFill>
-                  </a:tcPr>
-                </a:tc>
-              </a:tr>
-              <a:tr h="370840">
-                <a:tc>
-                  <a:txBody>
-                    <a:bodyPr/>
-                    <a:lstStyle/>
-                    <a:p>
-                      <a:r>
-                        <a:rPr sz="1100"/>
-                        <a:t>Phase 1</a:t>
-                      </a:r>
-                    </a:p>
-                  </a:txBody>
-                  <a:tcPr>
-                    <a:solidFill>
-                      <a:srgbClr val="E7E6E6"/>
-                    </a:solidFill>
-                  </a:tcPr>
-                </a:tc>
-                <a:tc>
-                  <a:txBody>
-                    <a:bodyPr/>
-                    <a:lstStyle/>
-                    <a:p>
-                      <a:r>
-                        <a:rPr sz="1100"/>
-                        <a:t>Discovery &amp; Assessment</a:t>
-                      </a:r>
-                    </a:p>
-                  </a:txBody>
-                  <a:tcPr>
-                    <a:solidFill>
-                      <a:srgbClr val="E7E6E6"/>
-                    </a:solidFill>
-                  </a:tcPr>
-                </a:tc>
-                <a:tc>
-                  <a:txBody>
-                    <a:bodyPr/>
-                    <a:lstStyle/>
-                    <a:p>
-                      <a:r>
-                        <a:rPr sz="1100"/>
-                        <a:t>Months 1-2</a:t>
-                      </a:r>
-                    </a:p>
-                  </a:txBody>
-                  <a:tcPr>
-                    <a:solidFill>
-                      <a:srgbClr val="E7E6E6"/>
-                    </a:solidFill>
-                  </a:tcPr>
-                </a:tc>
-                <a:tc>
-                  <a:txBody>
-                    <a:bodyPr/>
-                    <a:lstStyle/>
-                    <a:p>
-                      <a:r>
-                        <a:rPr sz="1100"/>
-                        <a:t>Application inventory completed, Migration waves defined, AWS landing zone operational</a:t>
-                      </a:r>
-                    </a:p>
-                  </a:txBody>
-                  <a:tcPr>
-                    <a:solidFill>
-                      <a:srgbClr val="E7E6E6"/>
-                    </a:solidFill>
-                  </a:tcPr>
-                </a:tc>
-              </a:tr>
-              <a:tr h="370840">
-                <a:tc>
-                  <a:txBody>
-                    <a:bodyPr/>
-                    <a:lstStyle/>
-                    <a:p>
-                      <a:r>
-                        <a:rPr sz="1100"/>
-                        <a:t>Phase 2</a:t>
-                      </a:r>
-                    </a:p>
-                  </a:txBody>
-                  <a:tcPr>
-                    <a:solidFill>
-                      <a:srgbClr val="E7E6E6"/>
-                    </a:solidFill>
-                  </a:tcPr>
-                </a:tc>
-                <a:tc>
-                  <a:txBody>
-                    <a:bodyPr/>
-                    <a:lstStyle/>
-                    <a:p>
-                      <a:r>
-                        <a:rPr sz="1100"/>
-                        <a:t>Migration Execution</a:t>
-                      </a:r>
-                    </a:p>
-                  </a:txBody>
-                  <a:tcPr>
-                    <a:solidFill>
-                      <a:srgbClr val="E7E6E6"/>
-                    </a:solidFill>
-                  </a:tcPr>
-                </a:tc>
-                <a:tc>
-                  <a:txBody>
-                    <a:bodyPr/>
-                    <a:lstStyle/>
-                    <a:p>
-                      <a:r>
-                        <a:rPr sz="1100"/>
-                        <a:t>Months 3-6</a:t>
-                      </a:r>
-                    </a:p>
-                  </a:txBody>
-                  <a:tcPr>
-                    <a:solidFill>
-                      <a:srgbClr val="E7E6E6"/>
-                    </a:solidFill>
-                  </a:tcPr>
-                </a:tc>
-                <a:tc>
-                  <a:txBody>
-                    <a:bodyPr/>
-                    <a:lstStyle/>
-                    <a:p>
-                      <a:r>
-                        <a:rPr sz="1100"/>
-                        <a:t>Wave 1-3 migrated to AWS, Applications validated in cloud, Hybrid connectivity established</a:t>
-                      </a:r>
-                    </a:p>
-                  </a:txBody>
-                  <a:tcPr>
-                    <a:solidFill>
-                      <a:srgbClr val="E7E6E6"/>
-                    </a:solidFill>
-                  </a:tcPr>
-                </a:tc>
-              </a:tr>
-              <a:tr h="370840">
-                <a:tc>
-                  <a:txBody>
-                    <a:bodyPr/>
-                    <a:lstStyle/>
-                    <a:p>
-                      <a:r>
-                        <a:rPr sz="1100"/>
-                        <a:t>Phase 3</a:t>
-                      </a:r>
-                    </a:p>
-                  </a:txBody>
-                  <a:tcPr>
-                    <a:solidFill>
-                      <a:srgbClr val="E7E6E6"/>
-                    </a:solidFill>
-                  </a:tcPr>
-                </a:tc>
-                <a:tc>
-                  <a:txBody>
-                    <a:bodyPr/>
-                    <a:lstStyle/>
-                    <a:p>
-                      <a:r>
-                        <a:rPr sz="1100"/>
-                        <a:t>Optimization &amp; Closure</a:t>
-                      </a:r>
-                    </a:p>
-                  </a:txBody>
-                  <a:tcPr>
-                    <a:solidFill>
-                      <a:srgbClr val="E7E6E6"/>
-                    </a:solidFill>
-                  </a:tcPr>
-                </a:tc>
-                <a:tc>
-                  <a:txBody>
-                    <a:bodyPr/>
-                    <a:lstStyle/>
-                    <a:p>
-                      <a:r>
-                        <a:rPr sz="1100"/>
-                        <a:t>Months 7-9</a:t>
-                      </a:r>
-                    </a:p>
-                  </a:txBody>
-                  <a:tcPr>
-                    <a:solidFill>
-                      <a:srgbClr val="E7E6E6"/>
-                    </a:solidFill>
-                  </a:tcPr>
-                </a:tc>
-                <a:tc>
-                  <a:txBody>
-                    <a:bodyPr/>
-                    <a:lstStyle/>
-                    <a:p>
-                      <a:r>
-                        <a:rPr sz="1100"/>
-                        <a:t>Infrastructure right-sized, Costs optimized, On-premises decommissioned</a:t>
-                      </a:r>
-                    </a:p>
-                  </a:txBody>
-                  <a:tcPr>
-                    <a:solidFill>
-                      <a:srgbClr val="E7E6E6"/>
-                    </a:solidFill>
-                  </a:tcPr>
-                </a:tc>
-              </a:tr>
-            </a:tbl>
-          </a:graphicData>
-        </a:graphic>
-      </p:graphicFrame>
       <p:pic>
         <p:nvPicPr>
           <p:cNvPr id="5" name="Picture 4" descr="eo-framework-logo-real.png"/>
@@ -4473,8 +5258,10 @@
           <a:bodyPr/>
           <a:lstStyle/>
           <a:p>
-            <a:r>
-              <a:t>Success Stories</a:t>
+            <a:pPr algn="l"/>
+            <a:r>
+              <a:rPr b="1"/>
+              <a:t>Timeline &amp; Milestones</a:t>
             </a:r>
           </a:p>
         </p:txBody>
@@ -4491,93 +5278,339 @@
         </p:nvPicPr>
         <p:blipFill>
           <a:blip r:embed="rId2"/>
-          <a:srcRect t="6762" b="6762"/>
+          <a:srcRect t="6404" b="6404"/>
           <a:stretch>
             <a:fillRect/>
           </a:stretch>
         </p:blipFill>
         <p:spPr/>
       </p:pic>
-      <p:sp>
-        <p:nvSpPr>
-          <p:cNvPr id="4" name="Text Placeholder 3"/>
-          <p:cNvSpPr>
-            <a:spLocks noGrp="1"/>
-          </p:cNvSpPr>
+      <p:graphicFrame>
+        <p:nvGraphicFramePr>
+          <p:cNvPr id="4" name="Table Placeholder 3"/>
+          <p:cNvGraphicFramePr>
+            <a:graphicFrameLocks noGrp="1"/>
+          </p:cNvGraphicFramePr>
           <p:nvPr>
-            <p:ph type="body" idx="14" sz="quarter"/>
+            <p:ph type="tbl" idx="14" sz="quarter"/>
           </p:nvPr>
-        </p:nvSpPr>
-        <p:spPr/>
-        <p:txBody>
-          <a:bodyPr/>
-          <a:lstStyle/>
-          <a:p>
-            <a:pPr/>
-            <a:r>
-              <a:rPr b="1"/>
-              <a:t>Client Success: Global Manufacturing Company</a:t>
-            </a:r>
-          </a:p>
-          <a:p>
-            <a:pPr lvl="1"/>
-            <a:r>
-              <a:rPr b="1"/>
-              <a:t>Client:</a:t>
-            </a:r>
-            <a:r>
-              <a:t> Mid-market manufacturer with 5,000 employees across 12 global facilities</a:t>
-            </a:r>
-          </a:p>
-          <a:p>
-            <a:pPr lvl="1"/>
-            <a:r>
-              <a:rPr b="1"/>
-              <a:t>Challenge:</a:t>
-            </a:r>
-            <a:r>
-              <a:t> Aging data centers requiring $3M upgrade, 72-hour lead time for new environments</a:t>
-            </a:r>
-          </a:p>
-          <a:p>
-            <a:pPr lvl="1"/>
-            <a:r>
-              <a:rPr b="1"/>
-              <a:t>Solution:</a:t>
-            </a:r>
-            <a:r>
-              <a:t> AWS migration of 150 servers, 20 databases, and 50TB data using DMS/SMS/DataSync</a:t>
-            </a:r>
-          </a:p>
-          <a:p>
-            <a:pPr lvl="1"/>
-            <a:r>
-              <a:rPr b="1"/>
-              <a:t>Results:</a:t>
-            </a:r>
-            <a:r>
-              <a:t> 42% cost reduction ($1.8M annual savings), 95% faster provisioning, zero downtime, DC terminated</a:t>
-            </a:r>
-          </a:p>
-          <a:p>
-            <a:pPr lvl="1"/>
-            <a:r>
-              <a:rPr b="1"/>
-              <a:t>Testimonial:</a:t>
-            </a:r>
-            <a:r>
-              <a:t> "The migration delivered beyond cost savings - we've fundamentally changed how we operate. New capabilities that took months now take hours, enabling business agility we never had before." — </a:t>
-            </a:r>
-            <a:r>
-              <a:rPr b="1"/>
-              <a:t>Jennifer Wu, CIO</a:t>
-            </a:r>
-            <a:r>
-              <a:t>, GlobalManufacture Corp</a:t>
-            </a:r>
-          </a:p>
-        </p:txBody>
-      </p:sp>
+        </p:nvGraphicFramePr>
+        <p:xfrm>
+          <a:off x="256855" y="677011"/>
+          <a:ext cx="8710931" cy="1483360"/>
+        </p:xfrm>
+        <a:graphic>
+          <a:graphicData uri="http://schemas.openxmlformats.org/drawingml/2006/table">
+            <a:tbl>
+              <a:tblPr firstRow="1" bandRow="1">
+                <a:tableStyleId>{5C22544A-7EE6-4342-B048-85BDC9FD1C3A}</a:tableStyleId>
+              </a:tblPr>
+              <a:tblGrid>
+                <a:gridCol w="871093"/>
+                <a:gridCol w="2177733"/>
+                <a:gridCol w="1306639"/>
+                <a:gridCol w="4355466"/>
+              </a:tblGrid>
+              <a:tr h="370840">
+                <a:tc>
+                  <a:txBody>
+                    <a:bodyPr/>
+                    <a:lstStyle/>
+                    <a:p>
+                      <a:r>
+                        <a:rPr sz="1400">
+                          <a:solidFill>
+                            <a:srgbClr val="FFFFFF"/>
+                          </a:solidFill>
+                        </a:rPr>
+                        <a:t>Phase No</a:t>
+                      </a:r>
+                    </a:p>
+                  </a:txBody>
+                  <a:tcPr>
+                    <a:solidFill>
+                      <a:srgbClr val="A01C02"/>
+                    </a:solidFill>
+                  </a:tcPr>
+                </a:tc>
+                <a:tc>
+                  <a:txBody>
+                    <a:bodyPr/>
+                    <a:lstStyle/>
+                    <a:p>
+                      <a:r>
+                        <a:rPr sz="1400">
+                          <a:solidFill>
+                            <a:srgbClr val="FFFFFF"/>
+                          </a:solidFill>
+                        </a:rPr>
+                        <a:t>Phase Description</a:t>
+                      </a:r>
+                    </a:p>
+                  </a:txBody>
+                  <a:tcPr>
+                    <a:solidFill>
+                      <a:srgbClr val="A01C02"/>
+                    </a:solidFill>
+                  </a:tcPr>
+                </a:tc>
+                <a:tc>
+                  <a:txBody>
+                    <a:bodyPr/>
+                    <a:lstStyle/>
+                    <a:p>
+                      <a:r>
+                        <a:rPr sz="1400">
+                          <a:solidFill>
+                            <a:srgbClr val="FFFFFF"/>
+                          </a:solidFill>
+                        </a:rPr>
+                        <a:t>Timeline</a:t>
+                      </a:r>
+                    </a:p>
+                  </a:txBody>
+                  <a:tcPr>
+                    <a:solidFill>
+                      <a:srgbClr val="A01C02"/>
+                    </a:solidFill>
+                  </a:tcPr>
+                </a:tc>
+                <a:tc>
+                  <a:txBody>
+                    <a:bodyPr/>
+                    <a:lstStyle/>
+                    <a:p>
+                      <a:r>
+                        <a:rPr sz="1400">
+                          <a:solidFill>
+                            <a:srgbClr val="FFFFFF"/>
+                          </a:solidFill>
+                        </a:rPr>
+                        <a:t>Key Deliverables</a:t>
+                      </a:r>
+                    </a:p>
+                  </a:txBody>
+                  <a:tcPr>
+                    <a:solidFill>
+                      <a:srgbClr val="A01C02"/>
+                    </a:solidFill>
+                  </a:tcPr>
+                </a:tc>
+              </a:tr>
+              <a:tr h="370840">
+                <a:tc>
+                  <a:txBody>
+                    <a:bodyPr/>
+                    <a:lstStyle/>
+                    <a:p>
+                      <a:r>
+                        <a:rPr sz="1100"/>
+                        <a:t>Phase 1</a:t>
+                      </a:r>
+                    </a:p>
+                  </a:txBody>
+                  <a:tcPr>
+                    <a:solidFill>
+                      <a:srgbClr val="E7E6E6"/>
+                    </a:solidFill>
+                  </a:tcPr>
+                </a:tc>
+                <a:tc>
+                  <a:txBody>
+                    <a:bodyPr/>
+                    <a:lstStyle/>
+                    <a:p>
+                      <a:r>
+                        <a:rPr sz="1100"/>
+                        <a:t>Discovery &amp; Assessment</a:t>
+                      </a:r>
+                    </a:p>
+                  </a:txBody>
+                  <a:tcPr>
+                    <a:solidFill>
+                      <a:srgbClr val="E7E6E6"/>
+                    </a:solidFill>
+                  </a:tcPr>
+                </a:tc>
+                <a:tc>
+                  <a:txBody>
+                    <a:bodyPr/>
+                    <a:lstStyle/>
+                    <a:p>
+                      <a:r>
+                        <a:rPr sz="1100"/>
+                        <a:t>Months 1-2</a:t>
+                      </a:r>
+                    </a:p>
+                  </a:txBody>
+                  <a:tcPr>
+                    <a:solidFill>
+                      <a:srgbClr val="E7E6E6"/>
+                    </a:solidFill>
+                  </a:tcPr>
+                </a:tc>
+                <a:tc>
+                  <a:txBody>
+                    <a:bodyPr/>
+                    <a:lstStyle/>
+                    <a:p>
+                      <a:r>
+                        <a:rPr sz="1100"/>
+                        <a:t>Application inventory completed, Migration waves defined, AWS landing zone operational</a:t>
+                      </a:r>
+                    </a:p>
+                  </a:txBody>
+                  <a:tcPr>
+                    <a:solidFill>
+                      <a:srgbClr val="E7E6E6"/>
+                    </a:solidFill>
+                  </a:tcPr>
+                </a:tc>
+              </a:tr>
+              <a:tr h="370840">
+                <a:tc>
+                  <a:txBody>
+                    <a:bodyPr/>
+                    <a:lstStyle/>
+                    <a:p>
+                      <a:r>
+                        <a:rPr sz="1100"/>
+                        <a:t>Phase 2</a:t>
+                      </a:r>
+                    </a:p>
+                  </a:txBody>
+                  <a:tcPr>
+                    <a:solidFill>
+                      <a:srgbClr val="E7E6E6"/>
+                    </a:solidFill>
+                  </a:tcPr>
+                </a:tc>
+                <a:tc>
+                  <a:txBody>
+                    <a:bodyPr/>
+                    <a:lstStyle/>
+                    <a:p>
+                      <a:r>
+                        <a:rPr sz="1100"/>
+                        <a:t>Migration Execution</a:t>
+                      </a:r>
+                    </a:p>
+                  </a:txBody>
+                  <a:tcPr>
+                    <a:solidFill>
+                      <a:srgbClr val="E7E6E6"/>
+                    </a:solidFill>
+                  </a:tcPr>
+                </a:tc>
+                <a:tc>
+                  <a:txBody>
+                    <a:bodyPr/>
+                    <a:lstStyle/>
+                    <a:p>
+                      <a:r>
+                        <a:rPr sz="1100"/>
+                        <a:t>Months 3-6</a:t>
+                      </a:r>
+                    </a:p>
+                  </a:txBody>
+                  <a:tcPr>
+                    <a:solidFill>
+                      <a:srgbClr val="E7E6E6"/>
+                    </a:solidFill>
+                  </a:tcPr>
+                </a:tc>
+                <a:tc>
+                  <a:txBody>
+                    <a:bodyPr/>
+                    <a:lstStyle/>
+                    <a:p>
+                      <a:r>
+                        <a:rPr sz="1100"/>
+                        <a:t>Wave 1-3 migrated to AWS, Applications validated in cloud, Hybrid connectivity established</a:t>
+                      </a:r>
+                    </a:p>
+                  </a:txBody>
+                  <a:tcPr>
+                    <a:solidFill>
+                      <a:srgbClr val="E7E6E6"/>
+                    </a:solidFill>
+                  </a:tcPr>
+                </a:tc>
+              </a:tr>
+              <a:tr h="370840">
+                <a:tc>
+                  <a:txBody>
+                    <a:bodyPr/>
+                    <a:lstStyle/>
+                    <a:p>
+                      <a:r>
+                        <a:rPr sz="1100"/>
+                        <a:t>Phase 3</a:t>
+                      </a:r>
+                    </a:p>
+                  </a:txBody>
+                  <a:tcPr>
+                    <a:solidFill>
+                      <a:srgbClr val="E7E6E6"/>
+                    </a:solidFill>
+                  </a:tcPr>
+                </a:tc>
+                <a:tc>
+                  <a:txBody>
+                    <a:bodyPr/>
+                    <a:lstStyle/>
+                    <a:p>
+                      <a:r>
+                        <a:rPr sz="1100"/>
+                        <a:t>Optimization &amp; Closure</a:t>
+                      </a:r>
+                    </a:p>
+                  </a:txBody>
+                  <a:tcPr>
+                    <a:solidFill>
+                      <a:srgbClr val="E7E6E6"/>
+                    </a:solidFill>
+                  </a:tcPr>
+                </a:tc>
+                <a:tc>
+                  <a:txBody>
+                    <a:bodyPr/>
+                    <a:lstStyle/>
+                    <a:p>
+                      <a:r>
+                        <a:rPr sz="1100"/>
+                        <a:t>Months 7-9</a:t>
+                      </a:r>
+                    </a:p>
+                  </a:txBody>
+                  <a:tcPr>
+                    <a:solidFill>
+                      <a:srgbClr val="E7E6E6"/>
+                    </a:solidFill>
+                  </a:tcPr>
+                </a:tc>
+                <a:tc>
+                  <a:txBody>
+                    <a:bodyPr/>
+                    <a:lstStyle/>
+                    <a:p>
+                      <a:r>
+                        <a:rPr sz="1100"/>
+                        <a:t>Infrastructure right-sized, Costs optimized, On-premises decommissioned</a:t>
+                      </a:r>
+                    </a:p>
+                  </a:txBody>
+                  <a:tcPr>
+                    <a:solidFill>
+                      <a:srgbClr val="E7E6E6"/>
+                    </a:solidFill>
+                  </a:tcPr>
+                </a:tc>
+              </a:tr>
+            </a:tbl>
+          </a:graphicData>
+        </a:graphic>
+      </p:graphicFrame>
       <p:pic>
         <p:nvPicPr>
           <p:cNvPr id="5" name="Picture 4" descr="eo-framework-logo-real.png"/>
@@ -4636,7 +5669,7 @@
           <a:lstStyle/>
           <a:p>
             <a:r>
-              <a:t>Our Partnership Advantage</a:t>
+              <a:t>Success Stories</a:t>
             </a:r>
           </a:p>
         </p:txBody>
@@ -4648,12 +5681,12 @@
             <a:picLocks noGrp="1" noChangeAspect="1"/>
           </p:cNvPicPr>
           <p:nvPr>
-            <p:ph type="pic" idx="14" sz="quarter"/>
+            <p:ph type="pic" idx="13" sz="quarter"/>
           </p:nvPr>
         </p:nvPicPr>
         <p:blipFill>
           <a:blip r:embed="rId2"/>
-          <a:srcRect t="6314" b="6314"/>
+          <a:srcRect t="6762" b="6762"/>
           <a:stretch>
             <a:fillRect/>
           </a:stretch>
@@ -4667,7 +5700,7 @@
             <a:spLocks noGrp="1"/>
           </p:cNvSpPr>
           <p:nvPr>
-            <p:ph type="body" idx="16" sz="quarter"/>
+            <p:ph type="body" idx="14" sz="quarter"/>
           </p:nvPr>
         </p:nvSpPr>
         <p:spPr/>
@@ -4678,97 +5711,71 @@
             <a:pPr/>
             <a:r>
               <a:rPr b="1"/>
-              <a:t>What We Bring</a:t>
+              <a:t>Client Success: Global Manufacturing Company</a:t>
             </a:r>
           </a:p>
           <a:p>
             <a:pPr lvl="1"/>
             <a:r>
-              <a:t>12+ years delivering AWS migrations with 100% success rate</a:t>
+              <a:rPr b="1"/>
+              <a:t>Client:</a:t>
+            </a:r>
+            <a:r>
+              <a:t> Mid-market manufacturer with 5,000 employees across 12 global facilities</a:t>
             </a:r>
           </a:p>
           <a:p>
             <a:pPr lvl="1"/>
             <a:r>
-              <a:t>150+ successful migrations totaling 10,000+ servers to AWS</a:t>
+              <a:rPr b="1"/>
+              <a:t>Challenge:</a:t>
+            </a:r>
+            <a:r>
+              <a:t> Aging data centers requiring $3M upgrade, 72-hour lead time for new environments</a:t>
             </a:r>
           </a:p>
           <a:p>
             <a:pPr lvl="1"/>
             <a:r>
-              <a:t>AWS Migration Competency and Premier Consulting Partner status</a:t>
+              <a:rPr b="1"/>
+              <a:t>Solution:</a:t>
+            </a:r>
+            <a:r>
+              <a:t> AWS migration of 150 servers, 20 databases, and 50TB data using DMS/SMS/DataSync</a:t>
             </a:r>
           </a:p>
           <a:p>
             <a:pPr lvl="1"/>
             <a:r>
-              <a:t>Certified migration specialists and AWS-authorized instructors</a:t>
+              <a:rPr b="1"/>
+              <a:t>Results:</a:t>
+            </a:r>
+            <a:r>
+              <a:t> 42% cost reduction ($1.8M annual savings), 95% faster provisioning, zero downtime, DC terminated</a:t>
             </a:r>
           </a:p>
           <a:p>
             <a:pPr lvl="1"/>
             <a:r>
-              <a:t>Pre-built migration accelerators and automation tools</a:t>
-            </a:r>
-          </a:p>
-        </p:txBody>
-      </p:sp>
-      <p:sp>
-        <p:nvSpPr>
-          <p:cNvPr id="5" name="Text Placeholder 4"/>
-          <p:cNvSpPr>
-            <a:spLocks noGrp="1"/>
-          </p:cNvSpPr>
-          <p:nvPr>
-            <p:ph type="body" idx="17" sz="quarter"/>
-          </p:nvPr>
-        </p:nvSpPr>
-        <p:spPr/>
-        <p:txBody>
-          <a:bodyPr/>
-          <a:lstStyle/>
-          <a:p>
-            <a:pPr/>
-            <a:r>
               <a:rPr b="1"/>
-              <a:t>Value to You</a:t>
-            </a:r>
-          </a:p>
-          <a:p>
-            <a:pPr lvl="1"/>
-            <a:r>
-              <a:t>Proven migration methodology reduces risk and accelerates timeline</a:t>
-            </a:r>
-          </a:p>
-          <a:p>
-            <a:pPr lvl="1"/>
-            <a:r>
-              <a:t>AWS Migration credits (10-25% of spend) offset migration costs</a:t>
-            </a:r>
-          </a:p>
-          <a:p>
-            <a:pPr lvl="1"/>
-            <a:r>
-              <a:t>Direct AWS TAM and migration specialist support</a:t>
-            </a:r>
-          </a:p>
-          <a:p>
-            <a:pPr lvl="1"/>
-            <a:r>
-              <a:t>Best practices from 150+ migrations avoid common pitfalls</a:t>
-            </a:r>
-          </a:p>
-          <a:p>
-            <a:pPr lvl="1"/>
-            <a:r>
-              <a:t>Comprehensive training for cloud operations team</a:t>
+              <a:t>Testimonial:</a:t>
+            </a:r>
+            <a:r>
+              <a:t> "The migration delivered beyond cost savings - we've fundamentally changed how we operate. New capabilities that took months now take hours, enabling business agility we never had before." — </a:t>
+            </a:r>
+            <a:r>
+              <a:rPr b="1"/>
+              <a:t>Jennifer Wu, CIO</a:t>
+            </a:r>
+            <a:r>
+              <a:t>, GlobalManufacture Corp</a:t>
             </a:r>
           </a:p>
         </p:txBody>
       </p:sp>
       <p:pic>
         <p:nvPicPr>
-          <p:cNvPr id="6" name="Picture 5" descr="eo-framework-logo-real.png"/>
+          <p:cNvPr id="5" name="Picture 4" descr="eo-framework-logo-real.png"/>
           <p:cNvPicPr>
             <a:picLocks noChangeAspect="1"/>
           </p:cNvPicPr>
@@ -4823,10 +5830,8 @@
           <a:bodyPr/>
           <a:lstStyle/>
           <a:p>
-            <a:pPr algn="l"/>
-            <a:r>
-              <a:rPr b="1"/>
-              <a:t>Investment Summary</a:t>
+            <a:r>
+              <a:t>Our Partnership Advantage</a:t>
             </a:r>
           </a:p>
         </p:txBody>
@@ -4838,808 +5843,127 @@
             <a:picLocks noGrp="1" noChangeAspect="1"/>
           </p:cNvPicPr>
           <p:nvPr>
-            <p:ph type="pic" idx="13" sz="quarter"/>
+            <p:ph type="pic" idx="14" sz="quarter"/>
           </p:nvPr>
         </p:nvPicPr>
         <p:blipFill>
           <a:blip r:embed="rId2"/>
-          <a:srcRect t="6404" b="6404"/>
+          <a:srcRect t="6314" b="6314"/>
           <a:stretch>
             <a:fillRect/>
           </a:stretch>
         </p:blipFill>
         <p:spPr/>
       </p:pic>
-      <p:graphicFrame>
-        <p:nvGraphicFramePr>
-          <p:cNvPr id="4" name="Table Placeholder 3"/>
-          <p:cNvGraphicFramePr>
-            <a:graphicFrameLocks noGrp="1"/>
-          </p:cNvGraphicFramePr>
+      <p:sp>
+        <p:nvSpPr>
+          <p:cNvPr id="4" name="Text Placeholder 3"/>
+          <p:cNvSpPr>
+            <a:spLocks noGrp="1"/>
+          </p:cNvSpPr>
           <p:nvPr>
-            <p:ph type="tbl" idx="14" sz="quarter"/>
+            <p:ph type="body" idx="16" sz="quarter"/>
           </p:nvPr>
-        </p:nvGraphicFramePr>
-        <p:xfrm>
-          <a:off x="256855" y="677011"/>
-          <a:ext cx="8710929" cy="2225040"/>
-        </p:xfrm>
-        <a:graphic>
-          <a:graphicData uri="http://schemas.openxmlformats.org/drawingml/2006/table">
-            <a:tbl>
-              <a:tblPr firstRow="1" bandRow="1">
-                <a:tableStyleId>{5C22544A-7EE6-4342-B048-85BDC9FD1C3A}</a:tableStyleId>
-              </a:tblPr>
-              <a:tblGrid>
-                <a:gridCol w="1742186"/>
-                <a:gridCol w="1045311"/>
-                <a:gridCol w="2003514"/>
-                <a:gridCol w="1132421"/>
-                <a:gridCol w="871093"/>
-                <a:gridCol w="871093"/>
-                <a:gridCol w="1045311"/>
-              </a:tblGrid>
-              <a:tr h="370840">
-                <a:tc>
-                  <a:txBody>
-                    <a:bodyPr/>
-                    <a:lstStyle/>
-                    <a:p>
-                      <a:r>
-                        <a:rPr sz="1400">
-                          <a:solidFill>
-                            <a:srgbClr val="FFFFFF"/>
-                          </a:solidFill>
-                        </a:rPr>
-                        <a:t>Cost Category</a:t>
-                      </a:r>
-                    </a:p>
-                  </a:txBody>
-                  <a:tcPr>
-                    <a:solidFill>
-                      <a:srgbClr val="A01C02"/>
-                    </a:solidFill>
-                  </a:tcPr>
-                </a:tc>
-                <a:tc>
-                  <a:txBody>
-                    <a:bodyPr/>
-                    <a:lstStyle/>
-                    <a:p>
-                      <a:r>
-                        <a:rPr sz="1400">
-                          <a:solidFill>
-                            <a:srgbClr val="FFFFFF"/>
-                          </a:solidFill>
-                        </a:rPr>
-                        <a:t>Year 1 List</a:t>
-                      </a:r>
-                    </a:p>
-                  </a:txBody>
-                  <a:tcPr>
-                    <a:solidFill>
-                      <a:srgbClr val="A01C02"/>
-                    </a:solidFill>
-                  </a:tcPr>
-                </a:tc>
-                <a:tc>
-                  <a:txBody>
-                    <a:bodyPr/>
-                    <a:lstStyle/>
-                    <a:p>
-                      <a:r>
-                        <a:rPr sz="1400">
-                          <a:solidFill>
-                            <a:srgbClr val="FFFFFF"/>
-                          </a:solidFill>
-                        </a:rPr>
-                        <a:t>AWS/Partner Credits</a:t>
-                      </a:r>
-                    </a:p>
-                  </a:txBody>
-                  <a:tcPr>
-                    <a:solidFill>
-                      <a:srgbClr val="A01C02"/>
-                    </a:solidFill>
-                  </a:tcPr>
-                </a:tc>
-                <a:tc>
-                  <a:txBody>
-                    <a:bodyPr/>
-                    <a:lstStyle/>
-                    <a:p>
-                      <a:r>
-                        <a:rPr sz="1400">
-                          <a:solidFill>
-                            <a:srgbClr val="FFFFFF"/>
-                          </a:solidFill>
-                        </a:rPr>
-                        <a:t>Year 1 Net</a:t>
-                      </a:r>
-                    </a:p>
-                  </a:txBody>
-                  <a:tcPr>
-                    <a:solidFill>
-                      <a:srgbClr val="A01C02"/>
-                    </a:solidFill>
-                  </a:tcPr>
-                </a:tc>
-                <a:tc>
-                  <a:txBody>
-                    <a:bodyPr/>
-                    <a:lstStyle/>
-                    <a:p>
-                      <a:r>
-                        <a:rPr sz="1400">
-                          <a:solidFill>
-                            <a:srgbClr val="FFFFFF"/>
-                          </a:solidFill>
-                        </a:rPr>
-                        <a:t>Year 2</a:t>
-                      </a:r>
-                    </a:p>
-                  </a:txBody>
-                  <a:tcPr>
-                    <a:solidFill>
-                      <a:srgbClr val="A01C02"/>
-                    </a:solidFill>
-                  </a:tcPr>
-                </a:tc>
-                <a:tc>
-                  <a:txBody>
-                    <a:bodyPr/>
-                    <a:lstStyle/>
-                    <a:p>
-                      <a:r>
-                        <a:rPr sz="1400">
-                          <a:solidFill>
-                            <a:srgbClr val="FFFFFF"/>
-                          </a:solidFill>
-                        </a:rPr>
-                        <a:t>Year 3</a:t>
-                      </a:r>
-                    </a:p>
-                  </a:txBody>
-                  <a:tcPr>
-                    <a:solidFill>
-                      <a:srgbClr val="A01C02"/>
-                    </a:solidFill>
-                  </a:tcPr>
-                </a:tc>
-                <a:tc>
-                  <a:txBody>
-                    <a:bodyPr/>
-                    <a:lstStyle/>
-                    <a:p>
-                      <a:r>
-                        <a:rPr sz="1400">
-                          <a:solidFill>
-                            <a:srgbClr val="FFFFFF"/>
-                          </a:solidFill>
-                        </a:rPr>
-                        <a:t>3-Year Total</a:t>
-                      </a:r>
-                    </a:p>
-                  </a:txBody>
-                  <a:tcPr>
-                    <a:solidFill>
-                      <a:srgbClr val="A01C02"/>
-                    </a:solidFill>
-                  </a:tcPr>
-                </a:tc>
-              </a:tr>
-              <a:tr h="370840">
-                <a:tc>
-                  <a:txBody>
-                    <a:bodyPr/>
-                    <a:lstStyle/>
-                    <a:p>
-                      <a:r>
-                        <a:rPr sz="1100"/>
-                        <a:t>Professional Services</a:t>
-                      </a:r>
-                    </a:p>
-                  </a:txBody>
-                  <a:tcPr>
-                    <a:solidFill>
-                      <a:srgbClr val="E7E6E6"/>
-                    </a:solidFill>
-                  </a:tcPr>
-                </a:tc>
-                <a:tc>
-                  <a:txBody>
-                    <a:bodyPr/>
-                    <a:lstStyle/>
-                    <a:p>
-                      <a:r>
-                        <a:rPr sz="1100"/>
-                        <a:t>$125,150</a:t>
-                      </a:r>
-                    </a:p>
-                  </a:txBody>
-                  <a:tcPr>
-                    <a:solidFill>
-                      <a:srgbClr val="E7E6E6"/>
-                    </a:solidFill>
-                  </a:tcPr>
-                </a:tc>
-                <a:tc>
-                  <a:txBody>
-                    <a:bodyPr/>
-                    <a:lstStyle/>
-                    <a:p>
-                      <a:r>
-                        <a:rPr sz="1100"/>
-                        <a:t>($22,000)</a:t>
-                      </a:r>
-                    </a:p>
-                  </a:txBody>
-                  <a:tcPr>
-                    <a:solidFill>
-                      <a:srgbClr val="E7E6E6"/>
-                    </a:solidFill>
-                  </a:tcPr>
-                </a:tc>
-                <a:tc>
-                  <a:txBody>
-                    <a:bodyPr/>
-                    <a:lstStyle/>
-                    <a:p>
-                      <a:r>
-                        <a:rPr sz="1100"/>
-                        <a:t>$103,150</a:t>
-                      </a:r>
-                    </a:p>
-                  </a:txBody>
-                  <a:tcPr>
-                    <a:solidFill>
-                      <a:srgbClr val="E7E6E6"/>
-                    </a:solidFill>
-                  </a:tcPr>
-                </a:tc>
-                <a:tc>
-                  <a:txBody>
-                    <a:bodyPr/>
-                    <a:lstStyle/>
-                    <a:p>
-                      <a:r>
-                        <a:rPr sz="1100"/>
-                        <a:t>$0</a:t>
-                      </a:r>
-                    </a:p>
-                  </a:txBody>
-                  <a:tcPr>
-                    <a:solidFill>
-                      <a:srgbClr val="E7E6E6"/>
-                    </a:solidFill>
-                  </a:tcPr>
-                </a:tc>
-                <a:tc>
-                  <a:txBody>
-                    <a:bodyPr/>
-                    <a:lstStyle/>
-                    <a:p>
-                      <a:r>
-                        <a:rPr sz="1100"/>
-                        <a:t>$0</a:t>
-                      </a:r>
-                    </a:p>
-                  </a:txBody>
-                  <a:tcPr>
-                    <a:solidFill>
-                      <a:srgbClr val="E7E6E6"/>
-                    </a:solidFill>
-                  </a:tcPr>
-                </a:tc>
-                <a:tc>
-                  <a:txBody>
-                    <a:bodyPr/>
-                    <a:lstStyle/>
-                    <a:p>
-                      <a:r>
-                        <a:rPr sz="1100"/>
-                        <a:t>$103,150</a:t>
-                      </a:r>
-                    </a:p>
-                  </a:txBody>
-                  <a:tcPr>
-                    <a:solidFill>
-                      <a:srgbClr val="E7E6E6"/>
-                    </a:solidFill>
-                  </a:tcPr>
-                </a:tc>
-              </a:tr>
-              <a:tr h="370840">
-                <a:tc>
-                  <a:txBody>
-                    <a:bodyPr/>
-                    <a:lstStyle/>
-                    <a:p>
-                      <a:r>
-                        <a:rPr sz="1100"/>
-                        <a:t>Cloud Infrastructure</a:t>
-                      </a:r>
-                    </a:p>
-                  </a:txBody>
-                  <a:tcPr>
-                    <a:solidFill>
-                      <a:srgbClr val="E7E6E6"/>
-                    </a:solidFill>
-                  </a:tcPr>
-                </a:tc>
-                <a:tc>
-                  <a:txBody>
-                    <a:bodyPr/>
-                    <a:lstStyle/>
-                    <a:p>
-                      <a:r>
-                        <a:rPr sz="1100"/>
-                        <a:t>$9,572</a:t>
-                      </a:r>
-                    </a:p>
-                  </a:txBody>
-                  <a:tcPr>
-                    <a:solidFill>
-                      <a:srgbClr val="E7E6E6"/>
-                    </a:solidFill>
-                  </a:tcPr>
-                </a:tc>
-                <a:tc>
-                  <a:txBody>
-                    <a:bodyPr/>
-                    <a:lstStyle/>
-                    <a:p>
-                      <a:r>
-                        <a:rPr sz="1100"/>
-                        <a:t>($8,117)</a:t>
-                      </a:r>
-                    </a:p>
-                  </a:txBody>
-                  <a:tcPr>
-                    <a:solidFill>
-                      <a:srgbClr val="E7E6E6"/>
-                    </a:solidFill>
-                  </a:tcPr>
-                </a:tc>
-                <a:tc>
-                  <a:txBody>
-                    <a:bodyPr/>
-                    <a:lstStyle/>
-                    <a:p>
-                      <a:r>
-                        <a:rPr sz="1100"/>
-                        <a:t>$1,455</a:t>
-                      </a:r>
-                    </a:p>
-                  </a:txBody>
-                  <a:tcPr>
-                    <a:solidFill>
-                      <a:srgbClr val="E7E6E6"/>
-                    </a:solidFill>
-                  </a:tcPr>
-                </a:tc>
-                <a:tc>
-                  <a:txBody>
-                    <a:bodyPr/>
-                    <a:lstStyle/>
-                    <a:p>
-                      <a:r>
-                        <a:rPr sz="1100"/>
-                        <a:t>$9,472</a:t>
-                      </a:r>
-                    </a:p>
-                  </a:txBody>
-                  <a:tcPr>
-                    <a:solidFill>
-                      <a:srgbClr val="E7E6E6"/>
-                    </a:solidFill>
-                  </a:tcPr>
-                </a:tc>
-                <a:tc>
-                  <a:txBody>
-                    <a:bodyPr/>
-                    <a:lstStyle/>
-                    <a:p>
-                      <a:r>
-                        <a:rPr sz="1100"/>
-                        <a:t>$9,472</a:t>
-                      </a:r>
-                    </a:p>
-                  </a:txBody>
-                  <a:tcPr>
-                    <a:solidFill>
-                      <a:srgbClr val="E7E6E6"/>
-                    </a:solidFill>
-                  </a:tcPr>
-                </a:tc>
-                <a:tc>
-                  <a:txBody>
-                    <a:bodyPr/>
-                    <a:lstStyle/>
-                    <a:p>
-                      <a:r>
-                        <a:rPr sz="1100"/>
-                        <a:t>$20,399</a:t>
-                      </a:r>
-                    </a:p>
-                  </a:txBody>
-                  <a:tcPr>
-                    <a:solidFill>
-                      <a:srgbClr val="E7E6E6"/>
-                    </a:solidFill>
-                  </a:tcPr>
-                </a:tc>
-              </a:tr>
-              <a:tr h="370840">
-                <a:tc>
-                  <a:txBody>
-                    <a:bodyPr/>
-                    <a:lstStyle/>
-                    <a:p>
-                      <a:r>
-                        <a:rPr sz="1100"/>
-                        <a:t>Software Licenses &amp; Subscriptions</a:t>
-                      </a:r>
-                    </a:p>
-                  </a:txBody>
-                  <a:tcPr>
-                    <a:solidFill>
-                      <a:srgbClr val="E7E6E6"/>
-                    </a:solidFill>
-                  </a:tcPr>
-                </a:tc>
-                <a:tc>
-                  <a:txBody>
-                    <a:bodyPr/>
-                    <a:lstStyle/>
-                    <a:p>
-                      <a:r>
-                        <a:rPr sz="1100"/>
-                        <a:t>$3,132</a:t>
-                      </a:r>
-                    </a:p>
-                  </a:txBody>
-                  <a:tcPr>
-                    <a:solidFill>
-                      <a:srgbClr val="E7E6E6"/>
-                    </a:solidFill>
-                  </a:tcPr>
-                </a:tc>
-                <a:tc>
-                  <a:txBody>
-                    <a:bodyPr/>
-                    <a:lstStyle/>
-                    <a:p>
-                      <a:r>
-                        <a:rPr sz="1100"/>
-                        <a:t>$0</a:t>
-                      </a:r>
-                    </a:p>
-                  </a:txBody>
-                  <a:tcPr>
-                    <a:solidFill>
-                      <a:srgbClr val="E7E6E6"/>
-                    </a:solidFill>
-                  </a:tcPr>
-                </a:tc>
-                <a:tc>
-                  <a:txBody>
-                    <a:bodyPr/>
-                    <a:lstStyle/>
-                    <a:p>
-                      <a:r>
-                        <a:rPr sz="1100"/>
-                        <a:t>$3,132</a:t>
-                      </a:r>
-                    </a:p>
-                  </a:txBody>
-                  <a:tcPr>
-                    <a:solidFill>
-                      <a:srgbClr val="E7E6E6"/>
-                    </a:solidFill>
-                  </a:tcPr>
-                </a:tc>
-                <a:tc>
-                  <a:txBody>
-                    <a:bodyPr/>
-                    <a:lstStyle/>
-                    <a:p>
-                      <a:r>
-                        <a:rPr sz="1100"/>
-                        <a:t>$3,132</a:t>
-                      </a:r>
-                    </a:p>
-                  </a:txBody>
-                  <a:tcPr>
-                    <a:solidFill>
-                      <a:srgbClr val="E7E6E6"/>
-                    </a:solidFill>
-                  </a:tcPr>
-                </a:tc>
-                <a:tc>
-                  <a:txBody>
-                    <a:bodyPr/>
-                    <a:lstStyle/>
-                    <a:p>
-                      <a:r>
-                        <a:rPr sz="1100"/>
-                        <a:t>$3,132</a:t>
-                      </a:r>
-                    </a:p>
-                  </a:txBody>
-                  <a:tcPr>
-                    <a:solidFill>
-                      <a:srgbClr val="E7E6E6"/>
-                    </a:solidFill>
-                  </a:tcPr>
-                </a:tc>
-                <a:tc>
-                  <a:txBody>
-                    <a:bodyPr/>
-                    <a:lstStyle/>
-                    <a:p>
-                      <a:r>
-                        <a:rPr sz="1100"/>
-                        <a:t>$9,396</a:t>
-                      </a:r>
-                    </a:p>
-                  </a:txBody>
-                  <a:tcPr>
-                    <a:solidFill>
-                      <a:srgbClr val="E7E6E6"/>
-                    </a:solidFill>
-                  </a:tcPr>
-                </a:tc>
-              </a:tr>
-              <a:tr h="370840">
-                <a:tc>
-                  <a:txBody>
-                    <a:bodyPr/>
-                    <a:lstStyle/>
-                    <a:p>
-                      <a:r>
-                        <a:rPr sz="1100"/>
-                        <a:t>Support &amp; Maintenance</a:t>
-                      </a:r>
-                    </a:p>
-                  </a:txBody>
-                  <a:tcPr>
-                    <a:solidFill>
-                      <a:srgbClr val="E7E6E6"/>
-                    </a:solidFill>
-                  </a:tcPr>
-                </a:tc>
-                <a:tc>
-                  <a:txBody>
-                    <a:bodyPr/>
-                    <a:lstStyle/>
-                    <a:p>
-                      <a:r>
-                        <a:rPr sz="1100"/>
-                        <a:t>$1,462</a:t>
-                      </a:r>
-                    </a:p>
-                  </a:txBody>
-                  <a:tcPr>
-                    <a:solidFill>
-                      <a:srgbClr val="E7E6E6"/>
-                    </a:solidFill>
-                  </a:tcPr>
-                </a:tc>
-                <a:tc>
-                  <a:txBody>
-                    <a:bodyPr/>
-                    <a:lstStyle/>
-                    <a:p>
-                      <a:r>
-                        <a:rPr sz="1100"/>
-                        <a:t>$0</a:t>
-                      </a:r>
-                    </a:p>
-                  </a:txBody>
-                  <a:tcPr>
-                    <a:solidFill>
-                      <a:srgbClr val="E7E6E6"/>
-                    </a:solidFill>
-                  </a:tcPr>
-                </a:tc>
-                <a:tc>
-                  <a:txBody>
-                    <a:bodyPr/>
-                    <a:lstStyle/>
-                    <a:p>
-                      <a:r>
-                        <a:rPr sz="1100"/>
-                        <a:t>$1,462</a:t>
-                      </a:r>
-                    </a:p>
-                  </a:txBody>
-                  <a:tcPr>
-                    <a:solidFill>
-                      <a:srgbClr val="E7E6E6"/>
-                    </a:solidFill>
-                  </a:tcPr>
-                </a:tc>
-                <a:tc>
-                  <a:txBody>
-                    <a:bodyPr/>
-                    <a:lstStyle/>
-                    <a:p>
-                      <a:r>
-                        <a:rPr sz="1100"/>
-                        <a:t>$1,462</a:t>
-                      </a:r>
-                    </a:p>
-                  </a:txBody>
-                  <a:tcPr>
-                    <a:solidFill>
-                      <a:srgbClr val="E7E6E6"/>
-                    </a:solidFill>
-                  </a:tcPr>
-                </a:tc>
-                <a:tc>
-                  <a:txBody>
-                    <a:bodyPr/>
-                    <a:lstStyle/>
-                    <a:p>
-                      <a:r>
-                        <a:rPr sz="1100"/>
-                        <a:t>$1,462</a:t>
-                      </a:r>
-                    </a:p>
-                  </a:txBody>
-                  <a:tcPr>
-                    <a:solidFill>
-                      <a:srgbClr val="E7E6E6"/>
-                    </a:solidFill>
-                  </a:tcPr>
-                </a:tc>
-                <a:tc>
-                  <a:txBody>
-                    <a:bodyPr/>
-                    <a:lstStyle/>
-                    <a:p>
-                      <a:r>
-                        <a:rPr sz="1100"/>
-                        <a:t>$4,386</a:t>
-                      </a:r>
-                    </a:p>
-                  </a:txBody>
-                  <a:tcPr>
-                    <a:solidFill>
-                      <a:srgbClr val="E7E6E6"/>
-                    </a:solidFill>
-                  </a:tcPr>
-                </a:tc>
-              </a:tr>
-              <a:tr h="370840">
-                <a:tc>
-                  <a:txBody>
-                    <a:bodyPr/>
-                    <a:lstStyle/>
-                    <a:p>
-                      <a:r>
-                        <a:rPr b="1" sz="1100"/>
-                        <a:t>TOTAL INVESTMENT</a:t>
-                      </a:r>
-                    </a:p>
-                  </a:txBody>
-                  <a:tcPr>
-                    <a:solidFill>
-                      <a:srgbClr val="E7E6E6"/>
-                    </a:solidFill>
-                  </a:tcPr>
-                </a:tc>
-                <a:tc>
-                  <a:txBody>
-                    <a:bodyPr/>
-                    <a:lstStyle/>
-                    <a:p>
-                      <a:r>
-                        <a:rPr b="1" sz="1100"/>
-                        <a:t>$139,316</a:t>
-                      </a:r>
-                    </a:p>
-                  </a:txBody>
-                  <a:tcPr>
-                    <a:solidFill>
-                      <a:srgbClr val="E7E6E6"/>
-                    </a:solidFill>
-                  </a:tcPr>
-                </a:tc>
-                <a:tc>
-                  <a:txBody>
-                    <a:bodyPr/>
-                    <a:lstStyle/>
-                    <a:p>
-                      <a:r>
-                        <a:rPr b="1" sz="1100"/>
-                        <a:t>($30,117)</a:t>
-                      </a:r>
-                    </a:p>
-                  </a:txBody>
-                  <a:tcPr>
-                    <a:solidFill>
-                      <a:srgbClr val="E7E6E6"/>
-                    </a:solidFill>
-                  </a:tcPr>
-                </a:tc>
-                <a:tc>
-                  <a:txBody>
-                    <a:bodyPr/>
-                    <a:lstStyle/>
-                    <a:p>
-                      <a:r>
-                        <a:rPr b="1" sz="1100"/>
-                        <a:t>$109,199</a:t>
-                      </a:r>
-                    </a:p>
-                  </a:txBody>
-                  <a:tcPr>
-                    <a:solidFill>
-                      <a:srgbClr val="E7E6E6"/>
-                    </a:solidFill>
-                  </a:tcPr>
-                </a:tc>
-                <a:tc>
-                  <a:txBody>
-                    <a:bodyPr/>
-                    <a:lstStyle/>
-                    <a:p>
-                      <a:r>
-                        <a:rPr b="1" sz="1100"/>
-                        <a:t>$14,066</a:t>
-                      </a:r>
-                    </a:p>
-                  </a:txBody>
-                  <a:tcPr>
-                    <a:solidFill>
-                      <a:srgbClr val="E7E6E6"/>
-                    </a:solidFill>
-                  </a:tcPr>
-                </a:tc>
-                <a:tc>
-                  <a:txBody>
-                    <a:bodyPr/>
-                    <a:lstStyle/>
-                    <a:p>
-                      <a:r>
-                        <a:rPr b="1" sz="1100"/>
-                        <a:t>$14,066</a:t>
-                      </a:r>
-                    </a:p>
-                  </a:txBody>
-                  <a:tcPr>
-                    <a:solidFill>
-                      <a:srgbClr val="E7E6E6"/>
-                    </a:solidFill>
-                  </a:tcPr>
-                </a:tc>
-                <a:tc>
-                  <a:txBody>
-                    <a:bodyPr/>
-                    <a:lstStyle/>
-                    <a:p>
-                      <a:r>
-                        <a:rPr b="1" sz="1100"/>
-                        <a:t>$137,331</a:t>
-                      </a:r>
-                    </a:p>
-                  </a:txBody>
-                  <a:tcPr>
-                    <a:solidFill>
-                      <a:srgbClr val="E7E6E6"/>
-                    </a:solidFill>
-                  </a:tcPr>
-                </a:tc>
-              </a:tr>
-            </a:tbl>
-          </a:graphicData>
-        </a:graphic>
-      </p:graphicFrame>
+        </p:nvSpPr>
+        <p:spPr/>
+        <p:txBody>
+          <a:bodyPr/>
+          <a:lstStyle/>
+          <a:p>
+            <a:pPr/>
+            <a:r>
+              <a:rPr b="1"/>
+              <a:t>What We Bring</a:t>
+            </a:r>
+          </a:p>
+          <a:p>
+            <a:pPr lvl="1"/>
+            <a:r>
+              <a:t>12+ years delivering AWS migrations with 100% success rate</a:t>
+            </a:r>
+          </a:p>
+          <a:p>
+            <a:pPr lvl="1"/>
+            <a:r>
+              <a:t>150+ successful migrations totaling 10,000+ servers to AWS</a:t>
+            </a:r>
+          </a:p>
+          <a:p>
+            <a:pPr lvl="1"/>
+            <a:r>
+              <a:t>AWS Migration Competency and Premier Consulting Partner status</a:t>
+            </a:r>
+          </a:p>
+          <a:p>
+            <a:pPr lvl="1"/>
+            <a:r>
+              <a:t>Certified migration specialists and AWS-authorized instructors</a:t>
+            </a:r>
+          </a:p>
+          <a:p>
+            <a:pPr lvl="1"/>
+            <a:r>
+              <a:t>Pre-built migration accelerators and automation tools</a:t>
+            </a:r>
+          </a:p>
+        </p:txBody>
+      </p:sp>
+      <p:sp>
+        <p:nvSpPr>
+          <p:cNvPr id="5" name="Text Placeholder 4"/>
+          <p:cNvSpPr>
+            <a:spLocks noGrp="1"/>
+          </p:cNvSpPr>
+          <p:nvPr>
+            <p:ph type="body" idx="17" sz="quarter"/>
+          </p:nvPr>
+        </p:nvSpPr>
+        <p:spPr/>
+        <p:txBody>
+          <a:bodyPr/>
+          <a:lstStyle/>
+          <a:p>
+            <a:pPr/>
+            <a:r>
+              <a:rPr b="1"/>
+              <a:t>Value to You</a:t>
+            </a:r>
+          </a:p>
+          <a:p>
+            <a:pPr lvl="1"/>
+            <a:r>
+              <a:t>Proven migration methodology reduces risk and accelerates timeline</a:t>
+            </a:r>
+          </a:p>
+          <a:p>
+            <a:pPr lvl="1"/>
+            <a:r>
+              <a:t>AWS Migration credits (10-25% of spend) offset migration costs</a:t>
+            </a:r>
+          </a:p>
+          <a:p>
+            <a:pPr lvl="1"/>
+            <a:r>
+              <a:t>Direct AWS TAM and migration specialist support</a:t>
+            </a:r>
+          </a:p>
+          <a:p>
+            <a:pPr lvl="1"/>
+            <a:r>
+              <a:t>Best practices from 150+ migrations avoid common pitfalls</a:t>
+            </a:r>
+          </a:p>
+          <a:p>
+            <a:pPr lvl="1"/>
+            <a:r>
+              <a:t>Comprehensive training for cloud operations team</a:t>
+            </a:r>
+          </a:p>
+        </p:txBody>
+      </p:sp>
       <p:pic>
         <p:nvPicPr>
-          <p:cNvPr id="5" name="Picture 4" descr="eo-framework-logo-real.png"/>
+          <p:cNvPr id="6" name="Picture 5" descr="eo-framework-logo-real.png"/>
           <p:cNvPicPr>
             <a:picLocks noChangeAspect="1"/>
           </p:cNvPicPr>
@@ -5694,8 +6018,10 @@
           <a:bodyPr/>
           <a:lstStyle/>
           <a:p>
-            <a:r>
-              <a:t>Next Steps</a:t>
+            <a:pPr algn="l"/>
+            <a:r>
+              <a:rPr b="1"/>
+              <a:t>Investment Summary</a:t>
             </a:r>
           </a:p>
         </p:txBody>
@@ -5712,99 +6038,800 @@
         </p:nvPicPr>
         <p:blipFill>
           <a:blip r:embed="rId2"/>
-          <a:srcRect t="6762" b="6762"/>
+          <a:srcRect t="6404" b="6404"/>
           <a:stretch>
             <a:fillRect/>
           </a:stretch>
         </p:blipFill>
         <p:spPr/>
       </p:pic>
-      <p:sp>
-        <p:nvSpPr>
-          <p:cNvPr id="4" name="Text Placeholder 3"/>
-          <p:cNvSpPr>
-            <a:spLocks noGrp="1"/>
-          </p:cNvSpPr>
+      <p:graphicFrame>
+        <p:nvGraphicFramePr>
+          <p:cNvPr id="4" name="Table Placeholder 3"/>
+          <p:cNvGraphicFramePr>
+            <a:graphicFrameLocks noGrp="1"/>
+          </p:cNvGraphicFramePr>
           <p:nvPr>
-            <p:ph type="body" idx="14" sz="quarter"/>
+            <p:ph type="tbl" idx="14" sz="quarter"/>
           </p:nvPr>
-        </p:nvSpPr>
-        <p:spPr/>
-        <p:txBody>
-          <a:bodyPr/>
-          <a:lstStyle/>
-          <a:p>
-            <a:pPr/>
-            <a:r>
-              <a:rPr b="1"/>
-              <a:t>Decision:</a:t>
-            </a:r>
-            <a:r>
-              <a:t> Executive approval for discovery and migration planning by [specific date]</a:t>
-            </a:r>
-          </a:p>
-          <a:p>
-            <a:pPr/>
-            <a:r>
-              <a:rPr b="1"/>
-              <a:t>Kickoff:</a:t>
-            </a:r>
-            <a:r>
-              <a:t> Discovery phase start date [30 days from approval]</a:t>
-            </a:r>
-          </a:p>
-          <a:p>
-            <a:pPr/>
-            <a:r>
-              <a:rPr b="1"/>
-              <a:t>Team Formation:</a:t>
-            </a:r>
-            <a:r>
-              <a:t> Application owners, infrastructure team, migration project manager</a:t>
-            </a:r>
-          </a:p>
-          <a:p>
-            <a:pPr/>
-            <a:r>
-              <a:rPr b="1"/>
-              <a:t>Week 1:</a:t>
-            </a:r>
-            <a:r>
-              <a:t> Contract finalization and AWS account setup</a:t>
-            </a:r>
-          </a:p>
-          <a:p>
-            <a:pPr/>
-            <a:r>
-              <a:rPr b="1"/>
-              <a:t>Week 2:</a:t>
-            </a:r>
-            <a:r>
-              <a:t> Application Discovery Service deployment and data collection</a:t>
-            </a:r>
-          </a:p>
-          <a:p>
-            <a:pPr/>
-            <a:r>
-              <a:rPr b="1"/>
-              <a:t>Week 3:</a:t>
-            </a:r>
-            <a:r>
-              <a:t> Dependency mapping and migration complexity assessment</a:t>
-            </a:r>
-          </a:p>
-          <a:p>
-            <a:pPr/>
-            <a:r>
-              <a:rPr b="1"/>
-              <a:t>Week 4:</a:t>
-            </a:r>
-            <a:r>
-              <a:t> Migration wave planning and AWS landing zone design</a:t>
-            </a:r>
-          </a:p>
-        </p:txBody>
-      </p:sp>
+        </p:nvGraphicFramePr>
+        <p:xfrm>
+          <a:off x="256855" y="677011"/>
+          <a:ext cx="8710929" cy="2225040"/>
+        </p:xfrm>
+        <a:graphic>
+          <a:graphicData uri="http://schemas.openxmlformats.org/drawingml/2006/table">
+            <a:tbl>
+              <a:tblPr firstRow="1" bandRow="1">
+                <a:tableStyleId>{5C22544A-7EE6-4342-B048-85BDC9FD1C3A}</a:tableStyleId>
+              </a:tblPr>
+              <a:tblGrid>
+                <a:gridCol w="1742186"/>
+                <a:gridCol w="1045311"/>
+                <a:gridCol w="2003514"/>
+                <a:gridCol w="1132421"/>
+                <a:gridCol w="871093"/>
+                <a:gridCol w="871093"/>
+                <a:gridCol w="1045311"/>
+              </a:tblGrid>
+              <a:tr h="370840">
+                <a:tc>
+                  <a:txBody>
+                    <a:bodyPr/>
+                    <a:lstStyle/>
+                    <a:p>
+                      <a:r>
+                        <a:rPr sz="1400">
+                          <a:solidFill>
+                            <a:srgbClr val="FFFFFF"/>
+                          </a:solidFill>
+                        </a:rPr>
+                        <a:t>Cost Category</a:t>
+                      </a:r>
+                    </a:p>
+                  </a:txBody>
+                  <a:tcPr>
+                    <a:solidFill>
+                      <a:srgbClr val="A01C02"/>
+                    </a:solidFill>
+                  </a:tcPr>
+                </a:tc>
+                <a:tc>
+                  <a:txBody>
+                    <a:bodyPr/>
+                    <a:lstStyle/>
+                    <a:p>
+                      <a:r>
+                        <a:rPr sz="1400">
+                          <a:solidFill>
+                            <a:srgbClr val="FFFFFF"/>
+                          </a:solidFill>
+                        </a:rPr>
+                        <a:t>Year 1 List</a:t>
+                      </a:r>
+                    </a:p>
+                  </a:txBody>
+                  <a:tcPr>
+                    <a:solidFill>
+                      <a:srgbClr val="A01C02"/>
+                    </a:solidFill>
+                  </a:tcPr>
+                </a:tc>
+                <a:tc>
+                  <a:txBody>
+                    <a:bodyPr/>
+                    <a:lstStyle/>
+                    <a:p>
+                      <a:r>
+                        <a:rPr sz="1400">
+                          <a:solidFill>
+                            <a:srgbClr val="FFFFFF"/>
+                          </a:solidFill>
+                        </a:rPr>
+                        <a:t>AWS/Partner Credits</a:t>
+                      </a:r>
+                    </a:p>
+                  </a:txBody>
+                  <a:tcPr>
+                    <a:solidFill>
+                      <a:srgbClr val="A01C02"/>
+                    </a:solidFill>
+                  </a:tcPr>
+                </a:tc>
+                <a:tc>
+                  <a:txBody>
+                    <a:bodyPr/>
+                    <a:lstStyle/>
+                    <a:p>
+                      <a:r>
+                        <a:rPr sz="1400">
+                          <a:solidFill>
+                            <a:srgbClr val="FFFFFF"/>
+                          </a:solidFill>
+                        </a:rPr>
+                        <a:t>Year 1 Net</a:t>
+                      </a:r>
+                    </a:p>
+                  </a:txBody>
+                  <a:tcPr>
+                    <a:solidFill>
+                      <a:srgbClr val="A01C02"/>
+                    </a:solidFill>
+                  </a:tcPr>
+                </a:tc>
+                <a:tc>
+                  <a:txBody>
+                    <a:bodyPr/>
+                    <a:lstStyle/>
+                    <a:p>
+                      <a:r>
+                        <a:rPr sz="1400">
+                          <a:solidFill>
+                            <a:srgbClr val="FFFFFF"/>
+                          </a:solidFill>
+                        </a:rPr>
+                        <a:t>Year 2</a:t>
+                      </a:r>
+                    </a:p>
+                  </a:txBody>
+                  <a:tcPr>
+                    <a:solidFill>
+                      <a:srgbClr val="A01C02"/>
+                    </a:solidFill>
+                  </a:tcPr>
+                </a:tc>
+                <a:tc>
+                  <a:txBody>
+                    <a:bodyPr/>
+                    <a:lstStyle/>
+                    <a:p>
+                      <a:r>
+                        <a:rPr sz="1400">
+                          <a:solidFill>
+                            <a:srgbClr val="FFFFFF"/>
+                          </a:solidFill>
+                        </a:rPr>
+                        <a:t>Year 3</a:t>
+                      </a:r>
+                    </a:p>
+                  </a:txBody>
+                  <a:tcPr>
+                    <a:solidFill>
+                      <a:srgbClr val="A01C02"/>
+                    </a:solidFill>
+                  </a:tcPr>
+                </a:tc>
+                <a:tc>
+                  <a:txBody>
+                    <a:bodyPr/>
+                    <a:lstStyle/>
+                    <a:p>
+                      <a:r>
+                        <a:rPr sz="1400">
+                          <a:solidFill>
+                            <a:srgbClr val="FFFFFF"/>
+                          </a:solidFill>
+                        </a:rPr>
+                        <a:t>3-Year Total</a:t>
+                      </a:r>
+                    </a:p>
+                  </a:txBody>
+                  <a:tcPr>
+                    <a:solidFill>
+                      <a:srgbClr val="A01C02"/>
+                    </a:solidFill>
+                  </a:tcPr>
+                </a:tc>
+              </a:tr>
+              <a:tr h="370840">
+                <a:tc>
+                  <a:txBody>
+                    <a:bodyPr/>
+                    <a:lstStyle/>
+                    <a:p>
+                      <a:r>
+                        <a:rPr sz="1100"/>
+                        <a:t>Professional Services</a:t>
+                      </a:r>
+                    </a:p>
+                  </a:txBody>
+                  <a:tcPr>
+                    <a:solidFill>
+                      <a:srgbClr val="E7E6E6"/>
+                    </a:solidFill>
+                  </a:tcPr>
+                </a:tc>
+                <a:tc>
+                  <a:txBody>
+                    <a:bodyPr/>
+                    <a:lstStyle/>
+                    <a:p>
+                      <a:r>
+                        <a:rPr sz="1100"/>
+                        <a:t>$125,150</a:t>
+                      </a:r>
+                    </a:p>
+                  </a:txBody>
+                  <a:tcPr>
+                    <a:solidFill>
+                      <a:srgbClr val="E7E6E6"/>
+                    </a:solidFill>
+                  </a:tcPr>
+                </a:tc>
+                <a:tc>
+                  <a:txBody>
+                    <a:bodyPr/>
+                    <a:lstStyle/>
+                    <a:p>
+                      <a:r>
+                        <a:rPr sz="1100"/>
+                        <a:t>($22,000)</a:t>
+                      </a:r>
+                    </a:p>
+                  </a:txBody>
+                  <a:tcPr>
+                    <a:solidFill>
+                      <a:srgbClr val="E7E6E6"/>
+                    </a:solidFill>
+                  </a:tcPr>
+                </a:tc>
+                <a:tc>
+                  <a:txBody>
+                    <a:bodyPr/>
+                    <a:lstStyle/>
+                    <a:p>
+                      <a:r>
+                        <a:rPr sz="1100"/>
+                        <a:t>$103,150</a:t>
+                      </a:r>
+                    </a:p>
+                  </a:txBody>
+                  <a:tcPr>
+                    <a:solidFill>
+                      <a:srgbClr val="E7E6E6"/>
+                    </a:solidFill>
+                  </a:tcPr>
+                </a:tc>
+                <a:tc>
+                  <a:txBody>
+                    <a:bodyPr/>
+                    <a:lstStyle/>
+                    <a:p>
+                      <a:r>
+                        <a:rPr sz="1100"/>
+                        <a:t>$0</a:t>
+                      </a:r>
+                    </a:p>
+                  </a:txBody>
+                  <a:tcPr>
+                    <a:solidFill>
+                      <a:srgbClr val="E7E6E6"/>
+                    </a:solidFill>
+                  </a:tcPr>
+                </a:tc>
+                <a:tc>
+                  <a:txBody>
+                    <a:bodyPr/>
+                    <a:lstStyle/>
+                    <a:p>
+                      <a:r>
+                        <a:rPr sz="1100"/>
+                        <a:t>$0</a:t>
+                      </a:r>
+                    </a:p>
+                  </a:txBody>
+                  <a:tcPr>
+                    <a:solidFill>
+                      <a:srgbClr val="E7E6E6"/>
+                    </a:solidFill>
+                  </a:tcPr>
+                </a:tc>
+                <a:tc>
+                  <a:txBody>
+                    <a:bodyPr/>
+                    <a:lstStyle/>
+                    <a:p>
+                      <a:r>
+                        <a:rPr sz="1100"/>
+                        <a:t>$103,150</a:t>
+                      </a:r>
+                    </a:p>
+                  </a:txBody>
+                  <a:tcPr>
+                    <a:solidFill>
+                      <a:srgbClr val="E7E6E6"/>
+                    </a:solidFill>
+                  </a:tcPr>
+                </a:tc>
+              </a:tr>
+              <a:tr h="370840">
+                <a:tc>
+                  <a:txBody>
+                    <a:bodyPr/>
+                    <a:lstStyle/>
+                    <a:p>
+                      <a:r>
+                        <a:rPr sz="1100"/>
+                        <a:t>Cloud Infrastructure</a:t>
+                      </a:r>
+                    </a:p>
+                  </a:txBody>
+                  <a:tcPr>
+                    <a:solidFill>
+                      <a:srgbClr val="E7E6E6"/>
+                    </a:solidFill>
+                  </a:tcPr>
+                </a:tc>
+                <a:tc>
+                  <a:txBody>
+                    <a:bodyPr/>
+                    <a:lstStyle/>
+                    <a:p>
+                      <a:r>
+                        <a:rPr sz="1100"/>
+                        <a:t>$9,572</a:t>
+                      </a:r>
+                    </a:p>
+                  </a:txBody>
+                  <a:tcPr>
+                    <a:solidFill>
+                      <a:srgbClr val="E7E6E6"/>
+                    </a:solidFill>
+                  </a:tcPr>
+                </a:tc>
+                <a:tc>
+                  <a:txBody>
+                    <a:bodyPr/>
+                    <a:lstStyle/>
+                    <a:p>
+                      <a:r>
+                        <a:rPr sz="1100"/>
+                        <a:t>($8,117)</a:t>
+                      </a:r>
+                    </a:p>
+                  </a:txBody>
+                  <a:tcPr>
+                    <a:solidFill>
+                      <a:srgbClr val="E7E6E6"/>
+                    </a:solidFill>
+                  </a:tcPr>
+                </a:tc>
+                <a:tc>
+                  <a:txBody>
+                    <a:bodyPr/>
+                    <a:lstStyle/>
+                    <a:p>
+                      <a:r>
+                        <a:rPr sz="1100"/>
+                        <a:t>$1,455</a:t>
+                      </a:r>
+                    </a:p>
+                  </a:txBody>
+                  <a:tcPr>
+                    <a:solidFill>
+                      <a:srgbClr val="E7E6E6"/>
+                    </a:solidFill>
+                  </a:tcPr>
+                </a:tc>
+                <a:tc>
+                  <a:txBody>
+                    <a:bodyPr/>
+                    <a:lstStyle/>
+                    <a:p>
+                      <a:r>
+                        <a:rPr sz="1100"/>
+                        <a:t>$9,472</a:t>
+                      </a:r>
+                    </a:p>
+                  </a:txBody>
+                  <a:tcPr>
+                    <a:solidFill>
+                      <a:srgbClr val="E7E6E6"/>
+                    </a:solidFill>
+                  </a:tcPr>
+                </a:tc>
+                <a:tc>
+                  <a:txBody>
+                    <a:bodyPr/>
+                    <a:lstStyle/>
+                    <a:p>
+                      <a:r>
+                        <a:rPr sz="1100"/>
+                        <a:t>$9,472</a:t>
+                      </a:r>
+                    </a:p>
+                  </a:txBody>
+                  <a:tcPr>
+                    <a:solidFill>
+                      <a:srgbClr val="E7E6E6"/>
+                    </a:solidFill>
+                  </a:tcPr>
+                </a:tc>
+                <a:tc>
+                  <a:txBody>
+                    <a:bodyPr/>
+                    <a:lstStyle/>
+                    <a:p>
+                      <a:r>
+                        <a:rPr sz="1100"/>
+                        <a:t>$20,399</a:t>
+                      </a:r>
+                    </a:p>
+                  </a:txBody>
+                  <a:tcPr>
+                    <a:solidFill>
+                      <a:srgbClr val="E7E6E6"/>
+                    </a:solidFill>
+                  </a:tcPr>
+                </a:tc>
+              </a:tr>
+              <a:tr h="370840">
+                <a:tc>
+                  <a:txBody>
+                    <a:bodyPr/>
+                    <a:lstStyle/>
+                    <a:p>
+                      <a:r>
+                        <a:rPr sz="1100"/>
+                        <a:t>Software Licenses &amp; Subscriptions</a:t>
+                      </a:r>
+                    </a:p>
+                  </a:txBody>
+                  <a:tcPr>
+                    <a:solidFill>
+                      <a:srgbClr val="E7E6E6"/>
+                    </a:solidFill>
+                  </a:tcPr>
+                </a:tc>
+                <a:tc>
+                  <a:txBody>
+                    <a:bodyPr/>
+                    <a:lstStyle/>
+                    <a:p>
+                      <a:r>
+                        <a:rPr sz="1100"/>
+                        <a:t>$3,132</a:t>
+                      </a:r>
+                    </a:p>
+                  </a:txBody>
+                  <a:tcPr>
+                    <a:solidFill>
+                      <a:srgbClr val="E7E6E6"/>
+                    </a:solidFill>
+                  </a:tcPr>
+                </a:tc>
+                <a:tc>
+                  <a:txBody>
+                    <a:bodyPr/>
+                    <a:lstStyle/>
+                    <a:p>
+                      <a:r>
+                        <a:rPr sz="1100"/>
+                        <a:t>$0</a:t>
+                      </a:r>
+                    </a:p>
+                  </a:txBody>
+                  <a:tcPr>
+                    <a:solidFill>
+                      <a:srgbClr val="E7E6E6"/>
+                    </a:solidFill>
+                  </a:tcPr>
+                </a:tc>
+                <a:tc>
+                  <a:txBody>
+                    <a:bodyPr/>
+                    <a:lstStyle/>
+                    <a:p>
+                      <a:r>
+                        <a:rPr sz="1100"/>
+                        <a:t>$3,132</a:t>
+                      </a:r>
+                    </a:p>
+                  </a:txBody>
+                  <a:tcPr>
+                    <a:solidFill>
+                      <a:srgbClr val="E7E6E6"/>
+                    </a:solidFill>
+                  </a:tcPr>
+                </a:tc>
+                <a:tc>
+                  <a:txBody>
+                    <a:bodyPr/>
+                    <a:lstStyle/>
+                    <a:p>
+                      <a:r>
+                        <a:rPr sz="1100"/>
+                        <a:t>$3,132</a:t>
+                      </a:r>
+                    </a:p>
+                  </a:txBody>
+                  <a:tcPr>
+                    <a:solidFill>
+                      <a:srgbClr val="E7E6E6"/>
+                    </a:solidFill>
+                  </a:tcPr>
+                </a:tc>
+                <a:tc>
+                  <a:txBody>
+                    <a:bodyPr/>
+                    <a:lstStyle/>
+                    <a:p>
+                      <a:r>
+                        <a:rPr sz="1100"/>
+                        <a:t>$3,132</a:t>
+                      </a:r>
+                    </a:p>
+                  </a:txBody>
+                  <a:tcPr>
+                    <a:solidFill>
+                      <a:srgbClr val="E7E6E6"/>
+                    </a:solidFill>
+                  </a:tcPr>
+                </a:tc>
+                <a:tc>
+                  <a:txBody>
+                    <a:bodyPr/>
+                    <a:lstStyle/>
+                    <a:p>
+                      <a:r>
+                        <a:rPr sz="1100"/>
+                        <a:t>$9,396</a:t>
+                      </a:r>
+                    </a:p>
+                  </a:txBody>
+                  <a:tcPr>
+                    <a:solidFill>
+                      <a:srgbClr val="E7E6E6"/>
+                    </a:solidFill>
+                  </a:tcPr>
+                </a:tc>
+              </a:tr>
+              <a:tr h="370840">
+                <a:tc>
+                  <a:txBody>
+                    <a:bodyPr/>
+                    <a:lstStyle/>
+                    <a:p>
+                      <a:r>
+                        <a:rPr sz="1100"/>
+                        <a:t>Support &amp; Maintenance</a:t>
+                      </a:r>
+                    </a:p>
+                  </a:txBody>
+                  <a:tcPr>
+                    <a:solidFill>
+                      <a:srgbClr val="E7E6E6"/>
+                    </a:solidFill>
+                  </a:tcPr>
+                </a:tc>
+                <a:tc>
+                  <a:txBody>
+                    <a:bodyPr/>
+                    <a:lstStyle/>
+                    <a:p>
+                      <a:r>
+                        <a:rPr sz="1100"/>
+                        <a:t>$1,462</a:t>
+                      </a:r>
+                    </a:p>
+                  </a:txBody>
+                  <a:tcPr>
+                    <a:solidFill>
+                      <a:srgbClr val="E7E6E6"/>
+                    </a:solidFill>
+                  </a:tcPr>
+                </a:tc>
+                <a:tc>
+                  <a:txBody>
+                    <a:bodyPr/>
+                    <a:lstStyle/>
+                    <a:p>
+                      <a:r>
+                        <a:rPr sz="1100"/>
+                        <a:t>$0</a:t>
+                      </a:r>
+                    </a:p>
+                  </a:txBody>
+                  <a:tcPr>
+                    <a:solidFill>
+                      <a:srgbClr val="E7E6E6"/>
+                    </a:solidFill>
+                  </a:tcPr>
+                </a:tc>
+                <a:tc>
+                  <a:txBody>
+                    <a:bodyPr/>
+                    <a:lstStyle/>
+                    <a:p>
+                      <a:r>
+                        <a:rPr sz="1100"/>
+                        <a:t>$1,462</a:t>
+                      </a:r>
+                    </a:p>
+                  </a:txBody>
+                  <a:tcPr>
+                    <a:solidFill>
+                      <a:srgbClr val="E7E6E6"/>
+                    </a:solidFill>
+                  </a:tcPr>
+                </a:tc>
+                <a:tc>
+                  <a:txBody>
+                    <a:bodyPr/>
+                    <a:lstStyle/>
+                    <a:p>
+                      <a:r>
+                        <a:rPr sz="1100"/>
+                        <a:t>$1,462</a:t>
+                      </a:r>
+                    </a:p>
+                  </a:txBody>
+                  <a:tcPr>
+                    <a:solidFill>
+                      <a:srgbClr val="E7E6E6"/>
+                    </a:solidFill>
+                  </a:tcPr>
+                </a:tc>
+                <a:tc>
+                  <a:txBody>
+                    <a:bodyPr/>
+                    <a:lstStyle/>
+                    <a:p>
+                      <a:r>
+                        <a:rPr sz="1100"/>
+                        <a:t>$1,462</a:t>
+                      </a:r>
+                    </a:p>
+                  </a:txBody>
+                  <a:tcPr>
+                    <a:solidFill>
+                      <a:srgbClr val="E7E6E6"/>
+                    </a:solidFill>
+                  </a:tcPr>
+                </a:tc>
+                <a:tc>
+                  <a:txBody>
+                    <a:bodyPr/>
+                    <a:lstStyle/>
+                    <a:p>
+                      <a:r>
+                        <a:rPr sz="1100"/>
+                        <a:t>$4,386</a:t>
+                      </a:r>
+                    </a:p>
+                  </a:txBody>
+                  <a:tcPr>
+                    <a:solidFill>
+                      <a:srgbClr val="E7E6E6"/>
+                    </a:solidFill>
+                  </a:tcPr>
+                </a:tc>
+              </a:tr>
+              <a:tr h="370840">
+                <a:tc>
+                  <a:txBody>
+                    <a:bodyPr/>
+                    <a:lstStyle/>
+                    <a:p>
+                      <a:r>
+                        <a:rPr b="1" sz="1100"/>
+                        <a:t>TOTAL INVESTMENT</a:t>
+                      </a:r>
+                    </a:p>
+                  </a:txBody>
+                  <a:tcPr>
+                    <a:solidFill>
+                      <a:srgbClr val="E7E6E6"/>
+                    </a:solidFill>
+                  </a:tcPr>
+                </a:tc>
+                <a:tc>
+                  <a:txBody>
+                    <a:bodyPr/>
+                    <a:lstStyle/>
+                    <a:p>
+                      <a:r>
+                        <a:rPr b="1" sz="1100"/>
+                        <a:t>$139,316</a:t>
+                      </a:r>
+                    </a:p>
+                  </a:txBody>
+                  <a:tcPr>
+                    <a:solidFill>
+                      <a:srgbClr val="E7E6E6"/>
+                    </a:solidFill>
+                  </a:tcPr>
+                </a:tc>
+                <a:tc>
+                  <a:txBody>
+                    <a:bodyPr/>
+                    <a:lstStyle/>
+                    <a:p>
+                      <a:r>
+                        <a:rPr b="1" sz="1100"/>
+                        <a:t>($30,117)</a:t>
+                      </a:r>
+                    </a:p>
+                  </a:txBody>
+                  <a:tcPr>
+                    <a:solidFill>
+                      <a:srgbClr val="E7E6E6"/>
+                    </a:solidFill>
+                  </a:tcPr>
+                </a:tc>
+                <a:tc>
+                  <a:txBody>
+                    <a:bodyPr/>
+                    <a:lstStyle/>
+                    <a:p>
+                      <a:r>
+                        <a:rPr b="1" sz="1100"/>
+                        <a:t>$109,199</a:t>
+                      </a:r>
+                    </a:p>
+                  </a:txBody>
+                  <a:tcPr>
+                    <a:solidFill>
+                      <a:srgbClr val="E7E6E6"/>
+                    </a:solidFill>
+                  </a:tcPr>
+                </a:tc>
+                <a:tc>
+                  <a:txBody>
+                    <a:bodyPr/>
+                    <a:lstStyle/>
+                    <a:p>
+                      <a:r>
+                        <a:rPr b="1" sz="1100"/>
+                        <a:t>$14,066</a:t>
+                      </a:r>
+                    </a:p>
+                  </a:txBody>
+                  <a:tcPr>
+                    <a:solidFill>
+                      <a:srgbClr val="E7E6E6"/>
+                    </a:solidFill>
+                  </a:tcPr>
+                </a:tc>
+                <a:tc>
+                  <a:txBody>
+                    <a:bodyPr/>
+                    <a:lstStyle/>
+                    <a:p>
+                      <a:r>
+                        <a:rPr b="1" sz="1100"/>
+                        <a:t>$14,066</a:t>
+                      </a:r>
+                    </a:p>
+                  </a:txBody>
+                  <a:tcPr>
+                    <a:solidFill>
+                      <a:srgbClr val="E7E6E6"/>
+                    </a:solidFill>
+                  </a:tcPr>
+                </a:tc>
+                <a:tc>
+                  <a:txBody>
+                    <a:bodyPr/>
+                    <a:lstStyle/>
+                    <a:p>
+                      <a:r>
+                        <a:rPr b="1" sz="1100"/>
+                        <a:t>$137,331</a:t>
+                      </a:r>
+                    </a:p>
+                  </a:txBody>
+                  <a:tcPr>
+                    <a:solidFill>
+                      <a:srgbClr val="E7E6E6"/>
+                    </a:solidFill>
+                  </a:tcPr>
+                </a:tc>
+              </a:tr>
+            </a:tbl>
+          </a:graphicData>
+        </a:graphic>
+      </p:graphicFrame>
       <p:pic>
         <p:nvPicPr>
           <p:cNvPr id="5" name="Picture 4" descr="eo-framework-logo-real.png"/>

--- a/solutions/aws/cloud/onpremise-to-cloud-migration/presales/solution-briefing.pptx
+++ b/solutions/aws/cloud/onpremise-to-cloud-migration/presales/solution-briefing.pptx
@@ -3361,7 +3361,7 @@
           <a:lstStyle/>
           <a:p>
             <a:r>
-              <a:t>[Presenter Name] | November 16, 2025</a:t>
+              <a:t>[Presenter Name] | November 17, 2025</a:t>
             </a:r>
           </a:p>
         </p:txBody>
@@ -3938,7 +3938,7 @@
         </p:nvGraphicFramePr>
         <p:xfrm>
           <a:off x="256855" y="677011"/>
-          <a:ext cx="8710931" cy="6304280"/>
+          <a:ext cx="8710929" cy="3337560"/>
         </p:xfrm>
         <a:graphic>
           <a:graphicData uri="http://schemas.openxmlformats.org/drawingml/2006/table">
@@ -3947,32 +3947,13 @@
                 <a:tableStyleId>{5C22544A-7EE6-4342-B048-85BDC9FD1C3A}</a:tableStyleId>
               </a:tblPr>
               <a:tblGrid>
+                <a:gridCol w="1567967"/>
+                <a:gridCol w="2526170"/>
+                <a:gridCol w="435546"/>
+                <a:gridCol w="1567967"/>
                 <a:gridCol w="2613279"/>
-                <a:gridCol w="3048826"/>
-                <a:gridCol w="3048826"/>
               </a:tblGrid>
               <a:tr h="370840">
-                <a:tc>
-                  <a:txBody>
-                    <a:bodyPr/>
-                    <a:lstStyle/>
-                    <a:p>
-                      <a:r>
-                        <a:rPr sz="1400">
-                          <a:solidFill>
-                            <a:srgbClr val="FFFFFF"/>
-                          </a:solidFill>
-                        </a:rPr>
-                        <a:t>Category</a:t>
-                      </a:r>
-                    </a:p>
-                  </a:txBody>
-                  <a:tcPr>
-                    <a:solidFill>
-                      <a:srgbClr val="A01C02"/>
-                    </a:solidFill>
-                  </a:tcPr>
-                </a:tc>
                 <a:tc>
                   <a:txBody>
                     <a:bodyPr/>
@@ -4015,6 +3996,65 @@
                     </a:solidFill>
                   </a:tcPr>
                 </a:tc>
+                <a:tc>
+                  <a:txBody>
+                    <a:bodyPr/>
+                    <a:lstStyle/>
+                    <a:p/>
+                  </a:txBody>
+                  <a:tcPr>
+                    <a:solidFill>
+                      <a:srgbClr val="FFFFFF"/>
+                    </a:solidFill>
+                    <a:lnL w="12700">
+                      <a:solidFill>
+                        <a:srgbClr val="D0D0D0"/>
+                      </a:solidFill>
+                    </a:lnL>
+                  </a:tcPr>
+                </a:tc>
+                <a:tc>
+                  <a:txBody>
+                    <a:bodyPr/>
+                    <a:lstStyle/>
+                    <a:p>
+                      <a:r>
+                        <a:rPr sz="1400">
+                          <a:solidFill>
+                            <a:srgbClr val="FFFFFF"/>
+                          </a:solidFill>
+                        </a:rPr>
+                        <a:t>Parameter</a:t>
+                      </a:r>
+                    </a:p>
+                  </a:txBody>
+                  <a:tcPr>
+                    <a:solidFill>
+                      <a:srgbClr val="A01C02"/>
+                    </a:solidFill>
+                  </a:tcPr>
+                </a:tc>
+                <a:tc>
+                  <a:txBody>
+                    <a:bodyPr/>
+                    <a:lstStyle/>
+                    <a:p>
+                      <a:r>
+                        <a:rPr sz="1400">
+                          <a:solidFill>
+                            <a:srgbClr val="FFFFFF"/>
+                          </a:solidFill>
+                        </a:rPr>
+                        <a:t>Scope</a:t>
+                      </a:r>
+                    </a:p>
+                  </a:txBody>
+                  <a:tcPr>
+                    <a:solidFill>
+                      <a:srgbClr val="A01C02"/>
+                    </a:solidFill>
+                  </a:tcPr>
+                </a:tc>
               </a:tr>
               <a:tr h="370840">
                 <a:tc>
@@ -4023,24 +4063,7 @@
                     <a:lstStyle/>
                     <a:p>
                       <a:r>
-                        <a:rPr sz="1100"/>
-                        <a:t>Solution Scope</a:t>
-                      </a:r>
-                    </a:p>
-                  </a:txBody>
-                  <a:tcPr>
-                    <a:solidFill>
-                      <a:srgbClr val="E7E6E6"/>
-                    </a:solidFill>
-                  </a:tcPr>
-                </a:tc>
-                <a:tc>
-                  <a:txBody>
-                    <a:bodyPr/>
-                    <a:lstStyle/>
-                    <a:p>
-                      <a:r>
-                        <a:rPr sz="1100"/>
+                        <a:rPr b="1" sz="1100"/>
                         <a:t>Workloads to Migrate</a:t>
                       </a:r>
                     </a:p>
@@ -4068,8 +4091,40 @@
                     </a:solidFill>
                   </a:tcPr>
                 </a:tc>
-              </a:tr>
-              <a:tr h="370840">
+                <a:tc>
+                  <a:txBody>
+                    <a:bodyPr/>
+                    <a:lstStyle/>
+                    <a:p/>
+                  </a:txBody>
+                  <a:tcPr>
+                    <a:solidFill>
+                      <a:srgbClr val="FFFFFF"/>
+                    </a:solidFill>
+                    <a:lnL w="12700">
+                      <a:solidFill>
+                        <a:srgbClr val="D0D0D0"/>
+                      </a:solidFill>
+                    </a:lnL>
+                  </a:tcPr>
+                </a:tc>
+                <a:tc>
+                  <a:txBody>
+                    <a:bodyPr/>
+                    <a:lstStyle/>
+                    <a:p>
+                      <a:r>
+                        <a:rPr b="1" sz="1100"/>
+                        <a:t>Target AWS Region</a:t>
+                      </a:r>
+                    </a:p>
+                  </a:txBody>
+                  <a:tcPr>
+                    <a:solidFill>
+                      <a:srgbClr val="E7E6E6"/>
+                    </a:solidFill>
+                  </a:tcPr>
+                </a:tc>
                 <a:tc>
                   <a:txBody>
                     <a:bodyPr/>
@@ -4077,7 +4132,7 @@
                     <a:p>
                       <a:r>
                         <a:rPr sz="1100"/>
-                        <a:t>Solution Scope</a:t>
+                        <a:t>us-east-1</a:t>
                       </a:r>
                     </a:p>
                   </a:txBody>
@@ -4087,13 +4142,15 @@
                     </a:solidFill>
                   </a:tcPr>
                 </a:tc>
+              </a:tr>
+              <a:tr h="370840">
                 <a:tc>
                   <a:txBody>
                     <a:bodyPr/>
                     <a:lstStyle/>
                     <a:p>
                       <a:r>
-                        <a:rPr sz="1100"/>
+                        <a:rPr b="1" sz="1100"/>
                         <a:t>Migration Strategy</a:t>
                       </a:r>
                     </a:p>
@@ -4121,8 +4178,40 @@
                     </a:solidFill>
                   </a:tcPr>
                 </a:tc>
-              </a:tr>
-              <a:tr h="370840">
+                <a:tc>
+                  <a:txBody>
+                    <a:bodyPr/>
+                    <a:lstStyle/>
+                    <a:p/>
+                  </a:txBody>
+                  <a:tcPr>
+                    <a:solidFill>
+                      <a:srgbClr val="FFFFFF"/>
+                    </a:solidFill>
+                    <a:lnL w="12700">
+                      <a:solidFill>
+                        <a:srgbClr val="D0D0D0"/>
+                      </a:solidFill>
+                    </a:lnL>
+                  </a:tcPr>
+                </a:tc>
+                <a:tc>
+                  <a:txBody>
+                    <a:bodyPr/>
+                    <a:lstStyle/>
+                    <a:p>
+                      <a:r>
+                        <a:rPr b="1" sz="1100"/>
+                        <a:t>Availability Requirements</a:t>
+                      </a:r>
+                    </a:p>
+                  </a:txBody>
+                  <a:tcPr>
+                    <a:solidFill>
+                      <a:srgbClr val="E7E6E6"/>
+                    </a:solidFill>
+                  </a:tcPr>
+                </a:tc>
                 <a:tc>
                   <a:txBody>
                     <a:bodyPr/>
@@ -4130,7 +4219,7 @@
                     <a:p>
                       <a:r>
                         <a:rPr sz="1100"/>
-                        <a:t>Integration</a:t>
+                        <a:t>Standard (99.5%)</a:t>
                       </a:r>
                     </a:p>
                   </a:txBody>
@@ -4140,13 +4229,15 @@
                     </a:solidFill>
                   </a:tcPr>
                 </a:tc>
+              </a:tr>
+              <a:tr h="370840">
                 <a:tc>
                   <a:txBody>
                     <a:bodyPr/>
                     <a:lstStyle/>
                     <a:p>
                       <a:r>
-                        <a:rPr sz="1100"/>
+                        <a:rPr b="1" sz="1100"/>
                         <a:t>Source Environment</a:t>
                       </a:r>
                     </a:p>
@@ -4174,8 +4265,40 @@
                     </a:solidFill>
                   </a:tcPr>
                 </a:tc>
-              </a:tr>
-              <a:tr h="370840">
+                <a:tc>
+                  <a:txBody>
+                    <a:bodyPr/>
+                    <a:lstStyle/>
+                    <a:p/>
+                  </a:txBody>
+                  <a:tcPr>
+                    <a:solidFill>
+                      <a:srgbClr val="FFFFFF"/>
+                    </a:solidFill>
+                    <a:lnL w="12700">
+                      <a:solidFill>
+                        <a:srgbClr val="D0D0D0"/>
+                      </a:solidFill>
+                    </a:lnL>
+                  </a:tcPr>
+                </a:tc>
+                <a:tc>
+                  <a:txBody>
+                    <a:bodyPr/>
+                    <a:lstStyle/>
+                    <a:p>
+                      <a:r>
+                        <a:rPr b="1" sz="1100"/>
+                        <a:t>Infrastructure Complexity</a:t>
+                      </a:r>
+                    </a:p>
+                  </a:txBody>
+                  <a:tcPr>
+                    <a:solidFill>
+                      <a:srgbClr val="E7E6E6"/>
+                    </a:solidFill>
+                  </a:tcPr>
+                </a:tc>
                 <a:tc>
                   <a:txBody>
                     <a:bodyPr/>
@@ -4183,7 +4306,7 @@
                     <a:p>
                       <a:r>
                         <a:rPr sz="1100"/>
-                        <a:t>Integration</a:t>
+                        <a:t>EC2 RDS S3 standard</a:t>
                       </a:r>
                     </a:p>
                   </a:txBody>
@@ -4193,13 +4316,15 @@
                     </a:solidFill>
                   </a:tcPr>
                 </a:tc>
+              </a:tr>
+              <a:tr h="370840">
                 <a:tc>
                   <a:txBody>
                     <a:bodyPr/>
                     <a:lstStyle/>
                     <a:p>
                       <a:r>
-                        <a:rPr sz="1100"/>
+                        <a:rPr b="1" sz="1100"/>
                         <a:t>Hybrid Connectivity</a:t>
                       </a:r>
                     </a:p>
@@ -4227,8 +4352,40 @@
                     </a:solidFill>
                   </a:tcPr>
                 </a:tc>
-              </a:tr>
-              <a:tr h="370840">
+                <a:tc>
+                  <a:txBody>
+                    <a:bodyPr/>
+                    <a:lstStyle/>
+                    <a:p/>
+                  </a:txBody>
+                  <a:tcPr>
+                    <a:solidFill>
+                      <a:srgbClr val="FFFFFF"/>
+                    </a:solidFill>
+                    <a:lnL w="12700">
+                      <a:solidFill>
+                        <a:srgbClr val="D0D0D0"/>
+                      </a:solidFill>
+                    </a:lnL>
+                  </a:tcPr>
+                </a:tc>
+                <a:tc>
+                  <a:txBody>
+                    <a:bodyPr/>
+                    <a:lstStyle/>
+                    <a:p>
+                      <a:r>
+                        <a:rPr b="1" sz="1100"/>
+                        <a:t>Security Requirements</a:t>
+                      </a:r>
+                    </a:p>
+                  </a:txBody>
+                  <a:tcPr>
+                    <a:solidFill>
+                      <a:srgbClr val="E7E6E6"/>
+                    </a:solidFill>
+                  </a:tcPr>
+                </a:tc>
                 <a:tc>
                   <a:txBody>
                     <a:bodyPr/>
@@ -4236,7 +4393,7 @@
                     <a:p>
                       <a:r>
                         <a:rPr sz="1100"/>
-                        <a:t>User Base</a:t>
+                        <a:t>VPC Security Groups IAM</a:t>
                       </a:r>
                     </a:p>
                   </a:txBody>
@@ -4246,13 +4403,15 @@
                     </a:solidFill>
                   </a:tcPr>
                 </a:tc>
+              </a:tr>
+              <a:tr h="370840">
                 <a:tc>
                   <a:txBody>
                     <a:bodyPr/>
                     <a:lstStyle/>
                     <a:p>
                       <a:r>
-                        <a:rPr sz="1100"/>
+                        <a:rPr b="1" sz="1100"/>
                         <a:t>Total Users</a:t>
                       </a:r>
                     </a:p>
@@ -4280,8 +4439,40 @@
                     </a:solidFill>
                   </a:tcPr>
                 </a:tc>
-              </a:tr>
-              <a:tr h="370840">
+                <a:tc>
+                  <a:txBody>
+                    <a:bodyPr/>
+                    <a:lstStyle/>
+                    <a:p/>
+                  </a:txBody>
+                  <a:tcPr>
+                    <a:solidFill>
+                      <a:srgbClr val="FFFFFF"/>
+                    </a:solidFill>
+                    <a:lnL w="12700">
+                      <a:solidFill>
+                        <a:srgbClr val="D0D0D0"/>
+                      </a:solidFill>
+                    </a:lnL>
+                  </a:tcPr>
+                </a:tc>
+                <a:tc>
+                  <a:txBody>
+                    <a:bodyPr/>
+                    <a:lstStyle/>
+                    <a:p>
+                      <a:r>
+                        <a:rPr b="1" sz="1100"/>
+                        <a:t>Compliance Frameworks</a:t>
+                      </a:r>
+                    </a:p>
+                  </a:txBody>
+                  <a:tcPr>
+                    <a:solidFill>
+                      <a:srgbClr val="E7E6E6"/>
+                    </a:solidFill>
+                  </a:tcPr>
+                </a:tc>
                 <a:tc>
                   <a:txBody>
                     <a:bodyPr/>
@@ -4289,7 +4480,7 @@
                     <a:p>
                       <a:r>
                         <a:rPr sz="1100"/>
-                        <a:t>User Base</a:t>
+                        <a:t>SOC2</a:t>
                       </a:r>
                     </a:p>
                   </a:txBody>
@@ -4299,13 +4490,15 @@
                     </a:solidFill>
                   </a:tcPr>
                 </a:tc>
+              </a:tr>
+              <a:tr h="370840">
                 <a:tc>
                   <a:txBody>
                     <a:bodyPr/>
                     <a:lstStyle/>
                     <a:p>
                       <a:r>
-                        <a:rPr sz="1100"/>
+                        <a:rPr b="1" sz="1100"/>
                         <a:t>User Roles</a:t>
                       </a:r>
                     </a:p>
@@ -4333,8 +4526,40 @@
                     </a:solidFill>
                   </a:tcPr>
                 </a:tc>
-              </a:tr>
-              <a:tr h="370840">
+                <a:tc>
+                  <a:txBody>
+                    <a:bodyPr/>
+                    <a:lstStyle/>
+                    <a:p/>
+                  </a:txBody>
+                  <a:tcPr>
+                    <a:solidFill>
+                      <a:srgbClr val="FFFFFF"/>
+                    </a:solidFill>
+                    <a:lnL w="12700">
+                      <a:solidFill>
+                        <a:srgbClr val="D0D0D0"/>
+                      </a:solidFill>
+                    </a:lnL>
+                  </a:tcPr>
+                </a:tc>
+                <a:tc>
+                  <a:txBody>
+                    <a:bodyPr/>
+                    <a:lstStyle/>
+                    <a:p>
+                      <a:r>
+                        <a:rPr b="1" sz="1100"/>
+                        <a:t>Migration Window</a:t>
+                      </a:r>
+                    </a:p>
+                  </a:txBody>
+                  <a:tcPr>
+                    <a:solidFill>
+                      <a:srgbClr val="E7E6E6"/>
+                    </a:solidFill>
+                  </a:tcPr>
+                </a:tc>
                 <a:tc>
                   <a:txBody>
                     <a:bodyPr/>
@@ -4342,7 +4567,7 @@
                     <a:p>
                       <a:r>
                         <a:rPr sz="1100"/>
-                        <a:t>Data Volume</a:t>
+                        <a:t>Weekend maintenance windows</a:t>
                       </a:r>
                     </a:p>
                   </a:txBody>
@@ -4352,13 +4577,15 @@
                     </a:solidFill>
                   </a:tcPr>
                 </a:tc>
+              </a:tr>
+              <a:tr h="370840">
                 <a:tc>
                   <a:txBody>
                     <a:bodyPr/>
                     <a:lstStyle/>
                     <a:p>
                       <a:r>
-                        <a:rPr sz="1100"/>
+                        <a:rPr b="1" sz="1100"/>
                         <a:t>Total Data to Migrate</a:t>
                       </a:r>
                     </a:p>
@@ -4386,8 +4613,40 @@
                     </a:solidFill>
                   </a:tcPr>
                 </a:tc>
-              </a:tr>
-              <a:tr h="370840">
+                <a:tc>
+                  <a:txBody>
+                    <a:bodyPr/>
+                    <a:lstStyle/>
+                    <a:p/>
+                  </a:txBody>
+                  <a:tcPr>
+                    <a:solidFill>
+                      <a:srgbClr val="FFFFFF"/>
+                    </a:solidFill>
+                    <a:lnL w="12700">
+                      <a:solidFill>
+                        <a:srgbClr val="D0D0D0"/>
+                      </a:solidFill>
+                    </a:lnL>
+                  </a:tcPr>
+                </a:tc>
+                <a:tc>
+                  <a:txBody>
+                    <a:bodyPr/>
+                    <a:lstStyle/>
+                    <a:p>
+                      <a:r>
+                        <a:rPr b="1" sz="1100"/>
+                        <a:t>Performance Requirements</a:t>
+                      </a:r>
+                    </a:p>
+                  </a:txBody>
+                  <a:tcPr>
+                    <a:solidFill>
+                      <a:srgbClr val="E7E6E6"/>
+                    </a:solidFill>
+                  </a:tcPr>
+                </a:tc>
                 <a:tc>
                   <a:txBody>
                     <a:bodyPr/>
@@ -4395,7 +4654,7 @@
                     <a:p>
                       <a:r>
                         <a:rPr sz="1100"/>
-                        <a:t>Data Volume</a:t>
+                        <a:t>Match on-premises baseline</a:t>
                       </a:r>
                     </a:p>
                   </a:txBody>
@@ -4405,13 +4664,15 @@
                     </a:solidFill>
                   </a:tcPr>
                 </a:tc>
+              </a:tr>
+              <a:tr h="370840">
                 <a:tc>
                   <a:txBody>
                     <a:bodyPr/>
                     <a:lstStyle/>
                     <a:p>
                       <a:r>
-                        <a:rPr sz="1100"/>
+                        <a:rPr b="1" sz="1100"/>
                         <a:t>Database Migration</a:t>
                       </a:r>
                     </a:p>
@@ -4439,403 +4700,30 @@
                     </a:solidFill>
                   </a:tcPr>
                 </a:tc>
-              </a:tr>
-              <a:tr h="370840">
+                <a:tc>
+                  <a:txBody>
+                    <a:bodyPr/>
+                    <a:lstStyle/>
+                    <a:p/>
+                  </a:txBody>
+                  <a:tcPr>
+                    <a:solidFill>
+                      <a:srgbClr val="FFFFFF"/>
+                    </a:solidFill>
+                    <a:lnL w="12700">
+                      <a:solidFill>
+                        <a:srgbClr val="D0D0D0"/>
+                      </a:solidFill>
+                    </a:lnL>
+                  </a:tcPr>
+                </a:tc>
                 <a:tc>
                   <a:txBody>
                     <a:bodyPr/>
                     <a:lstStyle/>
                     <a:p>
                       <a:r>
-                        <a:rPr sz="1100"/>
-                        <a:t>Technical Environment</a:t>
-                      </a:r>
-                    </a:p>
-                  </a:txBody>
-                  <a:tcPr>
-                    <a:solidFill>
-                      <a:srgbClr val="E7E6E6"/>
-                    </a:solidFill>
-                  </a:tcPr>
-                </a:tc>
-                <a:tc>
-                  <a:txBody>
-                    <a:bodyPr/>
-                    <a:lstStyle/>
-                    <a:p>
-                      <a:r>
-                        <a:rPr sz="1100"/>
-                        <a:t>Target AWS Region</a:t>
-                      </a:r>
-                    </a:p>
-                  </a:txBody>
-                  <a:tcPr>
-                    <a:solidFill>
-                      <a:srgbClr val="E7E6E6"/>
-                    </a:solidFill>
-                  </a:tcPr>
-                </a:tc>
-                <a:tc>
-                  <a:txBody>
-                    <a:bodyPr/>
-                    <a:lstStyle/>
-                    <a:p>
-                      <a:r>
-                        <a:rPr sz="1100"/>
-                        <a:t>us-east-1</a:t>
-                      </a:r>
-                    </a:p>
-                  </a:txBody>
-                  <a:tcPr>
-                    <a:solidFill>
-                      <a:srgbClr val="E7E6E6"/>
-                    </a:solidFill>
-                  </a:tcPr>
-                </a:tc>
-              </a:tr>
-              <a:tr h="370840">
-                <a:tc>
-                  <a:txBody>
-                    <a:bodyPr/>
-                    <a:lstStyle/>
-                    <a:p>
-                      <a:r>
-                        <a:rPr sz="1100"/>
-                        <a:t>Technical Environment</a:t>
-                      </a:r>
-                    </a:p>
-                  </a:txBody>
-                  <a:tcPr>
-                    <a:solidFill>
-                      <a:srgbClr val="E7E6E6"/>
-                    </a:solidFill>
-                  </a:tcPr>
-                </a:tc>
-                <a:tc>
-                  <a:txBody>
-                    <a:bodyPr/>
-                    <a:lstStyle/>
-                    <a:p>
-                      <a:r>
-                        <a:rPr sz="1100"/>
-                        <a:t>Availability Requirements</a:t>
-                      </a:r>
-                    </a:p>
-                  </a:txBody>
-                  <a:tcPr>
-                    <a:solidFill>
-                      <a:srgbClr val="E7E6E6"/>
-                    </a:solidFill>
-                  </a:tcPr>
-                </a:tc>
-                <a:tc>
-                  <a:txBody>
-                    <a:bodyPr/>
-                    <a:lstStyle/>
-                    <a:p>
-                      <a:r>
-                        <a:rPr sz="1100"/>
-                        <a:t>Standard (99.5%)</a:t>
-                      </a:r>
-                    </a:p>
-                  </a:txBody>
-                  <a:tcPr>
-                    <a:solidFill>
-                      <a:srgbClr val="E7E6E6"/>
-                    </a:solidFill>
-                  </a:tcPr>
-                </a:tc>
-              </a:tr>
-              <a:tr h="370840">
-                <a:tc>
-                  <a:txBody>
-                    <a:bodyPr/>
-                    <a:lstStyle/>
-                    <a:p>
-                      <a:r>
-                        <a:rPr sz="1100"/>
-                        <a:t>Technical Environment</a:t>
-                      </a:r>
-                    </a:p>
-                  </a:txBody>
-                  <a:tcPr>
-                    <a:solidFill>
-                      <a:srgbClr val="E7E6E6"/>
-                    </a:solidFill>
-                  </a:tcPr>
-                </a:tc>
-                <a:tc>
-                  <a:txBody>
-                    <a:bodyPr/>
-                    <a:lstStyle/>
-                    <a:p>
-                      <a:r>
-                        <a:rPr sz="1100"/>
-                        <a:t>Infrastructure Complexity</a:t>
-                      </a:r>
-                    </a:p>
-                  </a:txBody>
-                  <a:tcPr>
-                    <a:solidFill>
-                      <a:srgbClr val="E7E6E6"/>
-                    </a:solidFill>
-                  </a:tcPr>
-                </a:tc>
-                <a:tc>
-                  <a:txBody>
-                    <a:bodyPr/>
-                    <a:lstStyle/>
-                    <a:p>
-                      <a:r>
-                        <a:rPr sz="1100"/>
-                        <a:t>EC2 RDS S3 standard</a:t>
-                      </a:r>
-                    </a:p>
-                  </a:txBody>
-                  <a:tcPr>
-                    <a:solidFill>
-                      <a:srgbClr val="E7E6E6"/>
-                    </a:solidFill>
-                  </a:tcPr>
-                </a:tc>
-              </a:tr>
-              <a:tr h="370840">
-                <a:tc>
-                  <a:txBody>
-                    <a:bodyPr/>
-                    <a:lstStyle/>
-                    <a:p>
-                      <a:r>
-                        <a:rPr sz="1100"/>
-                        <a:t>Security &amp; Compliance</a:t>
-                      </a:r>
-                    </a:p>
-                  </a:txBody>
-                  <a:tcPr>
-                    <a:solidFill>
-                      <a:srgbClr val="E7E6E6"/>
-                    </a:solidFill>
-                  </a:tcPr>
-                </a:tc>
-                <a:tc>
-                  <a:txBody>
-                    <a:bodyPr/>
-                    <a:lstStyle/>
-                    <a:p>
-                      <a:r>
-                        <a:rPr sz="1100"/>
-                        <a:t>Security Requirements</a:t>
-                      </a:r>
-                    </a:p>
-                  </a:txBody>
-                  <a:tcPr>
-                    <a:solidFill>
-                      <a:srgbClr val="E7E6E6"/>
-                    </a:solidFill>
-                  </a:tcPr>
-                </a:tc>
-                <a:tc>
-                  <a:txBody>
-                    <a:bodyPr/>
-                    <a:lstStyle/>
-                    <a:p>
-                      <a:r>
-                        <a:rPr sz="1100"/>
-                        <a:t>VPC Security Groups IAM</a:t>
-                      </a:r>
-                    </a:p>
-                  </a:txBody>
-                  <a:tcPr>
-                    <a:solidFill>
-                      <a:srgbClr val="E7E6E6"/>
-                    </a:solidFill>
-                  </a:tcPr>
-                </a:tc>
-              </a:tr>
-              <a:tr h="370840">
-                <a:tc>
-                  <a:txBody>
-                    <a:bodyPr/>
-                    <a:lstStyle/>
-                    <a:p>
-                      <a:r>
-                        <a:rPr sz="1100"/>
-                        <a:t>Security &amp; Compliance</a:t>
-                      </a:r>
-                    </a:p>
-                  </a:txBody>
-                  <a:tcPr>
-                    <a:solidFill>
-                      <a:srgbClr val="E7E6E6"/>
-                    </a:solidFill>
-                  </a:tcPr>
-                </a:tc>
-                <a:tc>
-                  <a:txBody>
-                    <a:bodyPr/>
-                    <a:lstStyle/>
-                    <a:p>
-                      <a:r>
-                        <a:rPr sz="1100"/>
-                        <a:t>Compliance Frameworks</a:t>
-                      </a:r>
-                    </a:p>
-                  </a:txBody>
-                  <a:tcPr>
-                    <a:solidFill>
-                      <a:srgbClr val="E7E6E6"/>
-                    </a:solidFill>
-                  </a:tcPr>
-                </a:tc>
-                <a:tc>
-                  <a:txBody>
-                    <a:bodyPr/>
-                    <a:lstStyle/>
-                    <a:p>
-                      <a:r>
-                        <a:rPr sz="1100"/>
-                        <a:t>SOC2</a:t>
-                      </a:r>
-                    </a:p>
-                  </a:txBody>
-                  <a:tcPr>
-                    <a:solidFill>
-                      <a:srgbClr val="E7E6E6"/>
-                    </a:solidFill>
-                  </a:tcPr>
-                </a:tc>
-              </a:tr>
-              <a:tr h="370840">
-                <a:tc>
-                  <a:txBody>
-                    <a:bodyPr/>
-                    <a:lstStyle/>
-                    <a:p>
-                      <a:r>
-                        <a:rPr sz="1100"/>
-                        <a:t>Performance</a:t>
-                      </a:r>
-                    </a:p>
-                  </a:txBody>
-                  <a:tcPr>
-                    <a:solidFill>
-                      <a:srgbClr val="E7E6E6"/>
-                    </a:solidFill>
-                  </a:tcPr>
-                </a:tc>
-                <a:tc>
-                  <a:txBody>
-                    <a:bodyPr/>
-                    <a:lstStyle/>
-                    <a:p>
-                      <a:r>
-                        <a:rPr sz="1100"/>
-                        <a:t>Migration Window</a:t>
-                      </a:r>
-                    </a:p>
-                  </a:txBody>
-                  <a:tcPr>
-                    <a:solidFill>
-                      <a:srgbClr val="E7E6E6"/>
-                    </a:solidFill>
-                  </a:tcPr>
-                </a:tc>
-                <a:tc>
-                  <a:txBody>
-                    <a:bodyPr/>
-                    <a:lstStyle/>
-                    <a:p>
-                      <a:r>
-                        <a:rPr sz="1100"/>
-                        <a:t>Weekend maintenance windows</a:t>
-                      </a:r>
-                    </a:p>
-                  </a:txBody>
-                  <a:tcPr>
-                    <a:solidFill>
-                      <a:srgbClr val="E7E6E6"/>
-                    </a:solidFill>
-                  </a:tcPr>
-                </a:tc>
-              </a:tr>
-              <a:tr h="370840">
-                <a:tc>
-                  <a:txBody>
-                    <a:bodyPr/>
-                    <a:lstStyle/>
-                    <a:p>
-                      <a:r>
-                        <a:rPr sz="1100"/>
-                        <a:t>Performance</a:t>
-                      </a:r>
-                    </a:p>
-                  </a:txBody>
-                  <a:tcPr>
-                    <a:solidFill>
-                      <a:srgbClr val="E7E6E6"/>
-                    </a:solidFill>
-                  </a:tcPr>
-                </a:tc>
-                <a:tc>
-                  <a:txBody>
-                    <a:bodyPr/>
-                    <a:lstStyle/>
-                    <a:p>
-                      <a:r>
-                        <a:rPr sz="1100"/>
-                        <a:t>Performance Requirements</a:t>
-                      </a:r>
-                    </a:p>
-                  </a:txBody>
-                  <a:tcPr>
-                    <a:solidFill>
-                      <a:srgbClr val="E7E6E6"/>
-                    </a:solidFill>
-                  </a:tcPr>
-                </a:tc>
-                <a:tc>
-                  <a:txBody>
-                    <a:bodyPr/>
-                    <a:lstStyle/>
-                    <a:p>
-                      <a:r>
-                        <a:rPr sz="1100"/>
-                        <a:t>Match on-premises baseline</a:t>
-                      </a:r>
-                    </a:p>
-                  </a:txBody>
-                  <a:tcPr>
-                    <a:solidFill>
-                      <a:srgbClr val="E7E6E6"/>
-                    </a:solidFill>
-                  </a:tcPr>
-                </a:tc>
-              </a:tr>
-              <a:tr h="370840">
-                <a:tc>
-                  <a:txBody>
-                    <a:bodyPr/>
-                    <a:lstStyle/>
-                    <a:p>
-                      <a:r>
-                        <a:rPr sz="1100"/>
-                        <a:t>Environment</a:t>
-                      </a:r>
-                    </a:p>
-                  </a:txBody>
-                  <a:tcPr>
-                    <a:solidFill>
-                      <a:srgbClr val="E7E6E6"/>
-                    </a:solidFill>
-                  </a:tcPr>
-                </a:tc>
-                <a:tc>
-                  <a:txBody>
-                    <a:bodyPr/>
-                    <a:lstStyle/>
-                    <a:p>
-                      <a:r>
-                        <a:rPr sz="1100"/>
+                        <a:rPr b="1" sz="1100"/>
                         <a:t>Deployment Environments</a:t>
                       </a:r>
                     </a:p>
@@ -6057,7 +5945,7 @@
         </p:nvGraphicFramePr>
         <p:xfrm>
           <a:off x="256855" y="677011"/>
-          <a:ext cx="8710929" cy="2225040"/>
+          <a:ext cx="8710929" cy="741680"/>
         </p:xfrm>
         <a:graphic>
           <a:graphicData uri="http://schemas.openxmlformats.org/drawingml/2006/table">
@@ -6066,13 +5954,13 @@
                 <a:tableStyleId>{5C22544A-7EE6-4342-B048-85BDC9FD1C3A}</a:tableStyleId>
               </a:tblPr>
               <a:tblGrid>
-                <a:gridCol w="1742186"/>
-                <a:gridCol w="1045311"/>
-                <a:gridCol w="2003514"/>
-                <a:gridCol w="1132421"/>
+                <a:gridCol w="2177733"/>
+                <a:gridCol w="1306639"/>
+                <a:gridCol w="1306639"/>
+                <a:gridCol w="1306639"/>
                 <a:gridCol w="871093"/>
                 <a:gridCol w="871093"/>
-                <a:gridCol w="1045311"/>
+                <a:gridCol w="871093"/>
               </a:tblGrid>
               <a:tr h="370840">
                 <a:tc>
@@ -6128,7 +6016,7 @@
                             <a:srgbClr val="FFFFFF"/>
                           </a:solidFill>
                         </a:rPr>
-                        <a:t>AWS/Partner Credits</a:t>
+                        <a:t>Provider/Partner Credits</a:t>
                       </a:r>
                     </a:p>
                   </a:txBody>
@@ -6230,490 +6118,6 @@
                     <a:lstStyle/>
                     <a:p>
                       <a:r>
-                        <a:rPr sz="1100"/>
-                        <a:t>Professional Services</a:t>
-                      </a:r>
-                    </a:p>
-                  </a:txBody>
-                  <a:tcPr>
-                    <a:solidFill>
-                      <a:srgbClr val="E7E6E6"/>
-                    </a:solidFill>
-                  </a:tcPr>
-                </a:tc>
-                <a:tc>
-                  <a:txBody>
-                    <a:bodyPr/>
-                    <a:lstStyle/>
-                    <a:p>
-                      <a:r>
-                        <a:rPr sz="1100"/>
-                        <a:t>$125,150</a:t>
-                      </a:r>
-                    </a:p>
-                  </a:txBody>
-                  <a:tcPr>
-                    <a:solidFill>
-                      <a:srgbClr val="E7E6E6"/>
-                    </a:solidFill>
-                  </a:tcPr>
-                </a:tc>
-                <a:tc>
-                  <a:txBody>
-                    <a:bodyPr/>
-                    <a:lstStyle/>
-                    <a:p>
-                      <a:r>
-                        <a:rPr sz="1100"/>
-                        <a:t>($22,000)</a:t>
-                      </a:r>
-                    </a:p>
-                  </a:txBody>
-                  <a:tcPr>
-                    <a:solidFill>
-                      <a:srgbClr val="E7E6E6"/>
-                    </a:solidFill>
-                  </a:tcPr>
-                </a:tc>
-                <a:tc>
-                  <a:txBody>
-                    <a:bodyPr/>
-                    <a:lstStyle/>
-                    <a:p>
-                      <a:r>
-                        <a:rPr sz="1100"/>
-                        <a:t>$103,150</a:t>
-                      </a:r>
-                    </a:p>
-                  </a:txBody>
-                  <a:tcPr>
-                    <a:solidFill>
-                      <a:srgbClr val="E7E6E6"/>
-                    </a:solidFill>
-                  </a:tcPr>
-                </a:tc>
-                <a:tc>
-                  <a:txBody>
-                    <a:bodyPr/>
-                    <a:lstStyle/>
-                    <a:p>
-                      <a:r>
-                        <a:rPr sz="1100"/>
-                        <a:t>$0</a:t>
-                      </a:r>
-                    </a:p>
-                  </a:txBody>
-                  <a:tcPr>
-                    <a:solidFill>
-                      <a:srgbClr val="E7E6E6"/>
-                    </a:solidFill>
-                  </a:tcPr>
-                </a:tc>
-                <a:tc>
-                  <a:txBody>
-                    <a:bodyPr/>
-                    <a:lstStyle/>
-                    <a:p>
-                      <a:r>
-                        <a:rPr sz="1100"/>
-                        <a:t>$0</a:t>
-                      </a:r>
-                    </a:p>
-                  </a:txBody>
-                  <a:tcPr>
-                    <a:solidFill>
-                      <a:srgbClr val="E7E6E6"/>
-                    </a:solidFill>
-                  </a:tcPr>
-                </a:tc>
-                <a:tc>
-                  <a:txBody>
-                    <a:bodyPr/>
-                    <a:lstStyle/>
-                    <a:p>
-                      <a:r>
-                        <a:rPr sz="1100"/>
-                        <a:t>$103,150</a:t>
-                      </a:r>
-                    </a:p>
-                  </a:txBody>
-                  <a:tcPr>
-                    <a:solidFill>
-                      <a:srgbClr val="E7E6E6"/>
-                    </a:solidFill>
-                  </a:tcPr>
-                </a:tc>
-              </a:tr>
-              <a:tr h="370840">
-                <a:tc>
-                  <a:txBody>
-                    <a:bodyPr/>
-                    <a:lstStyle/>
-                    <a:p>
-                      <a:r>
-                        <a:rPr sz="1100"/>
-                        <a:t>Cloud Infrastructure</a:t>
-                      </a:r>
-                    </a:p>
-                  </a:txBody>
-                  <a:tcPr>
-                    <a:solidFill>
-                      <a:srgbClr val="E7E6E6"/>
-                    </a:solidFill>
-                  </a:tcPr>
-                </a:tc>
-                <a:tc>
-                  <a:txBody>
-                    <a:bodyPr/>
-                    <a:lstStyle/>
-                    <a:p>
-                      <a:r>
-                        <a:rPr sz="1100"/>
-                        <a:t>$9,572</a:t>
-                      </a:r>
-                    </a:p>
-                  </a:txBody>
-                  <a:tcPr>
-                    <a:solidFill>
-                      <a:srgbClr val="E7E6E6"/>
-                    </a:solidFill>
-                  </a:tcPr>
-                </a:tc>
-                <a:tc>
-                  <a:txBody>
-                    <a:bodyPr/>
-                    <a:lstStyle/>
-                    <a:p>
-                      <a:r>
-                        <a:rPr sz="1100"/>
-                        <a:t>($8,117)</a:t>
-                      </a:r>
-                    </a:p>
-                  </a:txBody>
-                  <a:tcPr>
-                    <a:solidFill>
-                      <a:srgbClr val="E7E6E6"/>
-                    </a:solidFill>
-                  </a:tcPr>
-                </a:tc>
-                <a:tc>
-                  <a:txBody>
-                    <a:bodyPr/>
-                    <a:lstStyle/>
-                    <a:p>
-                      <a:r>
-                        <a:rPr sz="1100"/>
-                        <a:t>$1,455</a:t>
-                      </a:r>
-                    </a:p>
-                  </a:txBody>
-                  <a:tcPr>
-                    <a:solidFill>
-                      <a:srgbClr val="E7E6E6"/>
-                    </a:solidFill>
-                  </a:tcPr>
-                </a:tc>
-                <a:tc>
-                  <a:txBody>
-                    <a:bodyPr/>
-                    <a:lstStyle/>
-                    <a:p>
-                      <a:r>
-                        <a:rPr sz="1100"/>
-                        <a:t>$9,472</a:t>
-                      </a:r>
-                    </a:p>
-                  </a:txBody>
-                  <a:tcPr>
-                    <a:solidFill>
-                      <a:srgbClr val="E7E6E6"/>
-                    </a:solidFill>
-                  </a:tcPr>
-                </a:tc>
-                <a:tc>
-                  <a:txBody>
-                    <a:bodyPr/>
-                    <a:lstStyle/>
-                    <a:p>
-                      <a:r>
-                        <a:rPr sz="1100"/>
-                        <a:t>$9,472</a:t>
-                      </a:r>
-                    </a:p>
-                  </a:txBody>
-                  <a:tcPr>
-                    <a:solidFill>
-                      <a:srgbClr val="E7E6E6"/>
-                    </a:solidFill>
-                  </a:tcPr>
-                </a:tc>
-                <a:tc>
-                  <a:txBody>
-                    <a:bodyPr/>
-                    <a:lstStyle/>
-                    <a:p>
-                      <a:r>
-                        <a:rPr sz="1100"/>
-                        <a:t>$20,399</a:t>
-                      </a:r>
-                    </a:p>
-                  </a:txBody>
-                  <a:tcPr>
-                    <a:solidFill>
-                      <a:srgbClr val="E7E6E6"/>
-                    </a:solidFill>
-                  </a:tcPr>
-                </a:tc>
-              </a:tr>
-              <a:tr h="370840">
-                <a:tc>
-                  <a:txBody>
-                    <a:bodyPr/>
-                    <a:lstStyle/>
-                    <a:p>
-                      <a:r>
-                        <a:rPr sz="1100"/>
-                        <a:t>Software Licenses &amp; Subscriptions</a:t>
-                      </a:r>
-                    </a:p>
-                  </a:txBody>
-                  <a:tcPr>
-                    <a:solidFill>
-                      <a:srgbClr val="E7E6E6"/>
-                    </a:solidFill>
-                  </a:tcPr>
-                </a:tc>
-                <a:tc>
-                  <a:txBody>
-                    <a:bodyPr/>
-                    <a:lstStyle/>
-                    <a:p>
-                      <a:r>
-                        <a:rPr sz="1100"/>
-                        <a:t>$3,132</a:t>
-                      </a:r>
-                    </a:p>
-                  </a:txBody>
-                  <a:tcPr>
-                    <a:solidFill>
-                      <a:srgbClr val="E7E6E6"/>
-                    </a:solidFill>
-                  </a:tcPr>
-                </a:tc>
-                <a:tc>
-                  <a:txBody>
-                    <a:bodyPr/>
-                    <a:lstStyle/>
-                    <a:p>
-                      <a:r>
-                        <a:rPr sz="1100"/>
-                        <a:t>$0</a:t>
-                      </a:r>
-                    </a:p>
-                  </a:txBody>
-                  <a:tcPr>
-                    <a:solidFill>
-                      <a:srgbClr val="E7E6E6"/>
-                    </a:solidFill>
-                  </a:tcPr>
-                </a:tc>
-                <a:tc>
-                  <a:txBody>
-                    <a:bodyPr/>
-                    <a:lstStyle/>
-                    <a:p>
-                      <a:r>
-                        <a:rPr sz="1100"/>
-                        <a:t>$3,132</a:t>
-                      </a:r>
-                    </a:p>
-                  </a:txBody>
-                  <a:tcPr>
-                    <a:solidFill>
-                      <a:srgbClr val="E7E6E6"/>
-                    </a:solidFill>
-                  </a:tcPr>
-                </a:tc>
-                <a:tc>
-                  <a:txBody>
-                    <a:bodyPr/>
-                    <a:lstStyle/>
-                    <a:p>
-                      <a:r>
-                        <a:rPr sz="1100"/>
-                        <a:t>$3,132</a:t>
-                      </a:r>
-                    </a:p>
-                  </a:txBody>
-                  <a:tcPr>
-                    <a:solidFill>
-                      <a:srgbClr val="E7E6E6"/>
-                    </a:solidFill>
-                  </a:tcPr>
-                </a:tc>
-                <a:tc>
-                  <a:txBody>
-                    <a:bodyPr/>
-                    <a:lstStyle/>
-                    <a:p>
-                      <a:r>
-                        <a:rPr sz="1100"/>
-                        <a:t>$3,132</a:t>
-                      </a:r>
-                    </a:p>
-                  </a:txBody>
-                  <a:tcPr>
-                    <a:solidFill>
-                      <a:srgbClr val="E7E6E6"/>
-                    </a:solidFill>
-                  </a:tcPr>
-                </a:tc>
-                <a:tc>
-                  <a:txBody>
-                    <a:bodyPr/>
-                    <a:lstStyle/>
-                    <a:p>
-                      <a:r>
-                        <a:rPr sz="1100"/>
-                        <a:t>$9,396</a:t>
-                      </a:r>
-                    </a:p>
-                  </a:txBody>
-                  <a:tcPr>
-                    <a:solidFill>
-                      <a:srgbClr val="E7E6E6"/>
-                    </a:solidFill>
-                  </a:tcPr>
-                </a:tc>
-              </a:tr>
-              <a:tr h="370840">
-                <a:tc>
-                  <a:txBody>
-                    <a:bodyPr/>
-                    <a:lstStyle/>
-                    <a:p>
-                      <a:r>
-                        <a:rPr sz="1100"/>
-                        <a:t>Support &amp; Maintenance</a:t>
-                      </a:r>
-                    </a:p>
-                  </a:txBody>
-                  <a:tcPr>
-                    <a:solidFill>
-                      <a:srgbClr val="E7E6E6"/>
-                    </a:solidFill>
-                  </a:tcPr>
-                </a:tc>
-                <a:tc>
-                  <a:txBody>
-                    <a:bodyPr/>
-                    <a:lstStyle/>
-                    <a:p>
-                      <a:r>
-                        <a:rPr sz="1100"/>
-                        <a:t>$1,462</a:t>
-                      </a:r>
-                    </a:p>
-                  </a:txBody>
-                  <a:tcPr>
-                    <a:solidFill>
-                      <a:srgbClr val="E7E6E6"/>
-                    </a:solidFill>
-                  </a:tcPr>
-                </a:tc>
-                <a:tc>
-                  <a:txBody>
-                    <a:bodyPr/>
-                    <a:lstStyle/>
-                    <a:p>
-                      <a:r>
-                        <a:rPr sz="1100"/>
-                        <a:t>$0</a:t>
-                      </a:r>
-                    </a:p>
-                  </a:txBody>
-                  <a:tcPr>
-                    <a:solidFill>
-                      <a:srgbClr val="E7E6E6"/>
-                    </a:solidFill>
-                  </a:tcPr>
-                </a:tc>
-                <a:tc>
-                  <a:txBody>
-                    <a:bodyPr/>
-                    <a:lstStyle/>
-                    <a:p>
-                      <a:r>
-                        <a:rPr sz="1100"/>
-                        <a:t>$1,462</a:t>
-                      </a:r>
-                    </a:p>
-                  </a:txBody>
-                  <a:tcPr>
-                    <a:solidFill>
-                      <a:srgbClr val="E7E6E6"/>
-                    </a:solidFill>
-                  </a:tcPr>
-                </a:tc>
-                <a:tc>
-                  <a:txBody>
-                    <a:bodyPr/>
-                    <a:lstStyle/>
-                    <a:p>
-                      <a:r>
-                        <a:rPr sz="1100"/>
-                        <a:t>$1,462</a:t>
-                      </a:r>
-                    </a:p>
-                  </a:txBody>
-                  <a:tcPr>
-                    <a:solidFill>
-                      <a:srgbClr val="E7E6E6"/>
-                    </a:solidFill>
-                  </a:tcPr>
-                </a:tc>
-                <a:tc>
-                  <a:txBody>
-                    <a:bodyPr/>
-                    <a:lstStyle/>
-                    <a:p>
-                      <a:r>
-                        <a:rPr sz="1100"/>
-                        <a:t>$1,462</a:t>
-                      </a:r>
-                    </a:p>
-                  </a:txBody>
-                  <a:tcPr>
-                    <a:solidFill>
-                      <a:srgbClr val="E7E6E6"/>
-                    </a:solidFill>
-                  </a:tcPr>
-                </a:tc>
-                <a:tc>
-                  <a:txBody>
-                    <a:bodyPr/>
-                    <a:lstStyle/>
-                    <a:p>
-                      <a:r>
-                        <a:rPr sz="1100"/>
-                        <a:t>$4,386</a:t>
-                      </a:r>
-                    </a:p>
-                  </a:txBody>
-                  <a:tcPr>
-                    <a:solidFill>
-                      <a:srgbClr val="E7E6E6"/>
-                    </a:solidFill>
-                  </a:tcPr>
-                </a:tc>
-              </a:tr>
-              <a:tr h="370840">
-                <a:tc>
-                  <a:txBody>
-                    <a:bodyPr/>
-                    <a:lstStyle/>
-                    <a:p>
-                      <a:r>
                         <a:rPr b="1" sz="1100"/>
                         <a:t>TOTAL INVESTMENT</a:t>
                       </a:r>
@@ -6732,7 +6136,7 @@
                     <a:p>
                       <a:r>
                         <a:rPr b="1" sz="1100"/>
-                        <a:t>$139,316</a:t>
+                        <a:t>$0</a:t>
                       </a:r>
                     </a:p>
                   </a:txBody>
@@ -6749,7 +6153,7 @@
                     <a:p>
                       <a:r>
                         <a:rPr b="1" sz="1100"/>
-                        <a:t>($30,117)</a:t>
+                        <a:t>$0</a:t>
                       </a:r>
                     </a:p>
                   </a:txBody>
@@ -6766,7 +6170,7 @@
                     <a:p>
                       <a:r>
                         <a:rPr b="1" sz="1100"/>
-                        <a:t>$109,199</a:t>
+                        <a:t>$0</a:t>
                       </a:r>
                     </a:p>
                   </a:txBody>
@@ -6783,7 +6187,7 @@
                     <a:p>
                       <a:r>
                         <a:rPr b="1" sz="1100"/>
-                        <a:t>$14,066</a:t>
+                        <a:t>$0</a:t>
                       </a:r>
                     </a:p>
                   </a:txBody>
@@ -6800,7 +6204,7 @@
                     <a:p>
                       <a:r>
                         <a:rPr b="1" sz="1100"/>
-                        <a:t>$14,066</a:t>
+                        <a:t>$0</a:t>
                       </a:r>
                     </a:p>
                   </a:txBody>
@@ -6817,7 +6221,7 @@
                     <a:p>
                       <a:r>
                         <a:rPr b="1" sz="1100"/>
-                        <a:t>$137,331</a:t>
+                        <a:t>$0</a:t>
                       </a:r>
                     </a:p>
                   </a:txBody>

--- a/solutions/aws/cloud/onpremise-to-cloud-migration/presales/solution-briefing.pptx
+++ b/solutions/aws/cloud/onpremise-to-cloud-migration/presales/solution-briefing.pptx
@@ -3361,7 +3361,7 @@
           <a:lstStyle/>
           <a:p>
             <a:r>
-              <a:t>[Presenter Name] | November 17, 2025</a:t>
+              <a:t>[Presenter Name] | November 18, 2025</a:t>
             </a:r>
           </a:p>
         </p:txBody>
@@ -5945,7 +5945,7 @@
         </p:nvGraphicFramePr>
         <p:xfrm>
           <a:off x="256855" y="677011"/>
-          <a:ext cx="8710929" cy="741680"/>
+          <a:ext cx="8710929" cy="2225040"/>
         </p:xfrm>
         <a:graphic>
           <a:graphicData uri="http://schemas.openxmlformats.org/drawingml/2006/table">
@@ -6118,6 +6118,490 @@
                     <a:lstStyle/>
                     <a:p>
                       <a:r>
+                        <a:rPr sz="1100"/>
+                        <a:t>Professional Services</a:t>
+                      </a:r>
+                    </a:p>
+                  </a:txBody>
+                  <a:tcPr>
+                    <a:solidFill>
+                      <a:srgbClr val="E7E6E6"/>
+                    </a:solidFill>
+                  </a:tcPr>
+                </a:tc>
+                <a:tc>
+                  <a:txBody>
+                    <a:bodyPr/>
+                    <a:lstStyle/>
+                    <a:p>
+                      <a:r>
+                        <a:rPr sz="1100"/>
+                        <a:t>$125,150</a:t>
+                      </a:r>
+                    </a:p>
+                  </a:txBody>
+                  <a:tcPr>
+                    <a:solidFill>
+                      <a:srgbClr val="E7E6E6"/>
+                    </a:solidFill>
+                  </a:tcPr>
+                </a:tc>
+                <a:tc>
+                  <a:txBody>
+                    <a:bodyPr/>
+                    <a:lstStyle/>
+                    <a:p>
+                      <a:r>
+                        <a:rPr sz="1100"/>
+                        <a:t>($22,000)</a:t>
+                      </a:r>
+                    </a:p>
+                  </a:txBody>
+                  <a:tcPr>
+                    <a:solidFill>
+                      <a:srgbClr val="E7E6E6"/>
+                    </a:solidFill>
+                  </a:tcPr>
+                </a:tc>
+                <a:tc>
+                  <a:txBody>
+                    <a:bodyPr/>
+                    <a:lstStyle/>
+                    <a:p>
+                      <a:r>
+                        <a:rPr sz="1100"/>
+                        <a:t>$103,150</a:t>
+                      </a:r>
+                    </a:p>
+                  </a:txBody>
+                  <a:tcPr>
+                    <a:solidFill>
+                      <a:srgbClr val="E7E6E6"/>
+                    </a:solidFill>
+                  </a:tcPr>
+                </a:tc>
+                <a:tc>
+                  <a:txBody>
+                    <a:bodyPr/>
+                    <a:lstStyle/>
+                    <a:p>
+                      <a:r>
+                        <a:rPr sz="1100"/>
+                        <a:t>$0</a:t>
+                      </a:r>
+                    </a:p>
+                  </a:txBody>
+                  <a:tcPr>
+                    <a:solidFill>
+                      <a:srgbClr val="E7E6E6"/>
+                    </a:solidFill>
+                  </a:tcPr>
+                </a:tc>
+                <a:tc>
+                  <a:txBody>
+                    <a:bodyPr/>
+                    <a:lstStyle/>
+                    <a:p>
+                      <a:r>
+                        <a:rPr sz="1100"/>
+                        <a:t>$0</a:t>
+                      </a:r>
+                    </a:p>
+                  </a:txBody>
+                  <a:tcPr>
+                    <a:solidFill>
+                      <a:srgbClr val="E7E6E6"/>
+                    </a:solidFill>
+                  </a:tcPr>
+                </a:tc>
+                <a:tc>
+                  <a:txBody>
+                    <a:bodyPr/>
+                    <a:lstStyle/>
+                    <a:p>
+                      <a:r>
+                        <a:rPr sz="1100"/>
+                        <a:t>$103,150</a:t>
+                      </a:r>
+                    </a:p>
+                  </a:txBody>
+                  <a:tcPr>
+                    <a:solidFill>
+                      <a:srgbClr val="E7E6E6"/>
+                    </a:solidFill>
+                  </a:tcPr>
+                </a:tc>
+              </a:tr>
+              <a:tr h="370840">
+                <a:tc>
+                  <a:txBody>
+                    <a:bodyPr/>
+                    <a:lstStyle/>
+                    <a:p>
+                      <a:r>
+                        <a:rPr sz="1100"/>
+                        <a:t>Cloud Infrastructure</a:t>
+                      </a:r>
+                    </a:p>
+                  </a:txBody>
+                  <a:tcPr>
+                    <a:solidFill>
+                      <a:srgbClr val="E7E6E6"/>
+                    </a:solidFill>
+                  </a:tcPr>
+                </a:tc>
+                <a:tc>
+                  <a:txBody>
+                    <a:bodyPr/>
+                    <a:lstStyle/>
+                    <a:p>
+                      <a:r>
+                        <a:rPr sz="1100"/>
+                        <a:t>$10,572</a:t>
+                      </a:r>
+                    </a:p>
+                  </a:txBody>
+                  <a:tcPr>
+                    <a:solidFill>
+                      <a:srgbClr val="E7E6E6"/>
+                    </a:solidFill>
+                  </a:tcPr>
+                </a:tc>
+                <a:tc>
+                  <a:txBody>
+                    <a:bodyPr/>
+                    <a:lstStyle/>
+                    <a:p>
+                      <a:r>
+                        <a:rPr sz="1100"/>
+                        <a:t>($3,317)</a:t>
+                      </a:r>
+                    </a:p>
+                  </a:txBody>
+                  <a:tcPr>
+                    <a:solidFill>
+                      <a:srgbClr val="E7E6E6"/>
+                    </a:solidFill>
+                  </a:tcPr>
+                </a:tc>
+                <a:tc>
+                  <a:txBody>
+                    <a:bodyPr/>
+                    <a:lstStyle/>
+                    <a:p>
+                      <a:r>
+                        <a:rPr sz="1100"/>
+                        <a:t>$7,255</a:t>
+                      </a:r>
+                    </a:p>
+                  </a:txBody>
+                  <a:tcPr>
+                    <a:solidFill>
+                      <a:srgbClr val="E7E6E6"/>
+                    </a:solidFill>
+                  </a:tcPr>
+                </a:tc>
+                <a:tc>
+                  <a:txBody>
+                    <a:bodyPr/>
+                    <a:lstStyle/>
+                    <a:p>
+                      <a:r>
+                        <a:rPr sz="1100"/>
+                        <a:t>$10,472</a:t>
+                      </a:r>
+                    </a:p>
+                  </a:txBody>
+                  <a:tcPr>
+                    <a:solidFill>
+                      <a:srgbClr val="E7E6E6"/>
+                    </a:solidFill>
+                  </a:tcPr>
+                </a:tc>
+                <a:tc>
+                  <a:txBody>
+                    <a:bodyPr/>
+                    <a:lstStyle/>
+                    <a:p>
+                      <a:r>
+                        <a:rPr sz="1100"/>
+                        <a:t>$10,472</a:t>
+                      </a:r>
+                    </a:p>
+                  </a:txBody>
+                  <a:tcPr>
+                    <a:solidFill>
+                      <a:srgbClr val="E7E6E6"/>
+                    </a:solidFill>
+                  </a:tcPr>
+                </a:tc>
+                <a:tc>
+                  <a:txBody>
+                    <a:bodyPr/>
+                    <a:lstStyle/>
+                    <a:p>
+                      <a:r>
+                        <a:rPr sz="1100"/>
+                        <a:t>$28,199</a:t>
+                      </a:r>
+                    </a:p>
+                  </a:txBody>
+                  <a:tcPr>
+                    <a:solidFill>
+                      <a:srgbClr val="E7E6E6"/>
+                    </a:solidFill>
+                  </a:tcPr>
+                </a:tc>
+              </a:tr>
+              <a:tr h="370840">
+                <a:tc>
+                  <a:txBody>
+                    <a:bodyPr/>
+                    <a:lstStyle/>
+                    <a:p>
+                      <a:r>
+                        <a:rPr sz="1100"/>
+                        <a:t>Software Licenses</a:t>
+                      </a:r>
+                    </a:p>
+                  </a:txBody>
+                  <a:tcPr>
+                    <a:solidFill>
+                      <a:srgbClr val="E7E6E6"/>
+                    </a:solidFill>
+                  </a:tcPr>
+                </a:tc>
+                <a:tc>
+                  <a:txBody>
+                    <a:bodyPr/>
+                    <a:lstStyle/>
+                    <a:p>
+                      <a:r>
+                        <a:rPr sz="1100"/>
+                        <a:t>$3,132</a:t>
+                      </a:r>
+                    </a:p>
+                  </a:txBody>
+                  <a:tcPr>
+                    <a:solidFill>
+                      <a:srgbClr val="E7E6E6"/>
+                    </a:solidFill>
+                  </a:tcPr>
+                </a:tc>
+                <a:tc>
+                  <a:txBody>
+                    <a:bodyPr/>
+                    <a:lstStyle/>
+                    <a:p>
+                      <a:r>
+                        <a:rPr sz="1100"/>
+                        <a:t>$0</a:t>
+                      </a:r>
+                    </a:p>
+                  </a:txBody>
+                  <a:tcPr>
+                    <a:solidFill>
+                      <a:srgbClr val="E7E6E6"/>
+                    </a:solidFill>
+                  </a:tcPr>
+                </a:tc>
+                <a:tc>
+                  <a:txBody>
+                    <a:bodyPr/>
+                    <a:lstStyle/>
+                    <a:p>
+                      <a:r>
+                        <a:rPr sz="1100"/>
+                        <a:t>$3,132</a:t>
+                      </a:r>
+                    </a:p>
+                  </a:txBody>
+                  <a:tcPr>
+                    <a:solidFill>
+                      <a:srgbClr val="E7E6E6"/>
+                    </a:solidFill>
+                  </a:tcPr>
+                </a:tc>
+                <a:tc>
+                  <a:txBody>
+                    <a:bodyPr/>
+                    <a:lstStyle/>
+                    <a:p>
+                      <a:r>
+                        <a:rPr sz="1100"/>
+                        <a:t>$3,132</a:t>
+                      </a:r>
+                    </a:p>
+                  </a:txBody>
+                  <a:tcPr>
+                    <a:solidFill>
+                      <a:srgbClr val="E7E6E6"/>
+                    </a:solidFill>
+                  </a:tcPr>
+                </a:tc>
+                <a:tc>
+                  <a:txBody>
+                    <a:bodyPr/>
+                    <a:lstStyle/>
+                    <a:p>
+                      <a:r>
+                        <a:rPr sz="1100"/>
+                        <a:t>$3,132</a:t>
+                      </a:r>
+                    </a:p>
+                  </a:txBody>
+                  <a:tcPr>
+                    <a:solidFill>
+                      <a:srgbClr val="E7E6E6"/>
+                    </a:solidFill>
+                  </a:tcPr>
+                </a:tc>
+                <a:tc>
+                  <a:txBody>
+                    <a:bodyPr/>
+                    <a:lstStyle/>
+                    <a:p>
+                      <a:r>
+                        <a:rPr sz="1100"/>
+                        <a:t>$9,396</a:t>
+                      </a:r>
+                    </a:p>
+                  </a:txBody>
+                  <a:tcPr>
+                    <a:solidFill>
+                      <a:srgbClr val="E7E6E6"/>
+                    </a:solidFill>
+                  </a:tcPr>
+                </a:tc>
+              </a:tr>
+              <a:tr h="370840">
+                <a:tc>
+                  <a:txBody>
+                    <a:bodyPr/>
+                    <a:lstStyle/>
+                    <a:p>
+                      <a:r>
+                        <a:rPr sz="1100"/>
+                        <a:t>Support &amp; Maintenance</a:t>
+                      </a:r>
+                    </a:p>
+                  </a:txBody>
+                  <a:tcPr>
+                    <a:solidFill>
+                      <a:srgbClr val="E7E6E6"/>
+                    </a:solidFill>
+                  </a:tcPr>
+                </a:tc>
+                <a:tc>
+                  <a:txBody>
+                    <a:bodyPr/>
+                    <a:lstStyle/>
+                    <a:p>
+                      <a:r>
+                        <a:rPr sz="1100"/>
+                        <a:t>$1,462</a:t>
+                      </a:r>
+                    </a:p>
+                  </a:txBody>
+                  <a:tcPr>
+                    <a:solidFill>
+                      <a:srgbClr val="E7E6E6"/>
+                    </a:solidFill>
+                  </a:tcPr>
+                </a:tc>
+                <a:tc>
+                  <a:txBody>
+                    <a:bodyPr/>
+                    <a:lstStyle/>
+                    <a:p>
+                      <a:r>
+                        <a:rPr sz="1100"/>
+                        <a:t>$0</a:t>
+                      </a:r>
+                    </a:p>
+                  </a:txBody>
+                  <a:tcPr>
+                    <a:solidFill>
+                      <a:srgbClr val="E7E6E6"/>
+                    </a:solidFill>
+                  </a:tcPr>
+                </a:tc>
+                <a:tc>
+                  <a:txBody>
+                    <a:bodyPr/>
+                    <a:lstStyle/>
+                    <a:p>
+                      <a:r>
+                        <a:rPr sz="1100"/>
+                        <a:t>$1,462</a:t>
+                      </a:r>
+                    </a:p>
+                  </a:txBody>
+                  <a:tcPr>
+                    <a:solidFill>
+                      <a:srgbClr val="E7E6E6"/>
+                    </a:solidFill>
+                  </a:tcPr>
+                </a:tc>
+                <a:tc>
+                  <a:txBody>
+                    <a:bodyPr/>
+                    <a:lstStyle/>
+                    <a:p>
+                      <a:r>
+                        <a:rPr sz="1100"/>
+                        <a:t>$1,462</a:t>
+                      </a:r>
+                    </a:p>
+                  </a:txBody>
+                  <a:tcPr>
+                    <a:solidFill>
+                      <a:srgbClr val="E7E6E6"/>
+                    </a:solidFill>
+                  </a:tcPr>
+                </a:tc>
+                <a:tc>
+                  <a:txBody>
+                    <a:bodyPr/>
+                    <a:lstStyle/>
+                    <a:p>
+                      <a:r>
+                        <a:rPr sz="1100"/>
+                        <a:t>$1,462</a:t>
+                      </a:r>
+                    </a:p>
+                  </a:txBody>
+                  <a:tcPr>
+                    <a:solidFill>
+                      <a:srgbClr val="E7E6E6"/>
+                    </a:solidFill>
+                  </a:tcPr>
+                </a:tc>
+                <a:tc>
+                  <a:txBody>
+                    <a:bodyPr/>
+                    <a:lstStyle/>
+                    <a:p>
+                      <a:r>
+                        <a:rPr sz="1100"/>
+                        <a:t>$4,386</a:t>
+                      </a:r>
+                    </a:p>
+                  </a:txBody>
+                  <a:tcPr>
+                    <a:solidFill>
+                      <a:srgbClr val="E7E6E6"/>
+                    </a:solidFill>
+                  </a:tcPr>
+                </a:tc>
+              </a:tr>
+              <a:tr h="370840">
+                <a:tc>
+                  <a:txBody>
+                    <a:bodyPr/>
+                    <a:lstStyle/>
+                    <a:p>
+                      <a:r>
                         <a:rPr b="1" sz="1100"/>
                         <a:t>TOTAL INVESTMENT</a:t>
                       </a:r>
@@ -6136,7 +6620,7 @@
                     <a:p>
                       <a:r>
                         <a:rPr b="1" sz="1100"/>
-                        <a:t>$0</a:t>
+                        <a:t>$140,316</a:t>
                       </a:r>
                     </a:p>
                   </a:txBody>
@@ -6153,7 +6637,7 @@
                     <a:p>
                       <a:r>
                         <a:rPr b="1" sz="1100"/>
-                        <a:t>$0</a:t>
+                        <a:t>($25,317)</a:t>
                       </a:r>
                     </a:p>
                   </a:txBody>
@@ -6170,7 +6654,7 @@
                     <a:p>
                       <a:r>
                         <a:rPr b="1" sz="1100"/>
-                        <a:t>$0</a:t>
+                        <a:t>$114,999</a:t>
                       </a:r>
                     </a:p>
                   </a:txBody>
@@ -6187,7 +6671,7 @@
                     <a:p>
                       <a:r>
                         <a:rPr b="1" sz="1100"/>
-                        <a:t>$0</a:t>
+                        <a:t>$15,066</a:t>
                       </a:r>
                     </a:p>
                   </a:txBody>
@@ -6204,7 +6688,7 @@
                     <a:p>
                       <a:r>
                         <a:rPr b="1" sz="1100"/>
-                        <a:t>$0</a:t>
+                        <a:t>$15,066</a:t>
                       </a:r>
                     </a:p>
                   </a:txBody>
@@ -6221,7 +6705,7 @@
                     <a:p>
                       <a:r>
                         <a:rPr b="1" sz="1100"/>
-                        <a:t>$0</a:t>
+                        <a:t>$145,131</a:t>
                       </a:r>
                     </a:p>
                   </a:txBody>

--- a/solutions/aws/cloud/onpremise-to-cloud-migration/presales/solution-briefing.pptx
+++ b/solutions/aws/cloud/onpremise-to-cloud-migration/presales/solution-briefing.pptx
@@ -3214,18 +3214,6 @@
       <p:grpSpPr/>
       <p:sp>
         <p:nvSpPr>
-          <p:cNvPr id="2" name="Picture Placeholder 1"/>
-          <p:cNvSpPr>
-            <a:spLocks noGrp="1"/>
-          </p:cNvSpPr>
-          <p:nvPr>
-            <p:ph type="pic" idx="10" sz="quarter"/>
-          </p:nvPr>
-        </p:nvSpPr>
-        <p:spPr/>
-      </p:sp>
-      <p:sp>
-        <p:nvSpPr>
           <p:cNvPr id="3" name="Text Placeholder 2"/>
           <p:cNvSpPr>
             <a:spLocks noGrp="1"/>
@@ -3247,18 +3235,6 @@
       </p:sp>
       <p:sp>
         <p:nvSpPr>
-          <p:cNvPr id="4" name="Picture Placeholder 3"/>
-          <p:cNvSpPr>
-            <a:spLocks noGrp="1"/>
-          </p:cNvSpPr>
-          <p:nvPr>
-            <p:ph type="pic" idx="13" sz="quarter"/>
-          </p:nvPr>
-        </p:nvSpPr>
-        <p:spPr/>
-      </p:sp>
-      <p:sp>
-        <p:nvSpPr>
           <p:cNvPr id="5" name="Text Placeholder 4"/>
           <p:cNvSpPr>
             <a:spLocks noGrp="1"/>
@@ -3299,6 +3275,78 @@
           </a:p>
         </p:txBody>
       </p:sp>
+      <p:pic>
+        <p:nvPicPr>
+          <p:cNvPr id="7" name="Picture 6" descr="client_logo.png"/>
+          <p:cNvPicPr>
+            <a:picLocks noChangeAspect="1"/>
+          </p:cNvPicPr>
+          <p:nvPr/>
+        </p:nvPicPr>
+        <p:blipFill>
+          <a:blip r:embed="rId2"/>
+          <a:stretch>
+            <a:fillRect/>
+          </a:stretch>
+        </p:blipFill>
+        <p:spPr>
+          <a:xfrm>
+            <a:off x="2180492" y="171206"/>
+            <a:ext cx="3978520" cy="1314694"/>
+          </a:xfrm>
+          <a:prstGeom prst="rect">
+            <a:avLst/>
+          </a:prstGeom>
+        </p:spPr>
+      </p:pic>
+      <p:pic>
+        <p:nvPicPr>
+          <p:cNvPr id="8" name="Picture 7" descr="consulting_company_logo.png"/>
+          <p:cNvPicPr>
+            <a:picLocks noChangeAspect="1"/>
+          </p:cNvPicPr>
+          <p:nvPr/>
+        </p:nvPicPr>
+        <p:blipFill>
+          <a:blip r:embed="rId3"/>
+          <a:stretch>
+            <a:fillRect/>
+          </a:stretch>
+        </p:blipFill>
+        <p:spPr>
+          <a:xfrm>
+            <a:off x="313591" y="4536078"/>
+            <a:ext cx="2099897" cy="529698"/>
+          </a:xfrm>
+          <a:prstGeom prst="rect">
+            <a:avLst/>
+          </a:prstGeom>
+        </p:spPr>
+      </p:pic>
+      <p:pic>
+        <p:nvPicPr>
+          <p:cNvPr id="9" name="Picture 8" descr="eo-framework-logo-real.png"/>
+          <p:cNvPicPr>
+            <a:picLocks noChangeAspect="1"/>
+          </p:cNvPicPr>
+          <p:nvPr/>
+        </p:nvPicPr>
+        <p:blipFill>
+          <a:blip r:embed="rId4"/>
+          <a:stretch>
+            <a:fillRect/>
+          </a:stretch>
+        </p:blipFill>
+        <p:spPr>
+          <a:xfrm>
+            <a:off x="6684264" y="4535424"/>
+            <a:ext cx="2139696" cy="530352"/>
+          </a:xfrm>
+          <a:prstGeom prst="rect">
+            <a:avLst/>
+          </a:prstGeom>
+        </p:spPr>
+      </p:pic>
     </p:spTree>
   </p:cSld>
   <p:clrMapOvr>
@@ -3341,18 +3389,6 @@
       </p:sp>
       <p:sp>
         <p:nvSpPr>
-          <p:cNvPr id="3" name="Picture Placeholder 2"/>
-          <p:cNvSpPr>
-            <a:spLocks noGrp="1"/>
-          </p:cNvSpPr>
-          <p:nvPr>
-            <p:ph type="pic" idx="13" sz="quarter"/>
-          </p:nvPr>
-        </p:nvSpPr>
-        <p:spPr/>
-      </p:sp>
-      <p:sp>
-        <p:nvSpPr>
           <p:cNvPr id="4" name="Text Placeholder 3"/>
           <p:cNvSpPr>
             <a:spLocks noGrp="1"/>
@@ -3446,6 +3482,30 @@
           </a:p>
         </p:txBody>
       </p:sp>
+      <p:pic>
+        <p:nvPicPr>
+          <p:cNvPr id="6" name="Picture 5" descr="consulting_company_logo.png"/>
+          <p:cNvPicPr>
+            <a:picLocks noChangeAspect="1"/>
+          </p:cNvPicPr>
+          <p:nvPr/>
+        </p:nvPicPr>
+        <p:blipFill>
+          <a:blip r:embed="rId2"/>
+          <a:stretch>
+            <a:fillRect/>
+          </a:stretch>
+        </p:blipFill>
+        <p:spPr>
+          <a:xfrm>
+            <a:off x="313593" y="4536078"/>
+            <a:ext cx="2143858" cy="529698"/>
+          </a:xfrm>
+          <a:prstGeom prst="rect">
+            <a:avLst/>
+          </a:prstGeom>
+        </p:spPr>
+      </p:pic>
     </p:spTree>
   </p:cSld>
   <p:clrMapOvr>
@@ -3466,18 +3526,6 @@
       <p:grpSpPr/>
       <p:sp>
         <p:nvSpPr>
-          <p:cNvPr id="2" name="Picture Placeholder 1"/>
-          <p:cNvSpPr>
-            <a:spLocks noGrp="1"/>
-          </p:cNvSpPr>
-          <p:nvPr>
-            <p:ph type="pic" idx="10" sz="quarter"/>
-          </p:nvPr>
-        </p:nvSpPr>
-        <p:spPr/>
-      </p:sp>
-      <p:sp>
-        <p:nvSpPr>
           <p:cNvPr id="3" name="Text Placeholder 2"/>
           <p:cNvSpPr>
             <a:spLocks noGrp="1"/>
@@ -3499,18 +3547,6 @@
       </p:sp>
       <p:sp>
         <p:nvSpPr>
-          <p:cNvPr id="4" name="Picture Placeholder 3"/>
-          <p:cNvSpPr>
-            <a:spLocks noGrp="1"/>
-          </p:cNvSpPr>
-          <p:nvPr>
-            <p:ph type="pic" idx="13" sz="quarter"/>
-          </p:nvPr>
-        </p:nvSpPr>
-        <p:spPr/>
-      </p:sp>
-      <p:sp>
-        <p:nvSpPr>
           <p:cNvPr id="5" name="Text Placeholder 4"/>
           <p:cNvSpPr>
             <a:spLocks noGrp="1"/>
@@ -3543,6 +3579,78 @@
           <a:p/>
         </p:txBody>
       </p:sp>
+      <p:pic>
+        <p:nvPicPr>
+          <p:cNvPr id="7" name="Picture 6" descr="client_logo.png"/>
+          <p:cNvPicPr>
+            <a:picLocks noChangeAspect="1"/>
+          </p:cNvPicPr>
+          <p:nvPr/>
+        </p:nvPicPr>
+        <p:blipFill>
+          <a:blip r:embed="rId2"/>
+          <a:stretch>
+            <a:fillRect/>
+          </a:stretch>
+        </p:blipFill>
+        <p:spPr>
+          <a:xfrm>
+            <a:off x="2180492" y="171206"/>
+            <a:ext cx="3978520" cy="1314694"/>
+          </a:xfrm>
+          <a:prstGeom prst="rect">
+            <a:avLst/>
+          </a:prstGeom>
+        </p:spPr>
+      </p:pic>
+      <p:pic>
+        <p:nvPicPr>
+          <p:cNvPr id="8" name="Picture 7" descr="consulting_company_logo.png"/>
+          <p:cNvPicPr>
+            <a:picLocks noChangeAspect="1"/>
+          </p:cNvPicPr>
+          <p:nvPr/>
+        </p:nvPicPr>
+        <p:blipFill>
+          <a:blip r:embed="rId3"/>
+          <a:stretch>
+            <a:fillRect/>
+          </a:stretch>
+        </p:blipFill>
+        <p:spPr>
+          <a:xfrm>
+            <a:off x="313592" y="4536078"/>
+            <a:ext cx="2164114" cy="529698"/>
+          </a:xfrm>
+          <a:prstGeom prst="rect">
+            <a:avLst/>
+          </a:prstGeom>
+        </p:spPr>
+      </p:pic>
+      <p:pic>
+        <p:nvPicPr>
+          <p:cNvPr id="9" name="Picture 8" descr="eo-framework-logo-real.png"/>
+          <p:cNvPicPr>
+            <a:picLocks noChangeAspect="1"/>
+          </p:cNvPicPr>
+          <p:nvPr/>
+        </p:nvPicPr>
+        <p:blipFill>
+          <a:blip r:embed="rId4"/>
+          <a:stretch>
+            <a:fillRect/>
+          </a:stretch>
+        </p:blipFill>
+        <p:spPr>
+          <a:xfrm>
+            <a:off x="6684264" y="4535424"/>
+            <a:ext cx="2139696" cy="530352"/>
+          </a:xfrm>
+          <a:prstGeom prst="rect">
+            <a:avLst/>
+          </a:prstGeom>
+        </p:spPr>
+      </p:pic>
     </p:spTree>
   </p:cSld>
   <p:clrMapOvr>
@@ -3585,18 +3693,6 @@
       </p:sp>
       <p:sp>
         <p:nvSpPr>
-          <p:cNvPr id="3" name="Picture Placeholder 2"/>
-          <p:cNvSpPr>
-            <a:spLocks noGrp="1"/>
-          </p:cNvSpPr>
-          <p:nvPr>
-            <p:ph type="pic" idx="14" sz="quarter"/>
-          </p:nvPr>
-        </p:nvSpPr>
-        <p:spPr/>
-      </p:sp>
-      <p:sp>
-        <p:nvSpPr>
           <p:cNvPr id="4" name="Text Placeholder 3"/>
           <p:cNvSpPr>
             <a:spLocks noGrp="1"/>
@@ -3706,6 +3802,30 @@
           </a:p>
         </p:txBody>
       </p:sp>
+      <p:pic>
+        <p:nvPicPr>
+          <p:cNvPr id="7" name="Picture 6" descr="consulting_company_logo.png"/>
+          <p:cNvPicPr>
+            <a:picLocks noChangeAspect="1"/>
+          </p:cNvPicPr>
+          <p:nvPr/>
+        </p:nvPicPr>
+        <p:blipFill>
+          <a:blip r:embed="rId2"/>
+          <a:stretch>
+            <a:fillRect/>
+          </a:stretch>
+        </p:blipFill>
+        <p:spPr>
+          <a:xfrm>
+            <a:off x="313592" y="4536078"/>
+            <a:ext cx="2121877" cy="529698"/>
+          </a:xfrm>
+          <a:prstGeom prst="rect">
+            <a:avLst/>
+          </a:prstGeom>
+        </p:spPr>
+      </p:pic>
     </p:spTree>
   </p:cSld>
   <p:clrMapOvr>
@@ -3745,18 +3865,6 @@
             </a:r>
           </a:p>
         </p:txBody>
-      </p:sp>
-      <p:sp>
-        <p:nvSpPr>
-          <p:cNvPr id="3" name="Picture Placeholder 2"/>
-          <p:cNvSpPr>
-            <a:spLocks noGrp="1"/>
-          </p:cNvSpPr>
-          <p:nvPr>
-            <p:ph type="pic" idx="13" sz="quarter"/>
-          </p:nvPr>
-        </p:nvSpPr>
-        <p:spPr/>
       </p:sp>
       <p:graphicFrame>
         <p:nvGraphicFramePr>
@@ -4572,6 +4680,30 @@
           </a:p>
         </p:txBody>
       </p:sp>
+      <p:pic>
+        <p:nvPicPr>
+          <p:cNvPr id="6" name="Picture 5" descr="consulting_company_logo.png"/>
+          <p:cNvPicPr>
+            <a:picLocks noChangeAspect="1"/>
+          </p:cNvPicPr>
+          <p:nvPr/>
+        </p:nvPicPr>
+        <p:blipFill>
+          <a:blip r:embed="rId2"/>
+          <a:stretch>
+            <a:fillRect/>
+          </a:stretch>
+        </p:blipFill>
+        <p:spPr>
+          <a:xfrm>
+            <a:off x="313592" y="4536078"/>
+            <a:ext cx="2126273" cy="529698"/>
+          </a:xfrm>
+          <a:prstGeom prst="rect">
+            <a:avLst/>
+          </a:prstGeom>
+        </p:spPr>
+      </p:pic>
     </p:spTree>
   </p:cSld>
   <p:clrMapOvr>
@@ -4611,18 +4743,6 @@
             </a:r>
           </a:p>
         </p:txBody>
-      </p:sp>
-      <p:sp>
-        <p:nvSpPr>
-          <p:cNvPr id="3" name="Picture Placeholder 2"/>
-          <p:cNvSpPr>
-            <a:spLocks noGrp="1"/>
-          </p:cNvSpPr>
-          <p:nvPr>
-            <p:ph type="pic" idx="14" sz="quarter"/>
-          </p:nvPr>
-        </p:nvSpPr>
-        <p:spPr/>
       </p:sp>
       <p:sp>
         <p:nvSpPr>
@@ -4749,6 +4869,30 @@
           </a:ln>
         </p:spPr>
       </p:pic>
+      <p:pic>
+        <p:nvPicPr>
+          <p:cNvPr id="8" name="Picture 7" descr="consulting_company_logo.png"/>
+          <p:cNvPicPr>
+            <a:picLocks noChangeAspect="1"/>
+          </p:cNvPicPr>
+          <p:nvPr/>
+        </p:nvPicPr>
+        <p:blipFill>
+          <a:blip r:embed="rId3"/>
+          <a:stretch>
+            <a:fillRect/>
+          </a:stretch>
+        </p:blipFill>
+        <p:spPr>
+          <a:xfrm>
+            <a:off x="313592" y="4536078"/>
+            <a:ext cx="2130670" cy="529698"/>
+          </a:xfrm>
+          <a:prstGeom prst="rect">
+            <a:avLst/>
+          </a:prstGeom>
+        </p:spPr>
+      </p:pic>
     </p:spTree>
   </p:cSld>
   <p:clrMapOvr>
@@ -4791,18 +4935,6 @@
       </p:sp>
       <p:sp>
         <p:nvSpPr>
-          <p:cNvPr id="3" name="Picture Placeholder 2"/>
-          <p:cNvSpPr>
-            <a:spLocks noGrp="1"/>
-          </p:cNvSpPr>
-          <p:nvPr>
-            <p:ph type="pic" idx="13" sz="quarter"/>
-          </p:nvPr>
-        </p:nvSpPr>
-        <p:spPr/>
-      </p:sp>
-      <p:sp>
-        <p:nvSpPr>
           <p:cNvPr id="4" name="Text Placeholder 3"/>
           <p:cNvSpPr>
             <a:spLocks noGrp="1"/>
@@ -4921,6 +5053,30 @@
           </a:p>
         </p:txBody>
       </p:sp>
+      <p:pic>
+        <p:nvPicPr>
+          <p:cNvPr id="6" name="Picture 5" descr="consulting_company_logo.png"/>
+          <p:cNvPicPr>
+            <a:picLocks noChangeAspect="1"/>
+          </p:cNvPicPr>
+          <p:nvPr/>
+        </p:nvPicPr>
+        <p:blipFill>
+          <a:blip r:embed="rId2"/>
+          <a:stretch>
+            <a:fillRect/>
+          </a:stretch>
+        </p:blipFill>
+        <p:spPr>
+          <a:xfrm>
+            <a:off x="313593" y="4536078"/>
+            <a:ext cx="2143858" cy="529698"/>
+          </a:xfrm>
+          <a:prstGeom prst="rect">
+            <a:avLst/>
+          </a:prstGeom>
+        </p:spPr>
+      </p:pic>
     </p:spTree>
   </p:cSld>
   <p:clrMapOvr>
@@ -4960,18 +5116,6 @@
             </a:r>
           </a:p>
         </p:txBody>
-      </p:sp>
-      <p:sp>
-        <p:nvSpPr>
-          <p:cNvPr id="3" name="Picture Placeholder 2"/>
-          <p:cNvSpPr>
-            <a:spLocks noGrp="1"/>
-          </p:cNvSpPr>
-          <p:nvPr>
-            <p:ph type="pic" idx="13" sz="quarter"/>
-          </p:nvPr>
-        </p:nvSpPr>
-        <p:spPr/>
       </p:sp>
       <p:graphicFrame>
         <p:nvGraphicFramePr>
@@ -5328,6 +5472,30 @@
           </a:p>
         </p:txBody>
       </p:sp>
+      <p:pic>
+        <p:nvPicPr>
+          <p:cNvPr id="6" name="Picture 5" descr="consulting_company_logo.png"/>
+          <p:cNvPicPr>
+            <a:picLocks noChangeAspect="1"/>
+          </p:cNvPicPr>
+          <p:nvPr/>
+        </p:nvPicPr>
+        <p:blipFill>
+          <a:blip r:embed="rId2"/>
+          <a:stretch>
+            <a:fillRect/>
+          </a:stretch>
+        </p:blipFill>
+        <p:spPr>
+          <a:xfrm>
+            <a:off x="313592" y="4536078"/>
+            <a:ext cx="2126273" cy="529698"/>
+          </a:xfrm>
+          <a:prstGeom prst="rect">
+            <a:avLst/>
+          </a:prstGeom>
+        </p:spPr>
+      </p:pic>
     </p:spTree>
   </p:cSld>
   <p:clrMapOvr>
@@ -5370,18 +5538,6 @@
       </p:sp>
       <p:sp>
         <p:nvSpPr>
-          <p:cNvPr id="3" name="Picture Placeholder 2"/>
-          <p:cNvSpPr>
-            <a:spLocks noGrp="1"/>
-          </p:cNvSpPr>
-          <p:nvPr>
-            <p:ph type="pic" idx="13" sz="quarter"/>
-          </p:nvPr>
-        </p:nvSpPr>
-        <p:spPr/>
-      </p:sp>
-      <p:sp>
-        <p:nvSpPr>
           <p:cNvPr id="4" name="Text Placeholder 3"/>
           <p:cNvSpPr>
             <a:spLocks noGrp="1"/>
@@ -5489,6 +5645,30 @@
           </a:p>
         </p:txBody>
       </p:sp>
+      <p:pic>
+        <p:nvPicPr>
+          <p:cNvPr id="6" name="Picture 5" descr="consulting_company_logo.png"/>
+          <p:cNvPicPr>
+            <a:picLocks noChangeAspect="1"/>
+          </p:cNvPicPr>
+          <p:nvPr/>
+        </p:nvPicPr>
+        <p:blipFill>
+          <a:blip r:embed="rId2"/>
+          <a:stretch>
+            <a:fillRect/>
+          </a:stretch>
+        </p:blipFill>
+        <p:spPr>
+          <a:xfrm>
+            <a:off x="313593" y="4536078"/>
+            <a:ext cx="2143858" cy="529698"/>
+          </a:xfrm>
+          <a:prstGeom prst="rect">
+            <a:avLst/>
+          </a:prstGeom>
+        </p:spPr>
+      </p:pic>
     </p:spTree>
   </p:cSld>
   <p:clrMapOvr>
@@ -5531,18 +5711,6 @@
       </p:sp>
       <p:sp>
         <p:nvSpPr>
-          <p:cNvPr id="3" name="Picture Placeholder 2"/>
-          <p:cNvSpPr>
-            <a:spLocks noGrp="1"/>
-          </p:cNvSpPr>
-          <p:nvPr>
-            <p:ph type="pic" idx="14" sz="quarter"/>
-          </p:nvPr>
-        </p:nvSpPr>
-        <p:spPr/>
-      </p:sp>
-      <p:sp>
-        <p:nvSpPr>
           <p:cNvPr id="4" name="Text Placeholder 3"/>
           <p:cNvSpPr>
             <a:spLocks noGrp="1"/>
@@ -5664,6 +5832,30 @@
           </a:p>
         </p:txBody>
       </p:sp>
+      <p:pic>
+        <p:nvPicPr>
+          <p:cNvPr id="7" name="Picture 6" descr="consulting_company_logo.png"/>
+          <p:cNvPicPr>
+            <a:picLocks noChangeAspect="1"/>
+          </p:cNvPicPr>
+          <p:nvPr/>
+        </p:nvPicPr>
+        <p:blipFill>
+          <a:blip r:embed="rId2"/>
+          <a:stretch>
+            <a:fillRect/>
+          </a:stretch>
+        </p:blipFill>
+        <p:spPr>
+          <a:xfrm>
+            <a:off x="313592" y="4536078"/>
+            <a:ext cx="2121877" cy="529698"/>
+          </a:xfrm>
+          <a:prstGeom prst="rect">
+            <a:avLst/>
+          </a:prstGeom>
+        </p:spPr>
+      </p:pic>
     </p:spTree>
   </p:cSld>
   <p:clrMapOvr>
@@ -5703,18 +5895,6 @@
             </a:r>
           </a:p>
         </p:txBody>
-      </p:sp>
-      <p:sp>
-        <p:nvSpPr>
-          <p:cNvPr id="3" name="Picture Placeholder 2"/>
-          <p:cNvSpPr>
-            <a:spLocks noGrp="1"/>
-          </p:cNvSpPr>
-          <p:nvPr>
-            <p:ph type="pic" idx="13" sz="quarter"/>
-          </p:nvPr>
-        </p:nvSpPr>
-        <p:spPr/>
       </p:sp>
       <p:graphicFrame>
         <p:nvGraphicFramePr>
@@ -6532,6 +6712,30 @@
           </a:p>
         </p:txBody>
       </p:sp>
+      <p:pic>
+        <p:nvPicPr>
+          <p:cNvPr id="6" name="Picture 5" descr="consulting_company_logo.png"/>
+          <p:cNvPicPr>
+            <a:picLocks noChangeAspect="1"/>
+          </p:cNvPicPr>
+          <p:nvPr/>
+        </p:nvPicPr>
+        <p:blipFill>
+          <a:blip r:embed="rId2"/>
+          <a:stretch>
+            <a:fillRect/>
+          </a:stretch>
+        </p:blipFill>
+        <p:spPr>
+          <a:xfrm>
+            <a:off x="313592" y="4536078"/>
+            <a:ext cx="2126273" cy="529698"/>
+          </a:xfrm>
+          <a:prstGeom prst="rect">
+            <a:avLst/>
+          </a:prstGeom>
+        </p:spPr>
+      </p:pic>
     </p:spTree>
   </p:cSld>
   <p:clrMapOvr>

--- a/solutions/aws/cloud/onpremise-to-cloud-migration/presales/solution-briefing.pptx
+++ b/solutions/aws/cloud/onpremise-to-cloud-migration/presales/solution-briefing.pptx
@@ -118,6 +118,9 @@
     <p:ext uri="{EFAFB233-063F-42B5-8137-9DF3F51BA10A}">
       <p15:sldGuideLst xmlns:p15="http://schemas.microsoft.com/office/powerpoint/2012/main"/>
     </p:ext>
+    <p:ext uri="{2D200454-40CA-4A62-9FC3-DE9A4176ACB9}">
+      <p15:notesGuideLst xmlns:p15="http://schemas.microsoft.com/office/powerpoint/2012/main"/>
+    </p:ext>
   </p:extLst>
 </p:presentation>
 </file>
@@ -144,6 +147,59 @@
           <a:chExt cx="0" cy="0"/>
         </a:xfrm>
       </p:grpSpPr>
+      <p:sp>
+        <p:nvSpPr>
+          <p:cNvPr id="2" name="Slide Image Placeholder 1"/>
+          <p:cNvSpPr>
+            <a:spLocks noGrp="1" noRot="1" noChangeAspect="1"/>
+          </p:cNvSpPr>
+          <p:nvPr>
+            <p:ph type="sldImg"/>
+          </p:nvPr>
+        </p:nvSpPr>
+        <p:spPr>
+          <a:xfrm>
+            <a:off x="-171450" y="1143000"/>
+            <a:ext cx="5486400" cy="3086100"/>
+          </a:xfrm>
+          <a:prstGeom prst="rect">
+            <a:avLst/>
+          </a:prstGeom>
+          <a:noFill/>
+          <a:ln w="12700">
+            <a:solidFill>
+              <a:prstClr val="black"/>
+            </a:solidFill>
+          </a:ln>
+        </p:spPr>
+      </p:sp>
+      <p:sp>
+        <p:nvSpPr>
+          <p:cNvPr id="3" name="Notes Placeholder 2"/>
+          <p:cNvSpPr>
+            <a:spLocks noGrp="1"/>
+          </p:cNvSpPr>
+          <p:nvPr>
+            <p:ph type="body" idx="1"/>
+          </p:nvPr>
+        </p:nvSpPr>
+        <p:spPr>
+          <a:xfrm>
+            <a:off x="514350" y="4400550"/>
+            <a:ext cx="4114800" cy="3600450"/>
+          </a:xfrm>
+          <a:prstGeom prst="rect">
+            <a:avLst/>
+          </a:prstGeom>
+        </p:spPr>
+        <p:txBody>
+          <a:bodyPr/>
+          <a:lstStyle/>
+          <a:p>
+            <a:endParaRPr lang="en-US"/>
+          </a:p>
+        </p:txBody>
+      </p:sp>
     </p:spTree>
     <p:extLst>
       <p:ext uri="{BB962C8B-B14F-4D97-AF65-F5344CB8AC3E}">
@@ -637,6 +693,39 @@
       </p:grpSpPr>
       <p:sp>
         <p:nvSpPr>
+          <p:cNvPr id="12" name="Picture Placeholder 13">
+            <a:extLst>
+              <a:ext uri="{FF2B5EF4-FFF2-40B4-BE49-F238E27FC236}">
+                <a16:creationId xmlns:a16="http://schemas.microsoft.com/office/drawing/2014/main" id="{2DB97592-C4D5-B315-7F11-AA14F6EE8A62}"/>
+              </a:ext>
+            </a:extLst>
+          </p:cNvPr>
+          <p:cNvSpPr>
+            <a:spLocks noGrp="1"/>
+          </p:cNvSpPr>
+          <p:nvPr>
+            <p:ph type="pic" sz="quarter" idx="13"/>
+          </p:nvPr>
+        </p:nvSpPr>
+        <p:spPr>
+          <a:xfrm>
+            <a:off x="313593" y="4536078"/>
+            <a:ext cx="2143858" cy="529698"/>
+          </a:xfrm>
+          <a:prstGeom prst="rect">
+            <a:avLst/>
+          </a:prstGeom>
+        </p:spPr>
+        <p:txBody>
+          <a:bodyPr/>
+          <a:lstStyle/>
+          <a:p>
+            <a:endParaRPr lang="en-US" dirty="0"/>
+          </a:p>
+        </p:txBody>
+      </p:sp>
+      <p:sp>
+        <p:nvSpPr>
           <p:cNvPr id="3" name="Shape 1">
             <a:extLst>
               <a:ext uri="{FF2B5EF4-FFF2-40B4-BE49-F238E27FC236}">
@@ -726,39 +815,6 @@
               <a:rPr lang="en-US" dirty="0"/>
               <a:t>Slide Title</a:t>
             </a:r>
-          </a:p>
-        </p:txBody>
-      </p:sp>
-      <p:sp>
-        <p:nvSpPr>
-          <p:cNvPr id="12" name="Picture Placeholder 13">
-            <a:extLst>
-              <a:ext uri="{FF2B5EF4-FFF2-40B4-BE49-F238E27FC236}">
-                <a16:creationId xmlns:a16="http://schemas.microsoft.com/office/drawing/2014/main" id="{2DB97592-C4D5-B315-7F11-AA14F6EE8A62}"/>
-              </a:ext>
-            </a:extLst>
-          </p:cNvPr>
-          <p:cNvSpPr>
-            <a:spLocks noGrp="1"/>
-          </p:cNvSpPr>
-          <p:nvPr>
-            <p:ph type="pic" sz="quarter" idx="13"/>
-          </p:nvPr>
-        </p:nvSpPr>
-        <p:spPr>
-          <a:xfrm>
-            <a:off x="313593" y="4536078"/>
-            <a:ext cx="2143858" cy="529698"/>
-          </a:xfrm>
-          <a:prstGeom prst="rect">
-            <a:avLst/>
-          </a:prstGeom>
-        </p:spPr>
-        <p:txBody>
-          <a:bodyPr/>
-          <a:lstStyle/>
-          <a:p>
-            <a:endParaRPr lang="en-US" dirty="0"/>
           </a:p>
         </p:txBody>
       </p:sp>
@@ -915,6 +971,39 @@
       </p:grpSpPr>
       <p:sp>
         <p:nvSpPr>
+          <p:cNvPr id="12" name="Picture Placeholder 13">
+            <a:extLst>
+              <a:ext uri="{FF2B5EF4-FFF2-40B4-BE49-F238E27FC236}">
+                <a16:creationId xmlns:a16="http://schemas.microsoft.com/office/drawing/2014/main" id="{2DB97592-C4D5-B315-7F11-AA14F6EE8A62}"/>
+              </a:ext>
+            </a:extLst>
+          </p:cNvPr>
+          <p:cNvSpPr>
+            <a:spLocks noGrp="1"/>
+          </p:cNvSpPr>
+          <p:nvPr>
+            <p:ph type="pic" sz="quarter" idx="13"/>
+          </p:nvPr>
+        </p:nvSpPr>
+        <p:spPr>
+          <a:xfrm>
+            <a:off x="313593" y="4536078"/>
+            <a:ext cx="2143858" cy="529698"/>
+          </a:xfrm>
+          <a:prstGeom prst="rect">
+            <a:avLst/>
+          </a:prstGeom>
+        </p:spPr>
+        <p:txBody>
+          <a:bodyPr/>
+          <a:lstStyle/>
+          <a:p>
+            <a:endParaRPr lang="en-US" dirty="0"/>
+          </a:p>
+        </p:txBody>
+      </p:sp>
+      <p:sp>
+        <p:nvSpPr>
           <p:cNvPr id="3" name="Shape 1">
             <a:extLst>
               <a:ext uri="{FF2B5EF4-FFF2-40B4-BE49-F238E27FC236}">
@@ -1004,39 +1093,6 @@
               <a:rPr lang="en-US" dirty="0"/>
               <a:t>Bullet Points</a:t>
             </a:r>
-          </a:p>
-        </p:txBody>
-      </p:sp>
-      <p:sp>
-        <p:nvSpPr>
-          <p:cNvPr id="12" name="Picture Placeholder 13">
-            <a:extLst>
-              <a:ext uri="{FF2B5EF4-FFF2-40B4-BE49-F238E27FC236}">
-                <a16:creationId xmlns:a16="http://schemas.microsoft.com/office/drawing/2014/main" id="{2DB97592-C4D5-B315-7F11-AA14F6EE8A62}"/>
-              </a:ext>
-            </a:extLst>
-          </p:cNvPr>
-          <p:cNvSpPr>
-            <a:spLocks noGrp="1"/>
-          </p:cNvSpPr>
-          <p:nvPr>
-            <p:ph type="pic" sz="quarter" idx="13"/>
-          </p:nvPr>
-        </p:nvSpPr>
-        <p:spPr>
-          <a:xfrm>
-            <a:off x="313593" y="4536078"/>
-            <a:ext cx="2143858" cy="529698"/>
-          </a:xfrm>
-          <a:prstGeom prst="rect">
-            <a:avLst/>
-          </a:prstGeom>
-        </p:spPr>
-        <p:txBody>
-          <a:bodyPr/>
-          <a:lstStyle/>
-          <a:p>
-            <a:endParaRPr lang="en-US" dirty="0"/>
           </a:p>
         </p:txBody>
       </p:sp>
@@ -1179,6 +1235,39 @@
       </p:grpSpPr>
       <p:sp>
         <p:nvSpPr>
+          <p:cNvPr id="10" name="Picture Placeholder 13">
+            <a:extLst>
+              <a:ext uri="{FF2B5EF4-FFF2-40B4-BE49-F238E27FC236}">
+                <a16:creationId xmlns:a16="http://schemas.microsoft.com/office/drawing/2014/main" id="{6A0FA445-7602-F06E-EC73-5504EBF827CC}"/>
+              </a:ext>
+            </a:extLst>
+          </p:cNvPr>
+          <p:cNvSpPr>
+            <a:spLocks noGrp="1"/>
+          </p:cNvSpPr>
+          <p:nvPr>
+            <p:ph type="pic" sz="quarter" idx="14"/>
+          </p:nvPr>
+        </p:nvSpPr>
+        <p:spPr>
+          <a:xfrm>
+            <a:off x="313592" y="4536078"/>
+            <a:ext cx="2121877" cy="529698"/>
+          </a:xfrm>
+          <a:prstGeom prst="rect">
+            <a:avLst/>
+          </a:prstGeom>
+        </p:spPr>
+        <p:txBody>
+          <a:bodyPr/>
+          <a:lstStyle/>
+          <a:p>
+            <a:endParaRPr lang="en-US" dirty="0"/>
+          </a:p>
+        </p:txBody>
+      </p:sp>
+      <p:sp>
+        <p:nvSpPr>
           <p:cNvPr id="3" name="Shape 1">
             <a:extLst>
               <a:ext uri="{FF2B5EF4-FFF2-40B4-BE49-F238E27FC236}">
@@ -1268,39 +1357,6 @@
               <a:rPr lang="en-US" dirty="0"/>
               <a:t>Two Column Layout</a:t>
             </a:r>
-          </a:p>
-        </p:txBody>
-      </p:sp>
-      <p:sp>
-        <p:nvSpPr>
-          <p:cNvPr id="10" name="Picture Placeholder 13">
-            <a:extLst>
-              <a:ext uri="{FF2B5EF4-FFF2-40B4-BE49-F238E27FC236}">
-                <a16:creationId xmlns:a16="http://schemas.microsoft.com/office/drawing/2014/main" id="{6A0FA445-7602-F06E-EC73-5504EBF827CC}"/>
-              </a:ext>
-            </a:extLst>
-          </p:cNvPr>
-          <p:cNvSpPr>
-            <a:spLocks noGrp="1"/>
-          </p:cNvSpPr>
-          <p:nvPr>
-            <p:ph type="pic" sz="quarter" idx="14"/>
-          </p:nvPr>
-        </p:nvSpPr>
-        <p:spPr>
-          <a:xfrm>
-            <a:off x="313592" y="4536078"/>
-            <a:ext cx="2121877" cy="529698"/>
-          </a:xfrm>
-          <a:prstGeom prst="rect">
-            <a:avLst/>
-          </a:prstGeom>
-        </p:spPr>
-        <p:txBody>
-          <a:bodyPr/>
-          <a:lstStyle/>
-          <a:p>
-            <a:endParaRPr lang="en-US" dirty="0"/>
           </a:p>
         </p:txBody>
       </p:sp>
@@ -1548,6 +1604,39 @@
       </p:grpSpPr>
       <p:sp>
         <p:nvSpPr>
+          <p:cNvPr id="12" name="Picture Placeholder 13">
+            <a:extLst>
+              <a:ext uri="{FF2B5EF4-FFF2-40B4-BE49-F238E27FC236}">
+                <a16:creationId xmlns:a16="http://schemas.microsoft.com/office/drawing/2014/main" id="{2DB97592-C4D5-B315-7F11-AA14F6EE8A62}"/>
+              </a:ext>
+            </a:extLst>
+          </p:cNvPr>
+          <p:cNvSpPr>
+            <a:spLocks noGrp="1"/>
+          </p:cNvSpPr>
+          <p:nvPr>
+            <p:ph type="pic" sz="quarter" idx="13"/>
+          </p:nvPr>
+        </p:nvSpPr>
+        <p:spPr>
+          <a:xfrm>
+            <a:off x="313592" y="4536078"/>
+            <a:ext cx="2126273" cy="529698"/>
+          </a:xfrm>
+          <a:prstGeom prst="rect">
+            <a:avLst/>
+          </a:prstGeom>
+        </p:spPr>
+        <p:txBody>
+          <a:bodyPr/>
+          <a:lstStyle/>
+          <a:p>
+            <a:endParaRPr lang="en-US" dirty="0"/>
+          </a:p>
+        </p:txBody>
+      </p:sp>
+      <p:sp>
+        <p:nvSpPr>
           <p:cNvPr id="3" name="Shape 1">
             <a:extLst>
               <a:ext uri="{FF2B5EF4-FFF2-40B4-BE49-F238E27FC236}">
@@ -1663,39 +1752,6 @@
           </a:p>
           <a:p>
             <a:pPr lvl="0"/>
-            <a:endParaRPr lang="en-US" dirty="0"/>
-          </a:p>
-        </p:txBody>
-      </p:sp>
-      <p:sp>
-        <p:nvSpPr>
-          <p:cNvPr id="12" name="Picture Placeholder 13">
-            <a:extLst>
-              <a:ext uri="{FF2B5EF4-FFF2-40B4-BE49-F238E27FC236}">
-                <a16:creationId xmlns:a16="http://schemas.microsoft.com/office/drawing/2014/main" id="{2DB97592-C4D5-B315-7F11-AA14F6EE8A62}"/>
-              </a:ext>
-            </a:extLst>
-          </p:cNvPr>
-          <p:cNvSpPr>
-            <a:spLocks noGrp="1"/>
-          </p:cNvSpPr>
-          <p:nvPr>
-            <p:ph type="pic" sz="quarter" idx="13"/>
-          </p:nvPr>
-        </p:nvSpPr>
-        <p:spPr>
-          <a:xfrm>
-            <a:off x="313592" y="4536078"/>
-            <a:ext cx="2126273" cy="529698"/>
-          </a:xfrm>
-          <a:prstGeom prst="rect">
-            <a:avLst/>
-          </a:prstGeom>
-        </p:spPr>
-        <p:txBody>
-          <a:bodyPr/>
-          <a:lstStyle/>
-          <a:p>
             <a:endParaRPr lang="en-US" dirty="0"/>
           </a:p>
         </p:txBody>
@@ -1807,6 +1863,39 @@
       </p:grpSpPr>
       <p:sp>
         <p:nvSpPr>
+          <p:cNvPr id="10" name="Picture Placeholder 13">
+            <a:extLst>
+              <a:ext uri="{FF2B5EF4-FFF2-40B4-BE49-F238E27FC236}">
+                <a16:creationId xmlns:a16="http://schemas.microsoft.com/office/drawing/2014/main" id="{6A0FA445-7602-F06E-EC73-5504EBF827CC}"/>
+              </a:ext>
+            </a:extLst>
+          </p:cNvPr>
+          <p:cNvSpPr>
+            <a:spLocks noGrp="1"/>
+          </p:cNvSpPr>
+          <p:nvPr>
+            <p:ph type="pic" sz="quarter" idx="14"/>
+          </p:nvPr>
+        </p:nvSpPr>
+        <p:spPr>
+          <a:xfrm>
+            <a:off x="313592" y="4536078"/>
+            <a:ext cx="2130670" cy="529698"/>
+          </a:xfrm>
+          <a:prstGeom prst="rect">
+            <a:avLst/>
+          </a:prstGeom>
+        </p:spPr>
+        <p:txBody>
+          <a:bodyPr/>
+          <a:lstStyle/>
+          <a:p>
+            <a:endParaRPr lang="en-US" dirty="0"/>
+          </a:p>
+        </p:txBody>
+      </p:sp>
+      <p:sp>
+        <p:nvSpPr>
           <p:cNvPr id="3" name="Shape 1">
             <a:extLst>
               <a:ext uri="{FF2B5EF4-FFF2-40B4-BE49-F238E27FC236}">
@@ -1896,39 +1985,6 @@
               <a:rPr lang="en-US" dirty="0"/>
               <a:t>Visual Content</a:t>
             </a:r>
-          </a:p>
-        </p:txBody>
-      </p:sp>
-      <p:sp>
-        <p:nvSpPr>
-          <p:cNvPr id="10" name="Picture Placeholder 13">
-            <a:extLst>
-              <a:ext uri="{FF2B5EF4-FFF2-40B4-BE49-F238E27FC236}">
-                <a16:creationId xmlns:a16="http://schemas.microsoft.com/office/drawing/2014/main" id="{6A0FA445-7602-F06E-EC73-5504EBF827CC}"/>
-              </a:ext>
-            </a:extLst>
-          </p:cNvPr>
-          <p:cNvSpPr>
-            <a:spLocks noGrp="1"/>
-          </p:cNvSpPr>
-          <p:nvPr>
-            <p:ph type="pic" sz="quarter" idx="14"/>
-          </p:nvPr>
-        </p:nvSpPr>
-        <p:spPr>
-          <a:xfrm>
-            <a:off x="313592" y="4536078"/>
-            <a:ext cx="2130670" cy="529698"/>
-          </a:xfrm>
-          <a:prstGeom prst="rect">
-            <a:avLst/>
-          </a:prstGeom>
-        </p:spPr>
-        <p:txBody>
-          <a:bodyPr/>
-          <a:lstStyle/>
-          <a:p>
-            <a:endParaRPr lang="en-US" dirty="0"/>
           </a:p>
         </p:txBody>
       </p:sp>
@@ -2124,6 +2180,39 @@
       </p:grpSpPr>
       <p:sp>
         <p:nvSpPr>
+          <p:cNvPr id="10" name="Picture Placeholder 13">
+            <a:extLst>
+              <a:ext uri="{FF2B5EF4-FFF2-40B4-BE49-F238E27FC236}">
+                <a16:creationId xmlns:a16="http://schemas.microsoft.com/office/drawing/2014/main" id="{6A0FA445-7602-F06E-EC73-5504EBF827CC}"/>
+              </a:ext>
+            </a:extLst>
+          </p:cNvPr>
+          <p:cNvSpPr>
+            <a:spLocks noGrp="1"/>
+          </p:cNvSpPr>
+          <p:nvPr>
+            <p:ph type="pic" sz="quarter" idx="14"/>
+          </p:nvPr>
+        </p:nvSpPr>
+        <p:spPr>
+          <a:xfrm>
+            <a:off x="313592" y="4536078"/>
+            <a:ext cx="2104294" cy="529698"/>
+          </a:xfrm>
+          <a:prstGeom prst="rect">
+            <a:avLst/>
+          </a:prstGeom>
+        </p:spPr>
+        <p:txBody>
+          <a:bodyPr/>
+          <a:lstStyle/>
+          <a:p>
+            <a:endParaRPr lang="en-US" dirty="0"/>
+          </a:p>
+        </p:txBody>
+      </p:sp>
+      <p:sp>
+        <p:nvSpPr>
           <p:cNvPr id="3" name="Shape 1">
             <a:extLst>
               <a:ext uri="{FF2B5EF4-FFF2-40B4-BE49-F238E27FC236}">
@@ -2213,39 +2302,6 @@
               <a:rPr lang="en-US" dirty="0"/>
               <a:t>Data Visualization</a:t>
             </a:r>
-          </a:p>
-        </p:txBody>
-      </p:sp>
-      <p:sp>
-        <p:nvSpPr>
-          <p:cNvPr id="10" name="Picture Placeholder 13">
-            <a:extLst>
-              <a:ext uri="{FF2B5EF4-FFF2-40B4-BE49-F238E27FC236}">
-                <a16:creationId xmlns:a16="http://schemas.microsoft.com/office/drawing/2014/main" id="{6A0FA445-7602-F06E-EC73-5504EBF827CC}"/>
-              </a:ext>
-            </a:extLst>
-          </p:cNvPr>
-          <p:cNvSpPr>
-            <a:spLocks noGrp="1"/>
-          </p:cNvSpPr>
-          <p:nvPr>
-            <p:ph type="pic" sz="quarter" idx="14"/>
-          </p:nvPr>
-        </p:nvSpPr>
-        <p:spPr>
-          <a:xfrm>
-            <a:off x="313592" y="4536078"/>
-            <a:ext cx="2104294" cy="529698"/>
-          </a:xfrm>
-          <a:prstGeom prst="rect">
-            <a:avLst/>
-          </a:prstGeom>
-        </p:spPr>
-        <p:txBody>
-          <a:bodyPr/>
-          <a:lstStyle/>
-          <a:p>
-            <a:endParaRPr lang="en-US" dirty="0"/>
           </a:p>
         </p:txBody>
       </p:sp>
@@ -3270,7 +3326,7 @@
           <a:lstStyle/>
           <a:p>
             <a:r>
-              <a:t>['Presenter Name'] | November 21, 2025</a:t>
+              <a:t>['Presenter Name'] | November 24, 2025</a:t>
             </a:r>
           </a:p>
         </p:txBody>
@@ -3367,7 +3423,7 @@
       <p:grpSpPr/>
       <p:sp>
         <p:nvSpPr>
-          <p:cNvPr id="2" name="Text Placeholder 1"/>
+          <p:cNvPr id="3" name="Text Placeholder 2"/>
           <p:cNvSpPr>
             <a:spLocks noGrp="1"/>
           </p:cNvSpPr>
@@ -3671,7 +3727,7 @@
       <p:grpSpPr/>
       <p:sp>
         <p:nvSpPr>
-          <p:cNvPr id="2" name="Text Placeholder 1"/>
+          <p:cNvPr id="3" name="Text Placeholder 2"/>
           <p:cNvSpPr>
             <a:spLocks noGrp="1"/>
           </p:cNvSpPr>
@@ -3846,7 +3902,7 @@
       <p:grpSpPr/>
       <p:sp>
         <p:nvSpPr>
-          <p:cNvPr id="2" name="Text Placeholder 1"/>
+          <p:cNvPr id="3" name="Text Placeholder 2"/>
           <p:cNvSpPr>
             <a:spLocks noGrp="1"/>
           </p:cNvSpPr>
@@ -4724,7 +4780,7 @@
       <p:grpSpPr/>
       <p:sp>
         <p:nvSpPr>
-          <p:cNvPr id="2" name="Text Placeholder 1"/>
+          <p:cNvPr id="3" name="Text Placeholder 2"/>
           <p:cNvSpPr>
             <a:spLocks noGrp="1"/>
           </p:cNvSpPr>
@@ -4913,7 +4969,7 @@
       <p:grpSpPr/>
       <p:sp>
         <p:nvSpPr>
-          <p:cNvPr id="2" name="Text Placeholder 1"/>
+          <p:cNvPr id="3" name="Text Placeholder 2"/>
           <p:cNvSpPr>
             <a:spLocks noGrp="1"/>
           </p:cNvSpPr>
@@ -5097,7 +5153,7 @@
       <p:grpSpPr/>
       <p:sp>
         <p:nvSpPr>
-          <p:cNvPr id="2" name="Text Placeholder 1"/>
+          <p:cNvPr id="3" name="Text Placeholder 2"/>
           <p:cNvSpPr>
             <a:spLocks noGrp="1"/>
           </p:cNvSpPr>
@@ -5516,7 +5572,7 @@
       <p:grpSpPr/>
       <p:sp>
         <p:nvSpPr>
-          <p:cNvPr id="2" name="Text Placeholder 1"/>
+          <p:cNvPr id="3" name="Text Placeholder 2"/>
           <p:cNvSpPr>
             <a:spLocks noGrp="1"/>
           </p:cNvSpPr>
@@ -5689,7 +5745,7 @@
       <p:grpSpPr/>
       <p:sp>
         <p:nvSpPr>
-          <p:cNvPr id="2" name="Text Placeholder 1"/>
+          <p:cNvPr id="3" name="Text Placeholder 2"/>
           <p:cNvSpPr>
             <a:spLocks noGrp="1"/>
           </p:cNvSpPr>
@@ -5876,7 +5932,7 @@
       <p:grpSpPr/>
       <p:sp>
         <p:nvSpPr>
-          <p:cNvPr id="2" name="Text Placeholder 1"/>
+          <p:cNvPr id="3" name="Text Placeholder 2"/>
           <p:cNvSpPr>
             <a:spLocks noGrp="1"/>
           </p:cNvSpPr>
@@ -6099,41 +6155,7 @@
                     <a:p>
                       <a:r>
                         <a:rPr sz="1100"/>
-                        <a:t>$125,150</a:t>
-                      </a:r>
-                    </a:p>
-                  </a:txBody>
-                  <a:tcPr>
-                    <a:solidFill>
-                      <a:srgbClr val="E7E6E6"/>
-                    </a:solidFill>
-                  </a:tcPr>
-                </a:tc>
-                <a:tc>
-                  <a:txBody>
-                    <a:bodyPr/>
-                    <a:lstStyle/>
-                    <a:p>
-                      <a:r>
-                        <a:rPr sz="1100"/>
-                        <a:t>($22,000)</a:t>
-                      </a:r>
-                    </a:p>
-                  </a:txBody>
-                  <a:tcPr>
-                    <a:solidFill>
-                      <a:srgbClr val="E7E6E6"/>
-                    </a:solidFill>
-                  </a:tcPr>
-                </a:tc>
-                <a:tc>
-                  <a:txBody>
-                    <a:bodyPr/>
-                    <a:lstStyle/>
-                    <a:p>
-                      <a:r>
-                        <a:rPr sz="1100"/>
-                        <a:t>$103,150</a:t>
+                        <a:t>$0</a:t>
                       </a:r>
                     </a:p>
                   </a:txBody>
@@ -6184,7 +6206,41 @@
                     <a:p>
                       <a:r>
                         <a:rPr sz="1100"/>
-                        <a:t>$103,150</a:t>
+                        <a:t>$0</a:t>
+                      </a:r>
+                    </a:p>
+                  </a:txBody>
+                  <a:tcPr>
+                    <a:solidFill>
+                      <a:srgbClr val="E7E6E6"/>
+                    </a:solidFill>
+                  </a:tcPr>
+                </a:tc>
+                <a:tc>
+                  <a:txBody>
+                    <a:bodyPr/>
+                    <a:lstStyle/>
+                    <a:p>
+                      <a:r>
+                        <a:rPr sz="1100"/>
+                        <a:t>$0</a:t>
+                      </a:r>
+                    </a:p>
+                  </a:txBody>
+                  <a:tcPr>
+                    <a:solidFill>
+                      <a:srgbClr val="E7E6E6"/>
+                    </a:solidFill>
+                  </a:tcPr>
+                </a:tc>
+                <a:tc>
+                  <a:txBody>
+                    <a:bodyPr/>
+                    <a:lstStyle/>
+                    <a:p>
+                      <a:r>
+                        <a:rPr sz="1100"/>
+                        <a:t>$0</a:t>
                       </a:r>
                     </a:p>
                   </a:txBody>
@@ -6203,7 +6259,7 @@
                     <a:p>
                       <a:r>
                         <a:rPr sz="1100"/>
-                        <a:t>Cloud Infrastructure</a:t>
+                        <a:t>Cloud Services</a:t>
                       </a:r>
                     </a:p>
                   </a:txBody>
@@ -6583,7 +6639,7 @@
                     <a:p>
                       <a:r>
                         <a:rPr b="1" sz="1100"/>
-                        <a:t>$140,316</a:t>
+                        <a:t>$15,166</a:t>
                       </a:r>
                     </a:p>
                   </a:txBody>
@@ -6600,7 +6656,7 @@
                     <a:p>
                       <a:r>
                         <a:rPr b="1" sz="1100"/>
-                        <a:t>($25,317)</a:t>
+                        <a:t>($3,317)</a:t>
                       </a:r>
                     </a:p>
                   </a:txBody>
@@ -6617,7 +6673,7 @@
                     <a:p>
                       <a:r>
                         <a:rPr b="1" sz="1100"/>
-                        <a:t>$114,999</a:t>
+                        <a:t>$11,849</a:t>
                       </a:r>
                     </a:p>
                   </a:txBody>
@@ -6668,7 +6724,7 @@
                     <a:p>
                       <a:r>
                         <a:rPr b="1" sz="1100"/>
-                        <a:t>$145,131</a:t>
+                        <a:t>$41,981</a:t>
                       </a:r>
                     </a:p>
                   </a:txBody>
